--- a/outputs/Inspection_Plan_MLK_PMT_10101_-_V-001.pptx
+++ b/outputs/Inspection_Plan_MLK_PMT_10101_-_V-001.pptx
@@ -8,8 +8,8 @@
     <p:notesMasterId r:id="rId3"/>
   </p:notesMasterIdLst>
   <p:sldIdLst>
-    <p:sldId id="256" r:id="rId2"/>
     <p:sldId id="257" r:id="rId9"/>
+    <p:sldId id="258" r:id="rId10"/>
   </p:sldIdLst>
   <p:sldSz cx="9906000" cy="6858000" type="A4"/>
   <p:notesSz cx="10020300" cy="6888163"/>
@@ -272,7 +272,7 @@
       </p15:notesGuideLst>
     </p:ext>
     <p:ext uri="GoogleSlidesCustomDataVersion2">
-      <go:slidesCustomData xmlns="" xmlns:mc="http://schemas.openxmlformats.org/markup-compatibility/2006" xmlns:mv="urn:schemas-microsoft-com:mac:vml" xmlns:c="http://schemas.openxmlformats.org/drawingml/2006/chart" xmlns:dgm="http://schemas.openxmlformats.org/drawingml/2006/diagram" xmlns:o="urn:schemas-microsoft-com:office:office" xmlns:v="urn:schemas-microsoft-com:vml" xmlns:pvml="urn:schemas-microsoft-com:office:powerpoint" xmlns:com="http://schemas.openxmlformats.org/drawingml/2006/compatibility" xmlns:p14="http://schemas.microsoft.com/office/powerpoint/2010/main" xmlns:p15="http://schemas.microsoft.com/office/powerpoint/2012/main" xmlns:ahyp="http://schemas.microsoft.com/office/drawing/2018/hyperlinkcolor" xmlns:go="http://customooxmlschemas.google.com/" r:id="rId17" roundtripDataSignature="AMtx7mi63UC9Eo4fSiesXjw4TJcT6QamgA=="/>
+      <go:slidesCustomData xmlns:go="http://customooxmlschemas.google.com/" xmlns:ahyp="http://schemas.microsoft.com/office/drawing/2018/hyperlinkcolor" xmlns:p15="http://schemas.microsoft.com/office/powerpoint/2012/main" xmlns:p14="http://schemas.microsoft.com/office/powerpoint/2010/main" xmlns:com="http://schemas.openxmlformats.org/drawingml/2006/compatibility" xmlns:pvml="urn:schemas-microsoft-com:office:powerpoint" xmlns:v="urn:schemas-microsoft-com:vml" xmlns:o="urn:schemas-microsoft-com:office:office" xmlns:dgm="http://schemas.openxmlformats.org/drawingml/2006/diagram" xmlns:c="http://schemas.openxmlformats.org/drawingml/2006/chart" xmlns:mv="urn:schemas-microsoft-com:mac:vml" xmlns:mc="http://schemas.openxmlformats.org/markup-compatibility/2006" xmlns="" r:id="rId17" roundtripDataSignature="AMtx7mi63UC9Eo4fSiesXjw4TJcT6QamgA=="/>
     </p:ext>
   </p:extLst>
 </p:presentation>
@@ -5436,14 +5436,29 @@
                     <a:bodyPr/>
                     <a:lstStyle/>
                     <a:p>
-                      <a:pPr>
-                        <a:defRPr sz="900">
-                          <a:latin typeface="Arial"/>
-                        </a:defRPr>
-                      </a:pPr>
-                      <a:r>
-                        <a:t>WATER / STEAM</a:t>
-                      </a:r>
+                      <a:pPr marL="0" marR="0" lvl="0" indent="0" algn="ctr" rtl="0">
+                        <a:spcBef>
+                          <a:spcPts val="0"/>
+                        </a:spcBef>
+                        <a:spcAft>
+                          <a:spcPts val="0"/>
+                        </a:spcAft>
+                        <a:buClr>
+                          <a:srgbClr val="000000"/>
+                        </a:buClr>
+                        <a:buSzPts val="1100"/>
+                        <a:buFont typeface="Calibri"/>
+                        <a:buNone/>
+                      </a:pPr>
+                      <a:endParaRPr sz="1100" b="0" i="0" u="none" strike="noStrike" dirty="0">
+                        <a:solidFill>
+                          <a:srgbClr val="000000"/>
+                        </a:solidFill>
+                        <a:latin typeface="Calibri"/>
+                        <a:ea typeface="Calibri"/>
+                        <a:cs typeface="Calibri"/>
+                        <a:sym typeface="Calibri"/>
+                      </a:endParaRPr>
                     </a:p>
                   </a:txBody>
                   <a:tcPr marL="0" marR="0" marT="0" marB="0" anchor="ctr">
@@ -5490,14 +5505,29 @@
                     <a:bodyPr/>
                     <a:lstStyle/>
                     <a:p>
-                      <a:pPr>
-                        <a:defRPr sz="900">
-                          <a:latin typeface="Arial"/>
-                        </a:defRPr>
-                      </a:pPr>
-                      <a:r>
-                        <a:t>Shell</a:t>
-                      </a:r>
+                      <a:pPr marL="0" marR="0" lvl="0" indent="0" algn="ctr" rtl="0">
+                        <a:spcBef>
+                          <a:spcPts val="0"/>
+                        </a:spcBef>
+                        <a:spcAft>
+                          <a:spcPts val="0"/>
+                        </a:spcAft>
+                        <a:buClr>
+                          <a:srgbClr val="000000"/>
+                        </a:buClr>
+                        <a:buSzPts val="1100"/>
+                        <a:buFont typeface="Calibri"/>
+                        <a:buNone/>
+                      </a:pPr>
+                      <a:endParaRPr sz="1100" b="0" i="0" u="none" strike="noStrike" dirty="0">
+                        <a:solidFill>
+                          <a:srgbClr val="000000"/>
+                        </a:solidFill>
+                        <a:latin typeface="Calibri"/>
+                        <a:ea typeface="Calibri"/>
+                        <a:cs typeface="Calibri"/>
+                        <a:sym typeface="Calibri"/>
+                      </a:endParaRPr>
                     </a:p>
                   </a:txBody>
                   <a:tcPr marL="0" marR="0" marT="0" marB="0" anchor="ctr">
@@ -5544,14 +5574,29 @@
                     <a:bodyPr/>
                     <a:lstStyle/>
                     <a:p>
-                      <a:pPr>
-                        <a:defRPr sz="900">
-                          <a:latin typeface="Arial"/>
-                        </a:defRPr>
-                      </a:pPr>
-                      <a:r>
-                        <a:t>-</a:t>
-                      </a:r>
+                      <a:pPr marL="0" marR="0" lvl="0" indent="0" algn="ctr" rtl="0">
+                        <a:lnSpc>
+                          <a:spcPct val="100000"/>
+                        </a:lnSpc>
+                        <a:spcBef>
+                          <a:spcPts val="0"/>
+                        </a:spcBef>
+                        <a:spcAft>
+                          <a:spcPts val="0"/>
+                        </a:spcAft>
+                        <a:buClr>
+                          <a:schemeClr val="dk1"/>
+                        </a:buClr>
+                        <a:buSzPts val="800"/>
+                        <a:buFont typeface="Arial"/>
+                        <a:buNone/>
+                      </a:pPr>
+                      <a:endParaRPr sz="800" dirty="0">
+                        <a:latin typeface="Arial"/>
+                        <a:ea typeface="Arial"/>
+                        <a:cs typeface="Arial"/>
+                        <a:sym typeface="Arial"/>
+                      </a:endParaRPr>
                     </a:p>
                   </a:txBody>
                   <a:tcPr marL="83125" marR="83125" marT="45725" marB="45725" anchor="ctr">
@@ -5598,14 +5643,21 @@
                     <a:bodyPr/>
                     <a:lstStyle/>
                     <a:p>
-                      <a:pPr>
-                        <a:defRPr sz="900">
-                          <a:latin typeface="Arial"/>
-                        </a:defRPr>
-                      </a:pPr>
-                      <a:r>
-                        <a:t>Carbon Steel</a:t>
-                      </a:r>
+                      <a:pPr marL="0" marR="0" lvl="0" indent="0" algn="ctr" rtl="0">
+                        <a:spcBef>
+                          <a:spcPts val="0"/>
+                        </a:spcBef>
+                        <a:spcAft>
+                          <a:spcPts val="0"/>
+                        </a:spcAft>
+                        <a:buNone/>
+                      </a:pPr>
+                      <a:endParaRPr sz="800" dirty="0">
+                        <a:latin typeface="Arial"/>
+                        <a:ea typeface="Arial"/>
+                        <a:cs typeface="Arial"/>
+                        <a:sym typeface="Arial"/>
+                      </a:endParaRPr>
                     </a:p>
                   </a:txBody>
                   <a:tcPr marL="83125" marR="83125" marT="45725" marB="45725" anchor="ctr">
@@ -5652,14 +5704,21 @@
                     <a:bodyPr/>
                     <a:lstStyle/>
                     <a:p>
-                      <a:pPr>
-                        <a:defRPr sz="900">
-                          <a:latin typeface="Arial"/>
-                        </a:defRPr>
-                      </a:pPr>
-                      <a:r>
-                        <a:t>SA-516</a:t>
-                      </a:r>
+                      <a:pPr marL="0" marR="0" lvl="0" indent="0" algn="ctr" rtl="0">
+                        <a:spcBef>
+                          <a:spcPts val="0"/>
+                        </a:spcBef>
+                        <a:spcAft>
+                          <a:spcPts val="0"/>
+                        </a:spcAft>
+                        <a:buNone/>
+                      </a:pPr>
+                      <a:endParaRPr sz="800" dirty="0">
+                        <a:latin typeface="Arial"/>
+                        <a:ea typeface="Arial"/>
+                        <a:cs typeface="Arial"/>
+                        <a:sym typeface="Arial"/>
+                      </a:endParaRPr>
                     </a:p>
                   </a:txBody>
                   <a:tcPr marL="83125" marR="83125" marT="45725" marB="45725" anchor="ctr">
@@ -5706,14 +5765,21 @@
                     <a:bodyPr/>
                     <a:lstStyle/>
                     <a:p>
-                      <a:pPr>
-                        <a:defRPr sz="900">
-                          <a:latin typeface="Arial"/>
-                        </a:defRPr>
-                      </a:pPr>
-                      <a:r>
-                        <a:t>70</a:t>
-                      </a:r>
+                      <a:pPr marL="0" marR="0" lvl="0" indent="0" algn="ctr" rtl="0">
+                        <a:spcBef>
+                          <a:spcPts val="0"/>
+                        </a:spcBef>
+                        <a:spcAft>
+                          <a:spcPts val="0"/>
+                        </a:spcAft>
+                        <a:buNone/>
+                      </a:pPr>
+                      <a:endParaRPr sz="800" dirty="0">
+                        <a:latin typeface="Arial"/>
+                        <a:ea typeface="Arial"/>
+                        <a:cs typeface="Arial"/>
+                        <a:sym typeface="Arial"/>
+                      </a:endParaRPr>
                     </a:p>
                   </a:txBody>
                   <a:tcPr marL="83125" marR="83125" marT="45725" marB="45725" anchor="ctr">
@@ -5760,14 +5826,21 @@
                     <a:bodyPr/>
                     <a:lstStyle/>
                     <a:p>
-                      <a:pPr>
-                        <a:defRPr sz="900">
-                          <a:latin typeface="Arial"/>
-                        </a:defRPr>
-                      </a:pPr>
-                      <a:r>
-                        <a:t>-</a:t>
-                      </a:r>
+                      <a:pPr marL="0" marR="0" lvl="0" indent="0" algn="ctr" rtl="0">
+                        <a:spcBef>
+                          <a:spcPts val="0"/>
+                        </a:spcBef>
+                        <a:spcAft>
+                          <a:spcPts val="0"/>
+                        </a:spcAft>
+                        <a:buNone/>
+                      </a:pPr>
+                      <a:endParaRPr sz="800" dirty="0">
+                        <a:latin typeface="Arial"/>
+                        <a:ea typeface="Arial"/>
+                        <a:cs typeface="Arial"/>
+                        <a:sym typeface="Arial"/>
+                      </a:endParaRPr>
                     </a:p>
                   </a:txBody>
                   <a:tcPr marL="83125" marR="83125" marT="45725" marB="45725" anchor="ctr">
@@ -5814,14 +5887,29 @@
                     <a:bodyPr/>
                     <a:lstStyle/>
                     <a:p>
-                      <a:pPr>
-                        <a:defRPr sz="900">
-                          <a:latin typeface="Arial"/>
-                        </a:defRPr>
-                      </a:pPr>
-                      <a:r>
-                        <a:t>90 C</a:t>
-                      </a:r>
+                      <a:pPr marL="0" marR="0" lvl="0" indent="0" algn="ctr" rtl="0">
+                        <a:spcBef>
+                          <a:spcPts val="0"/>
+                        </a:spcBef>
+                        <a:spcAft>
+                          <a:spcPts val="0"/>
+                        </a:spcAft>
+                        <a:buClr>
+                          <a:srgbClr val="000000"/>
+                        </a:buClr>
+                        <a:buSzPts val="800"/>
+                        <a:buFont typeface="Arial"/>
+                        <a:buNone/>
+                      </a:pPr>
+                      <a:endParaRPr sz="800" b="0" i="0" u="none" strike="noStrike" dirty="0">
+                        <a:solidFill>
+                          <a:srgbClr val="000000"/>
+                        </a:solidFill>
+                        <a:latin typeface="Arial"/>
+                        <a:ea typeface="Arial"/>
+                        <a:cs typeface="Arial"/>
+                        <a:sym typeface="Arial"/>
+                      </a:endParaRPr>
                     </a:p>
                   </a:txBody>
                   <a:tcPr marL="0" marR="0" marT="0" marB="0" anchor="ctr">
@@ -5868,14 +5956,29 @@
                     <a:bodyPr/>
                     <a:lstStyle/>
                     <a:p>
-                      <a:pPr>
-                        <a:defRPr sz="900">
-                          <a:latin typeface="Arial"/>
-                        </a:defRPr>
-                      </a:pPr>
-                      <a:r>
-                        <a:t>9 Bar</a:t>
-                      </a:r>
+                      <a:pPr marL="0" marR="0" lvl="0" indent="0" algn="ctr" rtl="0">
+                        <a:spcBef>
+                          <a:spcPts val="0"/>
+                        </a:spcBef>
+                        <a:spcAft>
+                          <a:spcPts val="0"/>
+                        </a:spcAft>
+                        <a:buClr>
+                          <a:srgbClr val="000000"/>
+                        </a:buClr>
+                        <a:buSzPts val="800"/>
+                        <a:buFont typeface="Arial"/>
+                        <a:buNone/>
+                      </a:pPr>
+                      <a:endParaRPr sz="800" b="0" i="0" u="none" strike="noStrike" dirty="0">
+                        <a:solidFill>
+                          <a:srgbClr val="000000"/>
+                        </a:solidFill>
+                        <a:latin typeface="Arial"/>
+                        <a:ea typeface="Arial"/>
+                        <a:cs typeface="Arial"/>
+                        <a:sym typeface="Arial"/>
+                      </a:endParaRPr>
                     </a:p>
                   </a:txBody>
                   <a:tcPr marL="0" marR="0" marT="0" marB="0" anchor="ctr">
@@ -6063,14 +6166,29 @@
                     <a:bodyPr/>
                     <a:lstStyle/>
                     <a:p>
-                      <a:pPr>
-                        <a:defRPr sz="900">
-                          <a:latin typeface="Arial"/>
-                        </a:defRPr>
-                      </a:pPr>
-                      <a:r>
-                        <a:t>WATER / STEAM</a:t>
-                      </a:r>
+                      <a:pPr marL="0" marR="0" lvl="0" indent="0" algn="ctr" rtl="0">
+                        <a:spcBef>
+                          <a:spcPts val="0"/>
+                        </a:spcBef>
+                        <a:spcAft>
+                          <a:spcPts val="0"/>
+                        </a:spcAft>
+                        <a:buClr>
+                          <a:srgbClr val="000000"/>
+                        </a:buClr>
+                        <a:buSzPts val="1100"/>
+                        <a:buFont typeface="Calibri"/>
+                        <a:buNone/>
+                      </a:pPr>
+                      <a:endParaRPr sz="1100" b="0" i="0" u="none" strike="noStrike" dirty="0">
+                        <a:solidFill>
+                          <a:srgbClr val="000000"/>
+                        </a:solidFill>
+                        <a:latin typeface="Calibri"/>
+                        <a:ea typeface="Calibri"/>
+                        <a:cs typeface="Calibri"/>
+                        <a:sym typeface="Calibri"/>
+                      </a:endParaRPr>
                     </a:p>
                   </a:txBody>
                   <a:tcPr marL="0" marR="0" marT="0" marB="0" anchor="ctr">
@@ -6117,14 +6235,29 @@
                     <a:bodyPr/>
                     <a:lstStyle/>
                     <a:p>
-                      <a:pPr>
-                        <a:defRPr sz="900">
-                          <a:latin typeface="Arial"/>
-                        </a:defRPr>
-                      </a:pPr>
-                      <a:r>
-                        <a:t>Plate Head</a:t>
-                      </a:r>
+                      <a:pPr marL="0" marR="0" lvl="0" indent="0" algn="ctr" rtl="0">
+                        <a:spcBef>
+                          <a:spcPts val="0"/>
+                        </a:spcBef>
+                        <a:spcAft>
+                          <a:spcPts val="0"/>
+                        </a:spcAft>
+                        <a:buClr>
+                          <a:srgbClr val="000000"/>
+                        </a:buClr>
+                        <a:buSzPts val="1100"/>
+                        <a:buFont typeface="Calibri"/>
+                        <a:buNone/>
+                      </a:pPr>
+                      <a:endParaRPr sz="1100" b="0" i="0" u="none" strike="noStrike" dirty="0">
+                        <a:solidFill>
+                          <a:srgbClr val="000000"/>
+                        </a:solidFill>
+                        <a:latin typeface="Calibri"/>
+                        <a:ea typeface="Calibri"/>
+                        <a:cs typeface="Calibri"/>
+                        <a:sym typeface="Calibri"/>
+                      </a:endParaRPr>
                     </a:p>
                   </a:txBody>
                   <a:tcPr marL="0" marR="0" marT="0" marB="0" anchor="ctr">
@@ -6171,14 +6304,29 @@
                     <a:bodyPr/>
                     <a:lstStyle/>
                     <a:p>
-                      <a:pPr>
-                        <a:defRPr sz="900">
-                          <a:latin typeface="Arial"/>
-                        </a:defRPr>
-                      </a:pPr>
-                      <a:r>
-                        <a:t>-</a:t>
-                      </a:r>
+                      <a:pPr marL="0" marR="0" lvl="0" indent="0" algn="ctr" rtl="0">
+                        <a:lnSpc>
+                          <a:spcPct val="100000"/>
+                        </a:lnSpc>
+                        <a:spcBef>
+                          <a:spcPts val="0"/>
+                        </a:spcBef>
+                        <a:spcAft>
+                          <a:spcPts val="0"/>
+                        </a:spcAft>
+                        <a:buClr>
+                          <a:schemeClr val="dk1"/>
+                        </a:buClr>
+                        <a:buSzPts val="800"/>
+                        <a:buFont typeface="Arial"/>
+                        <a:buNone/>
+                      </a:pPr>
+                      <a:endParaRPr sz="800" dirty="0">
+                        <a:latin typeface="Arial"/>
+                        <a:ea typeface="Arial"/>
+                        <a:cs typeface="Arial"/>
+                        <a:sym typeface="Arial"/>
+                      </a:endParaRPr>
                     </a:p>
                   </a:txBody>
                   <a:tcPr marL="83125" marR="83125" marT="45725" marB="45725" anchor="ctr">
@@ -6225,14 +6373,21 @@
                     <a:bodyPr/>
                     <a:lstStyle/>
                     <a:p>
-                      <a:pPr>
-                        <a:defRPr sz="900">
-                          <a:latin typeface="Arial"/>
-                        </a:defRPr>
-                      </a:pPr>
-                      <a:r>
-                        <a:t>Carbon Steel</a:t>
-                      </a:r>
+                      <a:pPr marL="0" marR="0" lvl="0" indent="0" algn="ctr" rtl="0">
+                        <a:spcBef>
+                          <a:spcPts val="0"/>
+                        </a:spcBef>
+                        <a:spcAft>
+                          <a:spcPts val="0"/>
+                        </a:spcAft>
+                        <a:buNone/>
+                      </a:pPr>
+                      <a:endParaRPr sz="800" dirty="0">
+                        <a:latin typeface="Arial"/>
+                        <a:ea typeface="Arial"/>
+                        <a:cs typeface="Arial"/>
+                        <a:sym typeface="Arial"/>
+                      </a:endParaRPr>
                     </a:p>
                   </a:txBody>
                   <a:tcPr marL="83125" marR="83125" marT="45725" marB="45725" anchor="ctr">
@@ -6279,14 +6434,21 @@
                     <a:bodyPr/>
                     <a:lstStyle/>
                     <a:p>
-                      <a:pPr>
-                        <a:defRPr sz="900">
-                          <a:latin typeface="Arial"/>
-                        </a:defRPr>
-                      </a:pPr>
-                      <a:r>
-                        <a:t>SA-516</a:t>
-                      </a:r>
+                      <a:pPr marL="0" marR="0" lvl="0" indent="0" algn="ctr" rtl="0">
+                        <a:spcBef>
+                          <a:spcPts val="0"/>
+                        </a:spcBef>
+                        <a:spcAft>
+                          <a:spcPts val="0"/>
+                        </a:spcAft>
+                        <a:buNone/>
+                      </a:pPr>
+                      <a:endParaRPr sz="800" dirty="0">
+                        <a:latin typeface="Arial"/>
+                        <a:ea typeface="Arial"/>
+                        <a:cs typeface="Arial"/>
+                        <a:sym typeface="Arial"/>
+                      </a:endParaRPr>
                     </a:p>
                   </a:txBody>
                   <a:tcPr marL="83125" marR="83125" marT="45725" marB="45725" anchor="ctr">
@@ -6333,14 +6495,21 @@
                     <a:bodyPr/>
                     <a:lstStyle/>
                     <a:p>
-                      <a:pPr>
-                        <a:defRPr sz="900">
-                          <a:latin typeface="Arial"/>
-                        </a:defRPr>
-                      </a:pPr>
-                      <a:r>
-                        <a:t>70</a:t>
-                      </a:r>
+                      <a:pPr marL="0" marR="0" lvl="0" indent="0" algn="ctr" rtl="0">
+                        <a:spcBef>
+                          <a:spcPts val="0"/>
+                        </a:spcBef>
+                        <a:spcAft>
+                          <a:spcPts val="0"/>
+                        </a:spcAft>
+                        <a:buNone/>
+                      </a:pPr>
+                      <a:endParaRPr sz="800" dirty="0">
+                        <a:latin typeface="Arial"/>
+                        <a:ea typeface="Arial"/>
+                        <a:cs typeface="Arial"/>
+                        <a:sym typeface="Arial"/>
+                      </a:endParaRPr>
                     </a:p>
                   </a:txBody>
                   <a:tcPr marL="83125" marR="83125" marT="45725" marB="45725" anchor="ctr">
@@ -6387,14 +6556,21 @@
                     <a:bodyPr/>
                     <a:lstStyle/>
                     <a:p>
-                      <a:pPr>
-                        <a:defRPr sz="900">
-                          <a:latin typeface="Arial"/>
-                        </a:defRPr>
-                      </a:pPr>
-                      <a:r>
-                        <a:t>-</a:t>
-                      </a:r>
+                      <a:pPr marL="0" marR="0" lvl="0" indent="0" algn="ctr" rtl="0">
+                        <a:spcBef>
+                          <a:spcPts val="0"/>
+                        </a:spcBef>
+                        <a:spcAft>
+                          <a:spcPts val="0"/>
+                        </a:spcAft>
+                        <a:buNone/>
+                      </a:pPr>
+                      <a:endParaRPr sz="800" dirty="0">
+                        <a:latin typeface="Arial"/>
+                        <a:ea typeface="Arial"/>
+                        <a:cs typeface="Arial"/>
+                        <a:sym typeface="Arial"/>
+                      </a:endParaRPr>
                     </a:p>
                   </a:txBody>
                   <a:tcPr marL="83125" marR="83125" marT="45725" marB="45725" anchor="ctr">
@@ -6441,14 +6617,29 @@
                     <a:bodyPr/>
                     <a:lstStyle/>
                     <a:p>
-                      <a:pPr>
-                        <a:defRPr sz="900">
-                          <a:latin typeface="Arial"/>
-                        </a:defRPr>
-                      </a:pPr>
-                      <a:r>
-                        <a:t>90 C</a:t>
-                      </a:r>
+                      <a:pPr marL="0" marR="0" lvl="0" indent="0" algn="ctr" rtl="0">
+                        <a:spcBef>
+                          <a:spcPts val="0"/>
+                        </a:spcBef>
+                        <a:spcAft>
+                          <a:spcPts val="0"/>
+                        </a:spcAft>
+                        <a:buClr>
+                          <a:srgbClr val="000000"/>
+                        </a:buClr>
+                        <a:buSzPts val="800"/>
+                        <a:buFont typeface="Arial"/>
+                        <a:buNone/>
+                      </a:pPr>
+                      <a:endParaRPr sz="800" b="0" i="0" u="none" strike="noStrike" dirty="0">
+                        <a:solidFill>
+                          <a:srgbClr val="000000"/>
+                        </a:solidFill>
+                        <a:latin typeface="Arial"/>
+                        <a:ea typeface="Arial"/>
+                        <a:cs typeface="Arial"/>
+                        <a:sym typeface="Arial"/>
+                      </a:endParaRPr>
                     </a:p>
                   </a:txBody>
                   <a:tcPr marL="0" marR="0" marT="0" marB="0" anchor="ctr">
@@ -6495,14 +6686,29 @@
                     <a:bodyPr/>
                     <a:lstStyle/>
                     <a:p>
-                      <a:pPr>
-                        <a:defRPr sz="900">
-                          <a:latin typeface="Arial"/>
-                        </a:defRPr>
-                      </a:pPr>
-                      <a:r>
-                        <a:t>9 Bar</a:t>
-                      </a:r>
+                      <a:pPr marL="0" marR="0" lvl="0" indent="0" algn="ctr" rtl="0">
+                        <a:spcBef>
+                          <a:spcPts val="0"/>
+                        </a:spcBef>
+                        <a:spcAft>
+                          <a:spcPts val="0"/>
+                        </a:spcAft>
+                        <a:buClr>
+                          <a:srgbClr val="000000"/>
+                        </a:buClr>
+                        <a:buSzPts val="800"/>
+                        <a:buFont typeface="Arial"/>
+                        <a:buNone/>
+                      </a:pPr>
+                      <a:endParaRPr sz="800" b="0" i="0" u="none" strike="noStrike" dirty="0">
+                        <a:solidFill>
+                          <a:srgbClr val="000000"/>
+                        </a:solidFill>
+                        <a:latin typeface="Arial"/>
+                        <a:ea typeface="Arial"/>
+                        <a:cs typeface="Arial"/>
+                        <a:sym typeface="Arial"/>
+                      </a:endParaRPr>
                     </a:p>
                   </a:txBody>
                   <a:tcPr marL="0" marR="0" marT="0" marB="0" anchor="ctr">
@@ -6576,14 +6782,29 @@
                     <a:bodyPr/>
                     <a:lstStyle/>
                     <a:p>
-                      <a:pPr>
-                        <a:defRPr sz="900">
-                          <a:latin typeface="Arial"/>
-                        </a:defRPr>
-                      </a:pPr>
-                      <a:r>
-                        <a:t>WATER / STEAM</a:t>
-                      </a:r>
+                      <a:pPr marL="0" marR="0" lvl="0" indent="0" algn="ctr" rtl="0">
+                        <a:spcBef>
+                          <a:spcPts val="0"/>
+                        </a:spcBef>
+                        <a:spcAft>
+                          <a:spcPts val="0"/>
+                        </a:spcAft>
+                        <a:buClr>
+                          <a:srgbClr val="000000"/>
+                        </a:buClr>
+                        <a:buSzPts val="1100"/>
+                        <a:buFont typeface="Calibri"/>
+                        <a:buNone/>
+                      </a:pPr>
+                      <a:endParaRPr sz="1100" b="0" i="0" u="none" strike="noStrike" dirty="0">
+                        <a:solidFill>
+                          <a:srgbClr val="000000"/>
+                        </a:solidFill>
+                        <a:latin typeface="Calibri"/>
+                        <a:ea typeface="Calibri"/>
+                        <a:cs typeface="Calibri"/>
+                        <a:sym typeface="Calibri"/>
+                      </a:endParaRPr>
                     </a:p>
                   </a:txBody>
                   <a:tcPr marL="0" marR="0" marT="0" marB="0" anchor="ctr">
@@ -6630,14 +6851,29 @@
                     <a:bodyPr/>
                     <a:lstStyle/>
                     <a:p>
-                      <a:pPr>
-                        <a:defRPr sz="900">
-                          <a:latin typeface="Arial"/>
-                        </a:defRPr>
-                      </a:pPr>
-                      <a:r>
-                        <a:t>Coupling</a:t>
-                      </a:r>
+                      <a:pPr marL="0" marR="0" lvl="0" indent="0" algn="ctr" rtl="0">
+                        <a:spcBef>
+                          <a:spcPts val="0"/>
+                        </a:spcBef>
+                        <a:spcAft>
+                          <a:spcPts val="0"/>
+                        </a:spcAft>
+                        <a:buClr>
+                          <a:srgbClr val="000000"/>
+                        </a:buClr>
+                        <a:buSzPts val="1100"/>
+                        <a:buFont typeface="Calibri"/>
+                        <a:buNone/>
+                      </a:pPr>
+                      <a:endParaRPr sz="1100" b="0" i="0" u="none" strike="noStrike" dirty="0">
+                        <a:solidFill>
+                          <a:srgbClr val="000000"/>
+                        </a:solidFill>
+                        <a:latin typeface="Calibri"/>
+                        <a:ea typeface="Calibri"/>
+                        <a:cs typeface="Calibri"/>
+                        <a:sym typeface="Calibri"/>
+                      </a:endParaRPr>
                     </a:p>
                   </a:txBody>
                   <a:tcPr marL="0" marR="0" marT="0" marB="0" anchor="ctr">
@@ -6684,14 +6920,29 @@
                     <a:bodyPr/>
                     <a:lstStyle/>
                     <a:p>
-                      <a:pPr>
-                        <a:defRPr sz="900">
-                          <a:latin typeface="Arial"/>
-                        </a:defRPr>
-                      </a:pPr>
-                      <a:r>
-                        <a:t>-</a:t>
-                      </a:r>
+                      <a:pPr marL="0" marR="0" lvl="0" indent="0" algn="ctr" rtl="0">
+                        <a:lnSpc>
+                          <a:spcPct val="100000"/>
+                        </a:lnSpc>
+                        <a:spcBef>
+                          <a:spcPts val="0"/>
+                        </a:spcBef>
+                        <a:spcAft>
+                          <a:spcPts val="0"/>
+                        </a:spcAft>
+                        <a:buClr>
+                          <a:schemeClr val="dk1"/>
+                        </a:buClr>
+                        <a:buSzPts val="800"/>
+                        <a:buFont typeface="Arial"/>
+                        <a:buNone/>
+                      </a:pPr>
+                      <a:endParaRPr sz="800" dirty="0">
+                        <a:latin typeface="Arial"/>
+                        <a:ea typeface="Arial"/>
+                        <a:cs typeface="Arial"/>
+                        <a:sym typeface="Arial"/>
+                      </a:endParaRPr>
                     </a:p>
                   </a:txBody>
                   <a:tcPr marL="83125" marR="83125" marT="45725" marB="45725" anchor="ctr">
@@ -6738,14 +6989,21 @@
                     <a:bodyPr/>
                     <a:lstStyle/>
                     <a:p>
-                      <a:pPr>
-                        <a:defRPr sz="900">
-                          <a:latin typeface="Arial"/>
-                        </a:defRPr>
-                      </a:pPr>
-                      <a:r>
-                        <a:t>Carbon Steel</a:t>
-                      </a:r>
+                      <a:pPr marL="0" marR="0" lvl="0" indent="0" algn="ctr" rtl="0">
+                        <a:spcBef>
+                          <a:spcPts val="0"/>
+                        </a:spcBef>
+                        <a:spcAft>
+                          <a:spcPts val="0"/>
+                        </a:spcAft>
+                        <a:buNone/>
+                      </a:pPr>
+                      <a:endParaRPr sz="800" dirty="0">
+                        <a:latin typeface="Arial"/>
+                        <a:ea typeface="Arial"/>
+                        <a:cs typeface="Arial"/>
+                        <a:sym typeface="Arial"/>
+                      </a:endParaRPr>
                     </a:p>
                   </a:txBody>
                   <a:tcPr marL="83125" marR="83125" marT="45725" marB="45725" anchor="ctr">
@@ -6792,14 +7050,21 @@
                     <a:bodyPr/>
                     <a:lstStyle/>
                     <a:p>
-                      <a:pPr>
-                        <a:defRPr sz="900">
-                          <a:latin typeface="Arial"/>
-                        </a:defRPr>
-                      </a:pPr>
-                      <a:r>
-                        <a:t>SA-105</a:t>
-                      </a:r>
+                      <a:pPr marL="0" marR="0" lvl="0" indent="0" algn="ctr" rtl="0">
+                        <a:spcBef>
+                          <a:spcPts val="0"/>
+                        </a:spcBef>
+                        <a:spcAft>
+                          <a:spcPts val="0"/>
+                        </a:spcAft>
+                        <a:buNone/>
+                      </a:pPr>
+                      <a:endParaRPr sz="800" dirty="0">
+                        <a:latin typeface="Arial"/>
+                        <a:ea typeface="Arial"/>
+                        <a:cs typeface="Arial"/>
+                        <a:sym typeface="Arial"/>
+                      </a:endParaRPr>
                     </a:p>
                   </a:txBody>
                   <a:tcPr marL="83125" marR="83125" marT="45725" marB="45725" anchor="ctr">
@@ -6846,14 +7111,21 @@
                     <a:bodyPr/>
                     <a:lstStyle/>
                     <a:p>
-                      <a:pPr>
-                        <a:defRPr sz="900">
-                          <a:latin typeface="Arial"/>
-                        </a:defRPr>
-                      </a:pPr>
-                      <a:r>
-                        <a:t>Not Found</a:t>
-                      </a:r>
+                      <a:pPr marL="0" marR="0" lvl="0" indent="0" algn="ctr" rtl="0">
+                        <a:spcBef>
+                          <a:spcPts val="0"/>
+                        </a:spcBef>
+                        <a:spcAft>
+                          <a:spcPts val="0"/>
+                        </a:spcAft>
+                        <a:buNone/>
+                      </a:pPr>
+                      <a:endParaRPr sz="800" dirty="0">
+                        <a:latin typeface="Arial"/>
+                        <a:ea typeface="Arial"/>
+                        <a:cs typeface="Arial"/>
+                        <a:sym typeface="Arial"/>
+                      </a:endParaRPr>
                     </a:p>
                   </a:txBody>
                   <a:tcPr marL="83125" marR="83125" marT="45725" marB="45725" anchor="ctr">
@@ -6900,14 +7172,21 @@
                     <a:bodyPr/>
                     <a:lstStyle/>
                     <a:p>
-                      <a:pPr>
-                        <a:defRPr sz="900">
-                          <a:latin typeface="Arial"/>
-                        </a:defRPr>
-                      </a:pPr>
-                      <a:r>
-                        <a:t>-</a:t>
-                      </a:r>
+                      <a:pPr marL="0" marR="0" lvl="0" indent="0" algn="ctr" rtl="0">
+                        <a:spcBef>
+                          <a:spcPts val="0"/>
+                        </a:spcBef>
+                        <a:spcAft>
+                          <a:spcPts val="0"/>
+                        </a:spcAft>
+                        <a:buNone/>
+                      </a:pPr>
+                      <a:endParaRPr sz="800" dirty="0">
+                        <a:latin typeface="Arial"/>
+                        <a:ea typeface="Arial"/>
+                        <a:cs typeface="Arial"/>
+                        <a:sym typeface="Arial"/>
+                      </a:endParaRPr>
                     </a:p>
                   </a:txBody>
                   <a:tcPr marL="83125" marR="83125" marT="45725" marB="45725" anchor="ctr">
@@ -6954,14 +7233,29 @@
                     <a:bodyPr/>
                     <a:lstStyle/>
                     <a:p>
-                      <a:pPr>
-                        <a:defRPr sz="900">
-                          <a:latin typeface="Arial"/>
-                        </a:defRPr>
-                      </a:pPr>
-                      <a:r>
-                        <a:t>90 C</a:t>
-                      </a:r>
+                      <a:pPr marL="0" marR="0" lvl="0" indent="0" algn="ctr" rtl="0">
+                        <a:spcBef>
+                          <a:spcPts val="0"/>
+                        </a:spcBef>
+                        <a:spcAft>
+                          <a:spcPts val="0"/>
+                        </a:spcAft>
+                        <a:buClr>
+                          <a:srgbClr val="000000"/>
+                        </a:buClr>
+                        <a:buSzPts val="800"/>
+                        <a:buFont typeface="Arial"/>
+                        <a:buNone/>
+                      </a:pPr>
+                      <a:endParaRPr sz="800" b="0" i="0" u="none" strike="noStrike" dirty="0">
+                        <a:solidFill>
+                          <a:srgbClr val="000000"/>
+                        </a:solidFill>
+                        <a:latin typeface="Arial"/>
+                        <a:ea typeface="Arial"/>
+                        <a:cs typeface="Arial"/>
+                        <a:sym typeface="Arial"/>
+                      </a:endParaRPr>
                     </a:p>
                   </a:txBody>
                   <a:tcPr marL="0" marR="0" marT="0" marB="0" anchor="ctr">
@@ -7008,14 +7302,29 @@
                     <a:bodyPr/>
                     <a:lstStyle/>
                     <a:p>
-                      <a:pPr>
-                        <a:defRPr sz="900">
-                          <a:latin typeface="Arial"/>
-                        </a:defRPr>
-                      </a:pPr>
-                      <a:r>
-                        <a:t>9 Bar</a:t>
-                      </a:r>
+                      <a:pPr marL="0" marR="0" lvl="0" indent="0" algn="ctr" rtl="0">
+                        <a:spcBef>
+                          <a:spcPts val="0"/>
+                        </a:spcBef>
+                        <a:spcAft>
+                          <a:spcPts val="0"/>
+                        </a:spcAft>
+                        <a:buClr>
+                          <a:srgbClr val="000000"/>
+                        </a:buClr>
+                        <a:buSzPts val="800"/>
+                        <a:buFont typeface="Arial"/>
+                        <a:buNone/>
+                      </a:pPr>
+                      <a:endParaRPr sz="800" b="0" i="0" u="none" strike="noStrike" dirty="0">
+                        <a:solidFill>
+                          <a:srgbClr val="000000"/>
+                        </a:solidFill>
+                        <a:latin typeface="Arial"/>
+                        <a:ea typeface="Arial"/>
+                        <a:cs typeface="Arial"/>
+                        <a:sym typeface="Arial"/>
+                      </a:endParaRPr>
                     </a:p>
                   </a:txBody>
                   <a:tcPr marL="0" marR="0" marT="0" marB="0" anchor="ctr">
@@ -7076,1042 +7385,6 @@
                     </a:p>
                   </a:txBody>
                   <a:tcPr/>
-                </a:tc>
-                <a:extLst>
-                  <a:ext uri="{0D108BD9-81ED-4DB2-BD59-A6C34878D82A}">
-                    <a16:rowId xmlns:a16="http://schemas.microsoft.com/office/drawing/2014/main" val="10004"/>
-                  </a:ext>
-                </a:extLst>
-              </a:tr>
-              <a:tr h="243125">
-                <a:tc>
-                  <a:txBody>
-                    <a:bodyPr/>
-                    <a:lstStyle/>
-                    <a:p>
-                      <a:pPr>
-                        <a:defRPr sz="900">
-                          <a:latin typeface="Arial"/>
-                        </a:defRPr>
-                      </a:pPr>
-                      <a:r>
-                        <a:t>WATER / STEAM</a:t>
-                      </a:r>
-                    </a:p>
-                  </a:txBody>
-                  <a:tcPr marL="0" marR="0" marT="0" marB="0" anchor="ctr">
-                    <a:lnL w="9525" cap="flat" cmpd="sng">
-                      <a:solidFill>
-                        <a:schemeClr val="dk1"/>
-                      </a:solidFill>
-                      <a:prstDash val="solid"/>
-                      <a:round/>
-                      <a:headEnd type="none" w="sm" len="sm"/>
-                      <a:tailEnd type="none" w="sm" len="sm"/>
-                    </a:lnL>
-                    <a:lnR w="9525" cap="flat" cmpd="sng">
-                      <a:solidFill>
-                        <a:schemeClr val="dk1"/>
-                      </a:solidFill>
-                      <a:prstDash val="solid"/>
-                      <a:round/>
-                      <a:headEnd type="none" w="sm" len="sm"/>
-                      <a:tailEnd type="none" w="sm" len="sm"/>
-                    </a:lnR>
-                    <a:lnT w="9525" cap="flat" cmpd="sng">
-                      <a:solidFill>
-                        <a:schemeClr val="dk1"/>
-                      </a:solidFill>
-                      <a:prstDash val="solid"/>
-                      <a:round/>
-                      <a:headEnd type="none" w="sm" len="sm"/>
-                      <a:tailEnd type="none" w="sm" len="sm"/>
-                    </a:lnT>
-                    <a:lnB w="9525" cap="flat" cmpd="sng">
-                      <a:solidFill>
-                        <a:schemeClr val="dk1"/>
-                      </a:solidFill>
-                      <a:prstDash val="solid"/>
-                      <a:round/>
-                      <a:headEnd type="none" w="sm" len="sm"/>
-                      <a:tailEnd type="none" w="sm" len="sm"/>
-                    </a:lnB>
-                  </a:tcPr>
-                </a:tc>
-                <a:tc>
-                  <a:txBody>
-                    <a:bodyPr/>
-                    <a:lstStyle/>
-                    <a:p>
-                      <a:pPr>
-                        <a:defRPr sz="900">
-                          <a:latin typeface="Arial"/>
-                        </a:defRPr>
-                      </a:pPr>
-                      <a:r>
-                        <a:t>Full Coupling</a:t>
-                      </a:r>
-                    </a:p>
-                  </a:txBody>
-                  <a:tcPr marL="0" marR="0" marT="0" marB="0" anchor="ctr">
-                    <a:lnL w="9525" cap="flat" cmpd="sng">
-                      <a:solidFill>
-                        <a:schemeClr val="dk1"/>
-                      </a:solidFill>
-                      <a:prstDash val="solid"/>
-                      <a:round/>
-                      <a:headEnd type="none" w="sm" len="sm"/>
-                      <a:tailEnd type="none" w="sm" len="sm"/>
-                    </a:lnL>
-                    <a:lnR w="9525" cap="flat" cmpd="sng">
-                      <a:solidFill>
-                        <a:schemeClr val="dk1"/>
-                      </a:solidFill>
-                      <a:prstDash val="solid"/>
-                      <a:round/>
-                      <a:headEnd type="none" w="sm" len="sm"/>
-                      <a:tailEnd type="none" w="sm" len="sm"/>
-                    </a:lnR>
-                    <a:lnT w="9525" cap="flat" cmpd="sng">
-                      <a:solidFill>
-                        <a:schemeClr val="dk1"/>
-                      </a:solidFill>
-                      <a:prstDash val="solid"/>
-                      <a:round/>
-                      <a:headEnd type="none" w="sm" len="sm"/>
-                      <a:tailEnd type="none" w="sm" len="sm"/>
-                    </a:lnT>
-                    <a:lnB w="9525" cap="flat" cmpd="sng">
-                      <a:solidFill>
-                        <a:schemeClr val="dk1"/>
-                      </a:solidFill>
-                      <a:prstDash val="solid"/>
-                      <a:round/>
-                      <a:headEnd type="none" w="sm" len="sm"/>
-                      <a:tailEnd type="none" w="sm" len="sm"/>
-                    </a:lnB>
-                  </a:tcPr>
-                </a:tc>
-                <a:tc>
-                  <a:txBody>
-                    <a:bodyPr/>
-                    <a:lstStyle/>
-                    <a:p>
-                      <a:pPr>
-                        <a:defRPr sz="900">
-                          <a:latin typeface="Arial"/>
-                        </a:defRPr>
-                      </a:pPr>
-                      <a:r>
-                        <a:t>-</a:t>
-                      </a:r>
-                    </a:p>
-                  </a:txBody>
-                  <a:tcPr marL="83125" marR="83125" marT="45725" marB="45725" anchor="ctr">
-                    <a:lnL w="9525" cap="flat" cmpd="sng">
-                      <a:solidFill>
-                        <a:schemeClr val="dk1"/>
-                      </a:solidFill>
-                      <a:prstDash val="solid"/>
-                      <a:round/>
-                      <a:headEnd type="none" w="sm" len="sm"/>
-                      <a:tailEnd type="none" w="sm" len="sm"/>
-                    </a:lnL>
-                    <a:lnR w="9525" cap="flat" cmpd="sng">
-                      <a:solidFill>
-                        <a:schemeClr val="dk1"/>
-                      </a:solidFill>
-                      <a:prstDash val="solid"/>
-                      <a:round/>
-                      <a:headEnd type="none" w="sm" len="sm"/>
-                      <a:tailEnd type="none" w="sm" len="sm"/>
-                    </a:lnR>
-                    <a:lnT w="9525" cap="flat" cmpd="sng">
-                      <a:solidFill>
-                        <a:schemeClr val="dk1"/>
-                      </a:solidFill>
-                      <a:prstDash val="solid"/>
-                      <a:round/>
-                      <a:headEnd type="none" w="sm" len="sm"/>
-                      <a:tailEnd type="none" w="sm" len="sm"/>
-                    </a:lnT>
-                    <a:lnB w="9525" cap="flat" cmpd="sng">
-                      <a:solidFill>
-                        <a:schemeClr val="dk1"/>
-                      </a:solidFill>
-                      <a:prstDash val="solid"/>
-                      <a:round/>
-                      <a:headEnd type="none" w="sm" len="sm"/>
-                      <a:tailEnd type="none" w="sm" len="sm"/>
-                    </a:lnB>
-                  </a:tcPr>
-                </a:tc>
-                <a:tc>
-                  <a:txBody>
-                    <a:bodyPr/>
-                    <a:lstStyle/>
-                    <a:p>
-                      <a:pPr>
-                        <a:defRPr sz="900">
-                          <a:latin typeface="Arial"/>
-                        </a:defRPr>
-                      </a:pPr>
-                      <a:r>
-                        <a:t>Carbon Steel</a:t>
-                      </a:r>
-                    </a:p>
-                  </a:txBody>
-                  <a:tcPr marL="83125" marR="83125" marT="45725" marB="45725" anchor="ctr">
-                    <a:lnL w="9525" cap="flat" cmpd="sng">
-                      <a:solidFill>
-                        <a:schemeClr val="dk1"/>
-                      </a:solidFill>
-                      <a:prstDash val="solid"/>
-                      <a:round/>
-                      <a:headEnd type="none" w="sm" len="sm"/>
-                      <a:tailEnd type="none" w="sm" len="sm"/>
-                    </a:lnL>
-                    <a:lnR w="9525" cap="flat" cmpd="sng">
-                      <a:solidFill>
-                        <a:schemeClr val="dk1"/>
-                      </a:solidFill>
-                      <a:prstDash val="solid"/>
-                      <a:round/>
-                      <a:headEnd type="none" w="sm" len="sm"/>
-                      <a:tailEnd type="none" w="sm" len="sm"/>
-                    </a:lnR>
-                    <a:lnT w="9525" cap="flat" cmpd="sng">
-                      <a:solidFill>
-                        <a:schemeClr val="dk1"/>
-                      </a:solidFill>
-                      <a:prstDash val="solid"/>
-                      <a:round/>
-                      <a:headEnd type="none" w="sm" len="sm"/>
-                      <a:tailEnd type="none" w="sm" len="sm"/>
-                    </a:lnT>
-                    <a:lnB w="9525" cap="flat" cmpd="sng">
-                      <a:solidFill>
-                        <a:schemeClr val="dk1"/>
-                      </a:solidFill>
-                      <a:prstDash val="solid"/>
-                      <a:round/>
-                      <a:headEnd type="none" w="sm" len="sm"/>
-                      <a:tailEnd type="none" w="sm" len="sm"/>
-                    </a:lnB>
-                  </a:tcPr>
-                </a:tc>
-                <a:tc>
-                  <a:txBody>
-                    <a:bodyPr/>
-                    <a:lstStyle/>
-                    <a:p>
-                      <a:pPr>
-                        <a:defRPr sz="900">
-                          <a:latin typeface="Arial"/>
-                        </a:defRPr>
-                      </a:pPr>
-                      <a:r>
-                        <a:t>SA-105</a:t>
-                      </a:r>
-                    </a:p>
-                  </a:txBody>
-                  <a:tcPr marL="83125" marR="83125" marT="45725" marB="45725" anchor="ctr">
-                    <a:lnL w="9525" cap="flat" cmpd="sng">
-                      <a:solidFill>
-                        <a:schemeClr val="dk1"/>
-                      </a:solidFill>
-                      <a:prstDash val="solid"/>
-                      <a:round/>
-                      <a:headEnd type="none" w="sm" len="sm"/>
-                      <a:tailEnd type="none" w="sm" len="sm"/>
-                    </a:lnL>
-                    <a:lnR w="9525" cap="flat" cmpd="sng">
-                      <a:solidFill>
-                        <a:schemeClr val="dk1"/>
-                      </a:solidFill>
-                      <a:prstDash val="solid"/>
-                      <a:round/>
-                      <a:headEnd type="none" w="sm" len="sm"/>
-                      <a:tailEnd type="none" w="sm" len="sm"/>
-                    </a:lnR>
-                    <a:lnT w="9525" cap="flat" cmpd="sng">
-                      <a:solidFill>
-                        <a:schemeClr val="dk1"/>
-                      </a:solidFill>
-                      <a:prstDash val="solid"/>
-                      <a:round/>
-                      <a:headEnd type="none" w="sm" len="sm"/>
-                      <a:tailEnd type="none" w="sm" len="sm"/>
-                    </a:lnT>
-                    <a:lnB w="9525" cap="flat" cmpd="sng">
-                      <a:solidFill>
-                        <a:schemeClr val="dk1"/>
-                      </a:solidFill>
-                      <a:prstDash val="solid"/>
-                      <a:round/>
-                      <a:headEnd type="none" w="sm" len="sm"/>
-                      <a:tailEnd type="none" w="sm" len="sm"/>
-                    </a:lnB>
-                  </a:tcPr>
-                </a:tc>
-                <a:tc>
-                  <a:txBody>
-                    <a:bodyPr/>
-                    <a:lstStyle/>
-                    <a:p>
-                      <a:pPr>
-                        <a:defRPr sz="900">
-                          <a:latin typeface="Arial"/>
-                        </a:defRPr>
-                      </a:pPr>
-                      <a:r>
-                        <a:t>Not Found</a:t>
-                      </a:r>
-                    </a:p>
-                  </a:txBody>
-                  <a:tcPr marL="83125" marR="83125" marT="45725" marB="45725" anchor="ctr">
-                    <a:lnL w="9525" cap="flat" cmpd="sng">
-                      <a:solidFill>
-                        <a:schemeClr val="dk1"/>
-                      </a:solidFill>
-                      <a:prstDash val="solid"/>
-                      <a:round/>
-                      <a:headEnd type="none" w="sm" len="sm"/>
-                      <a:tailEnd type="none" w="sm" len="sm"/>
-                    </a:lnL>
-                    <a:lnR w="9525" cap="flat" cmpd="sng">
-                      <a:solidFill>
-                        <a:schemeClr val="dk1"/>
-                      </a:solidFill>
-                      <a:prstDash val="solid"/>
-                      <a:round/>
-                      <a:headEnd type="none" w="sm" len="sm"/>
-                      <a:tailEnd type="none" w="sm" len="sm"/>
-                    </a:lnR>
-                    <a:lnT w="9525" cap="flat" cmpd="sng">
-                      <a:solidFill>
-                        <a:schemeClr val="dk1"/>
-                      </a:solidFill>
-                      <a:prstDash val="solid"/>
-                      <a:round/>
-                      <a:headEnd type="none" w="sm" len="sm"/>
-                      <a:tailEnd type="none" w="sm" len="sm"/>
-                    </a:lnT>
-                    <a:lnB w="9525" cap="flat" cmpd="sng">
-                      <a:solidFill>
-                        <a:schemeClr val="dk1"/>
-                      </a:solidFill>
-                      <a:prstDash val="solid"/>
-                      <a:round/>
-                      <a:headEnd type="none" w="sm" len="sm"/>
-                      <a:tailEnd type="none" w="sm" len="sm"/>
-                    </a:lnB>
-                  </a:tcPr>
-                </a:tc>
-                <a:tc>
-                  <a:txBody>
-                    <a:bodyPr/>
-                    <a:lstStyle/>
-                    <a:p>
-                      <a:pPr>
-                        <a:defRPr sz="900">
-                          <a:latin typeface="Arial"/>
-                        </a:defRPr>
-                      </a:pPr>
-                      <a:r>
-                        <a:t>-</a:t>
-                      </a:r>
-                    </a:p>
-                  </a:txBody>
-                  <a:tcPr marL="83125" marR="83125" marT="45725" marB="45725" anchor="ctr">
-                    <a:lnL w="9525" cap="flat" cmpd="sng">
-                      <a:solidFill>
-                        <a:schemeClr val="dk1"/>
-                      </a:solidFill>
-                      <a:prstDash val="solid"/>
-                      <a:round/>
-                      <a:headEnd type="none" w="sm" len="sm"/>
-                      <a:tailEnd type="none" w="sm" len="sm"/>
-                    </a:lnL>
-                    <a:lnR w="9525" cap="flat" cmpd="sng">
-                      <a:solidFill>
-                        <a:schemeClr val="dk1"/>
-                      </a:solidFill>
-                      <a:prstDash val="solid"/>
-                      <a:round/>
-                      <a:headEnd type="none" w="sm" len="sm"/>
-                      <a:tailEnd type="none" w="sm" len="sm"/>
-                    </a:lnR>
-                    <a:lnT w="9525" cap="flat" cmpd="sng">
-                      <a:solidFill>
-                        <a:schemeClr val="dk1"/>
-                      </a:solidFill>
-                      <a:prstDash val="solid"/>
-                      <a:round/>
-                      <a:headEnd type="none" w="sm" len="sm"/>
-                      <a:tailEnd type="none" w="sm" len="sm"/>
-                    </a:lnT>
-                    <a:lnB w="9525" cap="flat" cmpd="sng">
-                      <a:solidFill>
-                        <a:schemeClr val="dk1"/>
-                      </a:solidFill>
-                      <a:prstDash val="solid"/>
-                      <a:round/>
-                      <a:headEnd type="none" w="sm" len="sm"/>
-                      <a:tailEnd type="none" w="sm" len="sm"/>
-                    </a:lnB>
-                  </a:tcPr>
-                </a:tc>
-                <a:tc>
-                  <a:txBody>
-                    <a:bodyPr/>
-                    <a:lstStyle/>
-                    <a:p>
-                      <a:pPr>
-                        <a:defRPr sz="900">
-                          <a:latin typeface="Arial"/>
-                        </a:defRPr>
-                      </a:pPr>
-                      <a:r>
-                        <a:t>90 C</a:t>
-                      </a:r>
-                    </a:p>
-                  </a:txBody>
-                  <a:tcPr marL="0" marR="0" marT="0" marB="0" anchor="ctr">
-                    <a:lnL w="9525" cap="flat" cmpd="sng">
-                      <a:solidFill>
-                        <a:schemeClr val="dk1"/>
-                      </a:solidFill>
-                      <a:prstDash val="solid"/>
-                      <a:round/>
-                      <a:headEnd type="none" w="sm" len="sm"/>
-                      <a:tailEnd type="none" w="sm" len="sm"/>
-                    </a:lnL>
-                    <a:lnR w="9525" cap="flat" cmpd="sng">
-                      <a:solidFill>
-                        <a:schemeClr val="dk1"/>
-                      </a:solidFill>
-                      <a:prstDash val="solid"/>
-                      <a:round/>
-                      <a:headEnd type="none" w="sm" len="sm"/>
-                      <a:tailEnd type="none" w="sm" len="sm"/>
-                    </a:lnR>
-                    <a:lnT w="9525" cap="flat" cmpd="sng">
-                      <a:solidFill>
-                        <a:schemeClr val="dk1"/>
-                      </a:solidFill>
-                      <a:prstDash val="solid"/>
-                      <a:round/>
-                      <a:headEnd type="none" w="sm" len="sm"/>
-                      <a:tailEnd type="none" w="sm" len="sm"/>
-                    </a:lnT>
-                    <a:lnB w="9525" cap="flat" cmpd="sng">
-                      <a:solidFill>
-                        <a:schemeClr val="dk1"/>
-                      </a:solidFill>
-                      <a:prstDash val="solid"/>
-                      <a:round/>
-                      <a:headEnd type="none" w="sm" len="sm"/>
-                      <a:tailEnd type="none" w="sm" len="sm"/>
-                    </a:lnB>
-                  </a:tcPr>
-                </a:tc>
-                <a:tc>
-                  <a:txBody>
-                    <a:bodyPr/>
-                    <a:lstStyle/>
-                    <a:p>
-                      <a:pPr>
-                        <a:defRPr sz="900">
-                          <a:latin typeface="Arial"/>
-                        </a:defRPr>
-                      </a:pPr>
-                      <a:r>
-                        <a:t>9 Bar</a:t>
-                      </a:r>
-                    </a:p>
-                  </a:txBody>
-                  <a:tcPr marL="0" marR="0" marT="0" marB="0" anchor="ctr">
-                    <a:lnL w="9525" cap="flat" cmpd="sng">
-                      <a:solidFill>
-                        <a:schemeClr val="dk1"/>
-                      </a:solidFill>
-                      <a:prstDash val="solid"/>
-                      <a:round/>
-                      <a:headEnd type="none" w="sm" len="sm"/>
-                      <a:tailEnd type="none" w="sm" len="sm"/>
-                    </a:lnL>
-                    <a:lnR w="9525" cap="flat" cmpd="sng">
-                      <a:solidFill>
-                        <a:schemeClr val="dk1"/>
-                      </a:solidFill>
-                      <a:prstDash val="solid"/>
-                      <a:round/>
-                      <a:headEnd type="none" w="sm" len="sm"/>
-                      <a:tailEnd type="none" w="sm" len="sm"/>
-                    </a:lnR>
-                    <a:lnT w="9525" cap="flat" cmpd="sng">
-                      <a:solidFill>
-                        <a:schemeClr val="dk1"/>
-                      </a:solidFill>
-                      <a:prstDash val="solid"/>
-                      <a:round/>
-                      <a:headEnd type="none" w="sm" len="sm"/>
-                      <a:tailEnd type="none" w="sm" len="sm"/>
-                    </a:lnT>
-                    <a:lnB w="9525" cap="flat" cmpd="sng">
-                      <a:solidFill>
-                        <a:schemeClr val="dk1"/>
-                      </a:solidFill>
-                      <a:prstDash val="solid"/>
-                      <a:round/>
-                      <a:headEnd type="none" w="sm" len="sm"/>
-                      <a:tailEnd type="none" w="sm" len="sm"/>
-                    </a:lnB>
-                  </a:tcPr>
-                </a:tc>
-                <a:tc vMerge="1">
-                  <a:txBody>
-                    <a:bodyPr/>
-                    <a:lstStyle/>
-                    <a:p/>
-                  </a:txBody>
-                  <a:tcPr/>
-                </a:tc>
-                <a:tc vMerge="1">
-                  <a:txBody>
-                    <a:bodyPr/>
-                    <a:lstStyle/>
-                    <a:p/>
-                  </a:txBody>
-                  <a:tcPr/>
-                </a:tc>
-                <a:extLst>
-                  <a:ext uri="{0D108BD9-81ED-4DB2-BD59-A6C34878D82A}">
-                    <a16:rowId xmlns:a16="http://schemas.microsoft.com/office/drawing/2014/main" val="10004"/>
-                  </a:ext>
-                </a:extLst>
-              </a:tr>
-              <a:tr h="243125">
-                <a:tc>
-                  <a:txBody>
-                    <a:bodyPr/>
-                    <a:lstStyle/>
-                    <a:p>
-                      <a:pPr>
-                        <a:defRPr sz="900">
-                          <a:latin typeface="Arial"/>
-                        </a:defRPr>
-                      </a:pPr>
-                      <a:r>
-                        <a:t>-</a:t>
-                      </a:r>
-                    </a:p>
-                  </a:txBody>
-                  <a:tcPr marL="0" marR="0" marT="0" marB="0" anchor="ctr">
-                    <a:lnL w="9525" cap="flat" cmpd="sng">
-                      <a:solidFill>
-                        <a:schemeClr val="dk1"/>
-                      </a:solidFill>
-                      <a:prstDash val="solid"/>
-                      <a:round/>
-                      <a:headEnd type="none" w="sm" len="sm"/>
-                      <a:tailEnd type="none" w="sm" len="sm"/>
-                    </a:lnL>
-                    <a:lnR w="9525" cap="flat" cmpd="sng">
-                      <a:solidFill>
-                        <a:schemeClr val="dk1"/>
-                      </a:solidFill>
-                      <a:prstDash val="solid"/>
-                      <a:round/>
-                      <a:headEnd type="none" w="sm" len="sm"/>
-                      <a:tailEnd type="none" w="sm" len="sm"/>
-                    </a:lnR>
-                    <a:lnT w="9525" cap="flat" cmpd="sng">
-                      <a:solidFill>
-                        <a:schemeClr val="dk1"/>
-                      </a:solidFill>
-                      <a:prstDash val="solid"/>
-                      <a:round/>
-                      <a:headEnd type="none" w="sm" len="sm"/>
-                      <a:tailEnd type="none" w="sm" len="sm"/>
-                    </a:lnT>
-                    <a:lnB w="9525" cap="flat" cmpd="sng">
-                      <a:solidFill>
-                        <a:schemeClr val="dk1"/>
-                      </a:solidFill>
-                      <a:prstDash val="solid"/>
-                      <a:round/>
-                      <a:headEnd type="none" w="sm" len="sm"/>
-                      <a:tailEnd type="none" w="sm" len="sm"/>
-                    </a:lnB>
-                  </a:tcPr>
-                </a:tc>
-                <a:tc>
-                  <a:txBody>
-                    <a:bodyPr/>
-                    <a:lstStyle/>
-                    <a:p>
-                      <a:pPr>
-                        <a:defRPr sz="900">
-                          <a:latin typeface="Arial"/>
-                        </a:defRPr>
-                      </a:pPr>
-                      <a:r>
-                        <a:t>-</a:t>
-                      </a:r>
-                    </a:p>
-                  </a:txBody>
-                  <a:tcPr marL="0" marR="0" marT="0" marB="0" anchor="ctr">
-                    <a:lnL w="9525" cap="flat" cmpd="sng">
-                      <a:solidFill>
-                        <a:schemeClr val="dk1"/>
-                      </a:solidFill>
-                      <a:prstDash val="solid"/>
-                      <a:round/>
-                      <a:headEnd type="none" w="sm" len="sm"/>
-                      <a:tailEnd type="none" w="sm" len="sm"/>
-                    </a:lnL>
-                    <a:lnR w="9525" cap="flat" cmpd="sng">
-                      <a:solidFill>
-                        <a:schemeClr val="dk1"/>
-                      </a:solidFill>
-                      <a:prstDash val="solid"/>
-                      <a:round/>
-                      <a:headEnd type="none" w="sm" len="sm"/>
-                      <a:tailEnd type="none" w="sm" len="sm"/>
-                    </a:lnR>
-                    <a:lnT w="9525" cap="flat" cmpd="sng">
-                      <a:solidFill>
-                        <a:schemeClr val="dk1"/>
-                      </a:solidFill>
-                      <a:prstDash val="solid"/>
-                      <a:round/>
-                      <a:headEnd type="none" w="sm" len="sm"/>
-                      <a:tailEnd type="none" w="sm" len="sm"/>
-                    </a:lnT>
-                    <a:lnB w="9525" cap="flat" cmpd="sng">
-                      <a:solidFill>
-                        <a:schemeClr val="dk1"/>
-                      </a:solidFill>
-                      <a:prstDash val="solid"/>
-                      <a:round/>
-                      <a:headEnd type="none" w="sm" len="sm"/>
-                      <a:tailEnd type="none" w="sm" len="sm"/>
-                    </a:lnB>
-                  </a:tcPr>
-                </a:tc>
-                <a:tc>
-                  <a:txBody>
-                    <a:bodyPr/>
-                    <a:lstStyle/>
-                    <a:p>
-                      <a:pPr>
-                        <a:defRPr sz="900">
-                          <a:latin typeface="Arial"/>
-                        </a:defRPr>
-                      </a:pPr>
-                      <a:r>
-                        <a:t>-</a:t>
-                      </a:r>
-                    </a:p>
-                  </a:txBody>
-                  <a:tcPr marL="83125" marR="83125" marT="45725" marB="45725" anchor="ctr">
-                    <a:lnL w="9525" cap="flat" cmpd="sng">
-                      <a:solidFill>
-                        <a:schemeClr val="dk1"/>
-                      </a:solidFill>
-                      <a:prstDash val="solid"/>
-                      <a:round/>
-                      <a:headEnd type="none" w="sm" len="sm"/>
-                      <a:tailEnd type="none" w="sm" len="sm"/>
-                    </a:lnL>
-                    <a:lnR w="9525" cap="flat" cmpd="sng">
-                      <a:solidFill>
-                        <a:schemeClr val="dk1"/>
-                      </a:solidFill>
-                      <a:prstDash val="solid"/>
-                      <a:round/>
-                      <a:headEnd type="none" w="sm" len="sm"/>
-                      <a:tailEnd type="none" w="sm" len="sm"/>
-                    </a:lnR>
-                    <a:lnT w="9525" cap="flat" cmpd="sng">
-                      <a:solidFill>
-                        <a:schemeClr val="dk1"/>
-                      </a:solidFill>
-                      <a:prstDash val="solid"/>
-                      <a:round/>
-                      <a:headEnd type="none" w="sm" len="sm"/>
-                      <a:tailEnd type="none" w="sm" len="sm"/>
-                    </a:lnT>
-                    <a:lnB w="9525" cap="flat" cmpd="sng">
-                      <a:solidFill>
-                        <a:schemeClr val="dk1"/>
-                      </a:solidFill>
-                      <a:prstDash val="solid"/>
-                      <a:round/>
-                      <a:headEnd type="none" w="sm" len="sm"/>
-                      <a:tailEnd type="none" w="sm" len="sm"/>
-                    </a:lnB>
-                  </a:tcPr>
-                </a:tc>
-                <a:tc>
-                  <a:txBody>
-                    <a:bodyPr/>
-                    <a:lstStyle/>
-                    <a:p>
-                      <a:pPr>
-                        <a:defRPr sz="900">
-                          <a:latin typeface="Arial"/>
-                        </a:defRPr>
-                      </a:pPr>
-                      <a:r>
-                        <a:t>-</a:t>
-                      </a:r>
-                    </a:p>
-                  </a:txBody>
-                  <a:tcPr marL="83125" marR="83125" marT="45725" marB="45725" anchor="ctr">
-                    <a:lnL w="9525" cap="flat" cmpd="sng">
-                      <a:solidFill>
-                        <a:schemeClr val="dk1"/>
-                      </a:solidFill>
-                      <a:prstDash val="solid"/>
-                      <a:round/>
-                      <a:headEnd type="none" w="sm" len="sm"/>
-                      <a:tailEnd type="none" w="sm" len="sm"/>
-                    </a:lnL>
-                    <a:lnR w="9525" cap="flat" cmpd="sng">
-                      <a:solidFill>
-                        <a:schemeClr val="dk1"/>
-                      </a:solidFill>
-                      <a:prstDash val="solid"/>
-                      <a:round/>
-                      <a:headEnd type="none" w="sm" len="sm"/>
-                      <a:tailEnd type="none" w="sm" len="sm"/>
-                    </a:lnR>
-                    <a:lnT w="9525" cap="flat" cmpd="sng">
-                      <a:solidFill>
-                        <a:schemeClr val="dk1"/>
-                      </a:solidFill>
-                      <a:prstDash val="solid"/>
-                      <a:round/>
-                      <a:headEnd type="none" w="sm" len="sm"/>
-                      <a:tailEnd type="none" w="sm" len="sm"/>
-                    </a:lnT>
-                    <a:lnB w="9525" cap="flat" cmpd="sng">
-                      <a:solidFill>
-                        <a:schemeClr val="dk1"/>
-                      </a:solidFill>
-                      <a:prstDash val="solid"/>
-                      <a:round/>
-                      <a:headEnd type="none" w="sm" len="sm"/>
-                      <a:tailEnd type="none" w="sm" len="sm"/>
-                    </a:lnB>
-                  </a:tcPr>
-                </a:tc>
-                <a:tc>
-                  <a:txBody>
-                    <a:bodyPr/>
-                    <a:lstStyle/>
-                    <a:p>
-                      <a:pPr>
-                        <a:defRPr sz="900">
-                          <a:latin typeface="Arial"/>
-                        </a:defRPr>
-                      </a:pPr>
-                      <a:r>
-                        <a:t>-</a:t>
-                      </a:r>
-                    </a:p>
-                  </a:txBody>
-                  <a:tcPr marL="83125" marR="83125" marT="45725" marB="45725" anchor="ctr">
-                    <a:lnL w="9525" cap="flat" cmpd="sng">
-                      <a:solidFill>
-                        <a:schemeClr val="dk1"/>
-                      </a:solidFill>
-                      <a:prstDash val="solid"/>
-                      <a:round/>
-                      <a:headEnd type="none" w="sm" len="sm"/>
-                      <a:tailEnd type="none" w="sm" len="sm"/>
-                    </a:lnL>
-                    <a:lnR w="9525" cap="flat" cmpd="sng">
-                      <a:solidFill>
-                        <a:schemeClr val="dk1"/>
-                      </a:solidFill>
-                      <a:prstDash val="solid"/>
-                      <a:round/>
-                      <a:headEnd type="none" w="sm" len="sm"/>
-                      <a:tailEnd type="none" w="sm" len="sm"/>
-                    </a:lnR>
-                    <a:lnT w="9525" cap="flat" cmpd="sng">
-                      <a:solidFill>
-                        <a:schemeClr val="dk1"/>
-                      </a:solidFill>
-                      <a:prstDash val="solid"/>
-                      <a:round/>
-                      <a:headEnd type="none" w="sm" len="sm"/>
-                      <a:tailEnd type="none" w="sm" len="sm"/>
-                    </a:lnT>
-                    <a:lnB w="9525" cap="flat" cmpd="sng">
-                      <a:solidFill>
-                        <a:schemeClr val="dk1"/>
-                      </a:solidFill>
-                      <a:prstDash val="solid"/>
-                      <a:round/>
-                      <a:headEnd type="none" w="sm" len="sm"/>
-                      <a:tailEnd type="none" w="sm" len="sm"/>
-                    </a:lnB>
-                  </a:tcPr>
-                </a:tc>
-                <a:tc>
-                  <a:txBody>
-                    <a:bodyPr/>
-                    <a:lstStyle/>
-                    <a:p>
-                      <a:pPr>
-                        <a:defRPr sz="900">
-                          <a:latin typeface="Arial"/>
-                        </a:defRPr>
-                      </a:pPr>
-                      <a:r>
-                        <a:t>-</a:t>
-                      </a:r>
-                    </a:p>
-                  </a:txBody>
-                  <a:tcPr marL="83125" marR="83125" marT="45725" marB="45725" anchor="ctr">
-                    <a:lnL w="9525" cap="flat" cmpd="sng">
-                      <a:solidFill>
-                        <a:schemeClr val="dk1"/>
-                      </a:solidFill>
-                      <a:prstDash val="solid"/>
-                      <a:round/>
-                      <a:headEnd type="none" w="sm" len="sm"/>
-                      <a:tailEnd type="none" w="sm" len="sm"/>
-                    </a:lnL>
-                    <a:lnR w="9525" cap="flat" cmpd="sng">
-                      <a:solidFill>
-                        <a:schemeClr val="dk1"/>
-                      </a:solidFill>
-                      <a:prstDash val="solid"/>
-                      <a:round/>
-                      <a:headEnd type="none" w="sm" len="sm"/>
-                      <a:tailEnd type="none" w="sm" len="sm"/>
-                    </a:lnR>
-                    <a:lnT w="9525" cap="flat" cmpd="sng">
-                      <a:solidFill>
-                        <a:schemeClr val="dk1"/>
-                      </a:solidFill>
-                      <a:prstDash val="solid"/>
-                      <a:round/>
-                      <a:headEnd type="none" w="sm" len="sm"/>
-                      <a:tailEnd type="none" w="sm" len="sm"/>
-                    </a:lnT>
-                    <a:lnB w="9525" cap="flat" cmpd="sng">
-                      <a:solidFill>
-                        <a:schemeClr val="dk1"/>
-                      </a:solidFill>
-                      <a:prstDash val="solid"/>
-                      <a:round/>
-                      <a:headEnd type="none" w="sm" len="sm"/>
-                      <a:tailEnd type="none" w="sm" len="sm"/>
-                    </a:lnB>
-                  </a:tcPr>
-                </a:tc>
-                <a:tc>
-                  <a:txBody>
-                    <a:bodyPr/>
-                    <a:lstStyle/>
-                    <a:p>
-                      <a:pPr>
-                        <a:defRPr sz="900">
-                          <a:latin typeface="Arial"/>
-                        </a:defRPr>
-                      </a:pPr>
-                      <a:r>
-                        <a:t>-</a:t>
-                      </a:r>
-                    </a:p>
-                  </a:txBody>
-                  <a:tcPr marL="83125" marR="83125" marT="45725" marB="45725" anchor="ctr">
-                    <a:lnL w="9525" cap="flat" cmpd="sng">
-                      <a:solidFill>
-                        <a:schemeClr val="dk1"/>
-                      </a:solidFill>
-                      <a:prstDash val="solid"/>
-                      <a:round/>
-                      <a:headEnd type="none" w="sm" len="sm"/>
-                      <a:tailEnd type="none" w="sm" len="sm"/>
-                    </a:lnL>
-                    <a:lnR w="9525" cap="flat" cmpd="sng">
-                      <a:solidFill>
-                        <a:schemeClr val="dk1"/>
-                      </a:solidFill>
-                      <a:prstDash val="solid"/>
-                      <a:round/>
-                      <a:headEnd type="none" w="sm" len="sm"/>
-                      <a:tailEnd type="none" w="sm" len="sm"/>
-                    </a:lnR>
-                    <a:lnT w="9525" cap="flat" cmpd="sng">
-                      <a:solidFill>
-                        <a:schemeClr val="dk1"/>
-                      </a:solidFill>
-                      <a:prstDash val="solid"/>
-                      <a:round/>
-                      <a:headEnd type="none" w="sm" len="sm"/>
-                      <a:tailEnd type="none" w="sm" len="sm"/>
-                    </a:lnT>
-                    <a:lnB w="9525" cap="flat" cmpd="sng">
-                      <a:solidFill>
-                        <a:schemeClr val="dk1"/>
-                      </a:solidFill>
-                      <a:prstDash val="solid"/>
-                      <a:round/>
-                      <a:headEnd type="none" w="sm" len="sm"/>
-                      <a:tailEnd type="none" w="sm" len="sm"/>
-                    </a:lnB>
-                  </a:tcPr>
-                </a:tc>
-                <a:tc>
-                  <a:txBody>
-                    <a:bodyPr/>
-                    <a:lstStyle/>
-                    <a:p>
-                      <a:pPr>
-                        <a:defRPr sz="900">
-                          <a:latin typeface="Arial"/>
-                        </a:defRPr>
-                      </a:pPr>
-                      <a:r>
-                        <a:t>-</a:t>
-                      </a:r>
-                    </a:p>
-                  </a:txBody>
-                  <a:tcPr marL="0" marR="0" marT="0" marB="0" anchor="ctr">
-                    <a:lnL w="9525" cap="flat" cmpd="sng">
-                      <a:solidFill>
-                        <a:schemeClr val="dk1"/>
-                      </a:solidFill>
-                      <a:prstDash val="solid"/>
-                      <a:round/>
-                      <a:headEnd type="none" w="sm" len="sm"/>
-                      <a:tailEnd type="none" w="sm" len="sm"/>
-                    </a:lnL>
-                    <a:lnR w="9525" cap="flat" cmpd="sng">
-                      <a:solidFill>
-                        <a:schemeClr val="dk1"/>
-                      </a:solidFill>
-                      <a:prstDash val="solid"/>
-                      <a:round/>
-                      <a:headEnd type="none" w="sm" len="sm"/>
-                      <a:tailEnd type="none" w="sm" len="sm"/>
-                    </a:lnR>
-                    <a:lnT w="9525" cap="flat" cmpd="sng">
-                      <a:solidFill>
-                        <a:schemeClr val="dk1"/>
-                      </a:solidFill>
-                      <a:prstDash val="solid"/>
-                      <a:round/>
-                      <a:headEnd type="none" w="sm" len="sm"/>
-                      <a:tailEnd type="none" w="sm" len="sm"/>
-                    </a:lnT>
-                    <a:lnB w="9525" cap="flat" cmpd="sng">
-                      <a:solidFill>
-                        <a:schemeClr val="dk1"/>
-                      </a:solidFill>
-                      <a:prstDash val="solid"/>
-                      <a:round/>
-                      <a:headEnd type="none" w="sm" len="sm"/>
-                      <a:tailEnd type="none" w="sm" len="sm"/>
-                    </a:lnB>
-                  </a:tcPr>
-                </a:tc>
-                <a:tc>
-                  <a:txBody>
-                    <a:bodyPr/>
-                    <a:lstStyle/>
-                    <a:p>
-                      <a:pPr>
-                        <a:defRPr sz="900">
-                          <a:latin typeface="Arial"/>
-                        </a:defRPr>
-                      </a:pPr>
-                      <a:r>
-                        <a:t>-</a:t>
-                      </a:r>
-                    </a:p>
-                  </a:txBody>
-                  <a:tcPr marL="0" marR="0" marT="0" marB="0" anchor="ctr">
-                    <a:lnL w="9525" cap="flat" cmpd="sng">
-                      <a:solidFill>
-                        <a:schemeClr val="dk1"/>
-                      </a:solidFill>
-                      <a:prstDash val="solid"/>
-                      <a:round/>
-                      <a:headEnd type="none" w="sm" len="sm"/>
-                      <a:tailEnd type="none" w="sm" len="sm"/>
-                    </a:lnL>
-                    <a:lnR w="9525" cap="flat" cmpd="sng">
-                      <a:solidFill>
-                        <a:schemeClr val="dk1"/>
-                      </a:solidFill>
-                      <a:prstDash val="solid"/>
-                      <a:round/>
-                      <a:headEnd type="none" w="sm" len="sm"/>
-                      <a:tailEnd type="none" w="sm" len="sm"/>
-                    </a:lnR>
-                    <a:lnT w="9525" cap="flat" cmpd="sng">
-                      <a:solidFill>
-                        <a:schemeClr val="dk1"/>
-                      </a:solidFill>
-                      <a:prstDash val="solid"/>
-                      <a:round/>
-                      <a:headEnd type="none" w="sm" len="sm"/>
-                      <a:tailEnd type="none" w="sm" len="sm"/>
-                    </a:lnT>
-                    <a:lnB w="9525" cap="flat" cmpd="sng">
-                      <a:solidFill>
-                        <a:schemeClr val="dk1"/>
-                      </a:solidFill>
-                      <a:prstDash val="solid"/>
-                      <a:round/>
-                      <a:headEnd type="none" w="sm" len="sm"/>
-                      <a:tailEnd type="none" w="sm" len="sm"/>
-                    </a:lnB>
-                  </a:tcPr>
-                </a:tc>
-                <a:tc vMerge="1">
-                  <a:txBody>
-                    <a:bodyPr/>
-                    <a:lstStyle/>
-                    <a:p>
-                      <a:pPr>
-                        <a:defRPr sz="900">
-                          <a:latin typeface="Arial"/>
-                        </a:defRPr>
-                      </a:pPr>
-                      <a:r>
-                        <a:t>-</a:t>
-                      </a:r>
-                    </a:p>
-                  </a:txBody>
-                  <a:tcPr anchor="ctr"/>
-                </a:tc>
-                <a:tc vMerge="1">
-                  <a:txBody>
-                    <a:bodyPr/>
-                    <a:lstStyle/>
-                    <a:p>
-                      <a:pPr>
-                        <a:defRPr sz="900">
-                          <a:latin typeface="Arial"/>
-                        </a:defRPr>
-                      </a:pPr>
-                      <a:r>
-                        <a:t>-</a:t>
-                      </a:r>
-                    </a:p>
-                  </a:txBody>
-                  <a:tcPr anchor="ctr"/>
                 </a:tc>
                 <a:extLst>
                   <a:ext uri="{0D108BD9-81ED-4DB2-BD59-A6C34878D82A}">
@@ -8123,33 +7396,5308 @@
           </a:graphicData>
         </a:graphic>
       </p:graphicFrame>
-      <p:pic>
-        <p:nvPicPr>
-          <p:cNvPr id="52" name="Google Shape;52;p1"/>
-          <p:cNvPicPr preferRelativeResize="0"/>
+      <p:graphicFrame>
+        <p:nvGraphicFramePr>
+          <p:cNvPr id="53" name="Google Shape;53;p1"/>
+          <p:cNvGraphicFramePr/>
           <p:nvPr/>
-        </p:nvPicPr>
-        <p:blipFill rotWithShape="1">
-          <a:blip r:embed="rId3">
-            <a:alphaModFix/>
-          </a:blip>
-          <a:srcRect/>
-          <a:stretch/>
-        </p:blipFill>
-        <p:spPr>
-          <a:xfrm rot="5400000">
-            <a:off x="5337629" y="3010527"/>
-            <a:ext cx="3800793" cy="2863043"/>
-          </a:xfrm>
-          <a:prstGeom prst="rect">
-            <a:avLst/>
-          </a:prstGeom>
-          <a:noFill/>
-          <a:ln>
-            <a:noFill/>
-          </a:ln>
-        </p:spPr>
-      </p:pic>
+        </p:nvGraphicFramePr>
+        <p:xfrm>
+          <a:off x="475862" y="3004348"/>
+          <a:ext cx="4477150" cy="2463680"/>
+        </p:xfrm>
+        <a:graphic>
+          <a:graphicData uri="http://schemas.openxmlformats.org/drawingml/2006/table">
+            <a:tbl>
+              <a:tblPr firstRow="1" bandRow="1">
+                <a:noFill/>
+                <a:tableStyleId>{389572DE-4531-42A8-A4B0-3BB0859811A2}</a:tableStyleId>
+              </a:tblPr>
+              <a:tblGrid>
+                <a:gridCol w="1152925">
+                  <a:extLst>
+                    <a:ext uri="{9D8B030D-6E8A-4147-A177-3AD203B41FA5}">
+                      <a16:colId xmlns:a16="http://schemas.microsoft.com/office/drawing/2014/main" val="20000"/>
+                    </a:ext>
+                  </a:extLst>
+                </a:gridCol>
+                <a:gridCol w="2028825">
+                  <a:extLst>
+                    <a:ext uri="{9D8B030D-6E8A-4147-A177-3AD203B41FA5}">
+                      <a16:colId xmlns:a16="http://schemas.microsoft.com/office/drawing/2014/main" val="20001"/>
+                    </a:ext>
+                  </a:extLst>
+                </a:gridCol>
+                <a:gridCol w="1295400">
+                  <a:extLst>
+                    <a:ext uri="{9D8B030D-6E8A-4147-A177-3AD203B41FA5}">
+                      <a16:colId xmlns:a16="http://schemas.microsoft.com/office/drawing/2014/main" val="20002"/>
+                    </a:ext>
+                  </a:extLst>
+                </a:gridCol>
+              </a:tblGrid>
+              <a:tr h="958075">
+                <a:tc>
+                  <a:txBody>
+                    <a:bodyPr/>
+                    <a:lstStyle/>
+                    <a:p>
+                      <a:pPr marL="0" marR="0" lvl="0" indent="0" algn="ctr" rtl="0">
+                        <a:spcBef>
+                          <a:spcPts val="0"/>
+                        </a:spcBef>
+                        <a:spcAft>
+                          <a:spcPts val="0"/>
+                        </a:spcAft>
+                        <a:buNone/>
+                      </a:pPr>
+                      <a:r>
+                        <a:rPr lang="en-MY" sz="800" b="0">
+                          <a:solidFill>
+                            <a:schemeClr val="dk1"/>
+                          </a:solidFill>
+                          <a:latin typeface="Arial"/>
+                          <a:ea typeface="Arial"/>
+                          <a:cs typeface="Arial"/>
+                          <a:sym typeface="Arial"/>
+                        </a:rPr>
+                        <a:t>INSPECTION METHOD</a:t>
+                      </a:r>
+                      <a:endParaRPr sz="800" b="0">
+                        <a:solidFill>
+                          <a:schemeClr val="dk1"/>
+                        </a:solidFill>
+                        <a:latin typeface="Arial"/>
+                        <a:ea typeface="Arial"/>
+                        <a:cs typeface="Arial"/>
+                        <a:sym typeface="Arial"/>
+                      </a:endParaRPr>
+                    </a:p>
+                  </a:txBody>
+                  <a:tcPr marL="91450" marR="91450" marT="45725" marB="45725">
+                    <a:lnL w="12700" cap="flat" cmpd="sng">
+                      <a:solidFill>
+                        <a:schemeClr val="dk1"/>
+                      </a:solidFill>
+                      <a:prstDash val="solid"/>
+                      <a:round/>
+                      <a:headEnd type="none" w="sm" len="sm"/>
+                      <a:tailEnd type="none" w="sm" len="sm"/>
+                    </a:lnL>
+                    <a:lnR w="12700" cap="flat" cmpd="sng">
+                      <a:solidFill>
+                        <a:schemeClr val="dk1"/>
+                      </a:solidFill>
+                      <a:prstDash val="solid"/>
+                      <a:round/>
+                      <a:headEnd type="none" w="sm" len="sm"/>
+                      <a:tailEnd type="none" w="sm" len="sm"/>
+                    </a:lnR>
+                    <a:lnT w="12700" cap="flat" cmpd="sng">
+                      <a:solidFill>
+                        <a:schemeClr val="dk1"/>
+                      </a:solidFill>
+                      <a:prstDash val="solid"/>
+                      <a:round/>
+                      <a:headEnd type="none" w="sm" len="sm"/>
+                      <a:tailEnd type="none" w="sm" len="sm"/>
+                    </a:lnT>
+                    <a:lnB w="12700" cap="flat" cmpd="sng">
+                      <a:solidFill>
+                        <a:schemeClr val="dk1"/>
+                      </a:solidFill>
+                      <a:prstDash val="solid"/>
+                      <a:round/>
+                      <a:headEnd type="none" w="sm" len="sm"/>
+                      <a:tailEnd type="none" w="sm" len="sm"/>
+                    </a:lnB>
+                    <a:solidFill>
+                      <a:srgbClr val="D8D8D8"/>
+                    </a:solidFill>
+                  </a:tcPr>
+                </a:tc>
+                <a:tc>
+                  <a:txBody>
+                    <a:bodyPr/>
+                    <a:lstStyle/>
+                    <a:p>
+                      <a:pPr marL="0" marR="0" lvl="0" indent="0" algn="ctr" rtl="0">
+                        <a:spcBef>
+                          <a:spcPts val="0"/>
+                        </a:spcBef>
+                        <a:spcAft>
+                          <a:spcPts val="0"/>
+                        </a:spcAft>
+                        <a:buNone/>
+                      </a:pPr>
+                      <a:r>
+                        <a:rPr lang="en-MY" sz="800" b="0">
+                          <a:solidFill>
+                            <a:schemeClr val="dk1"/>
+                          </a:solidFill>
+                          <a:latin typeface="Arial"/>
+                          <a:ea typeface="Arial"/>
+                          <a:cs typeface="Arial"/>
+                          <a:sym typeface="Arial"/>
+                        </a:rPr>
+                        <a:t>INSPECTION COVERAGE</a:t>
+                      </a:r>
+                      <a:endParaRPr sz="800" b="0">
+                        <a:solidFill>
+                          <a:schemeClr val="dk1"/>
+                        </a:solidFill>
+                        <a:latin typeface="Arial"/>
+                        <a:ea typeface="Arial"/>
+                        <a:cs typeface="Arial"/>
+                        <a:sym typeface="Arial"/>
+                      </a:endParaRPr>
+                    </a:p>
+                  </a:txBody>
+                  <a:tcPr marL="91450" marR="91450" marT="45725" marB="45725">
+                    <a:lnL w="12700" cap="flat" cmpd="sng">
+                      <a:solidFill>
+                        <a:schemeClr val="dk1"/>
+                      </a:solidFill>
+                      <a:prstDash val="solid"/>
+                      <a:round/>
+                      <a:headEnd type="none" w="sm" len="sm"/>
+                      <a:tailEnd type="none" w="sm" len="sm"/>
+                    </a:lnL>
+                    <a:lnR w="12700" cap="flat" cmpd="sng">
+                      <a:solidFill>
+                        <a:schemeClr val="dk1"/>
+                      </a:solidFill>
+                      <a:prstDash val="solid"/>
+                      <a:round/>
+                      <a:headEnd type="none" w="sm" len="sm"/>
+                      <a:tailEnd type="none" w="sm" len="sm"/>
+                    </a:lnR>
+                    <a:lnT w="12700" cap="flat" cmpd="sng">
+                      <a:solidFill>
+                        <a:schemeClr val="dk1"/>
+                      </a:solidFill>
+                      <a:prstDash val="solid"/>
+                      <a:round/>
+                      <a:headEnd type="none" w="sm" len="sm"/>
+                      <a:tailEnd type="none" w="sm" len="sm"/>
+                    </a:lnT>
+                    <a:lnB w="12700" cap="flat" cmpd="sng">
+                      <a:solidFill>
+                        <a:schemeClr val="dk1"/>
+                      </a:solidFill>
+                      <a:prstDash val="solid"/>
+                      <a:round/>
+                      <a:headEnd type="none" w="sm" len="sm"/>
+                      <a:tailEnd type="none" w="sm" len="sm"/>
+                    </a:lnB>
+                    <a:solidFill>
+                      <a:srgbClr val="D8D8D8"/>
+                    </a:solidFill>
+                  </a:tcPr>
+                </a:tc>
+                <a:tc>
+                  <a:txBody>
+                    <a:bodyPr/>
+                    <a:lstStyle/>
+                    <a:p>
+                      <a:pPr marL="0" marR="0" lvl="0" indent="0" algn="ctr" rtl="0">
+                        <a:spcBef>
+                          <a:spcPts val="0"/>
+                        </a:spcBef>
+                        <a:spcAft>
+                          <a:spcPts val="0"/>
+                        </a:spcAft>
+                        <a:buNone/>
+                      </a:pPr>
+                      <a:r>
+                        <a:rPr lang="en-MY" sz="800" b="0">
+                          <a:solidFill>
+                            <a:schemeClr val="dk1"/>
+                          </a:solidFill>
+                          <a:latin typeface="Arial"/>
+                          <a:ea typeface="Arial"/>
+                          <a:cs typeface="Arial"/>
+                          <a:sym typeface="Arial"/>
+                        </a:rPr>
+                        <a:t>DAMAGE MECHANISM</a:t>
+                      </a:r>
+                      <a:endParaRPr sz="800" b="0">
+                        <a:solidFill>
+                          <a:schemeClr val="dk1"/>
+                        </a:solidFill>
+                        <a:latin typeface="Arial"/>
+                        <a:ea typeface="Arial"/>
+                        <a:cs typeface="Arial"/>
+                        <a:sym typeface="Arial"/>
+                      </a:endParaRPr>
+                    </a:p>
+                  </a:txBody>
+                  <a:tcPr marL="91450" marR="91450" marT="45725" marB="45725">
+                    <a:lnL w="12700" cap="flat" cmpd="sng">
+                      <a:solidFill>
+                        <a:schemeClr val="dk1"/>
+                      </a:solidFill>
+                      <a:prstDash val="solid"/>
+                      <a:round/>
+                      <a:headEnd type="none" w="sm" len="sm"/>
+                      <a:tailEnd type="none" w="sm" len="sm"/>
+                    </a:lnL>
+                    <a:lnR w="12700" cap="flat" cmpd="sng">
+                      <a:solidFill>
+                        <a:schemeClr val="dk1"/>
+                      </a:solidFill>
+                      <a:prstDash val="solid"/>
+                      <a:round/>
+                      <a:headEnd type="none" w="sm" len="sm"/>
+                      <a:tailEnd type="none" w="sm" len="sm"/>
+                    </a:lnR>
+                    <a:lnT w="12700" cap="flat" cmpd="sng">
+                      <a:solidFill>
+                        <a:schemeClr val="dk1"/>
+                      </a:solidFill>
+                      <a:prstDash val="solid"/>
+                      <a:round/>
+                      <a:headEnd type="none" w="sm" len="sm"/>
+                      <a:tailEnd type="none" w="sm" len="sm"/>
+                    </a:lnT>
+                    <a:lnB w="12700" cap="flat" cmpd="sng">
+                      <a:solidFill>
+                        <a:schemeClr val="dk1"/>
+                      </a:solidFill>
+                      <a:prstDash val="solid"/>
+                      <a:round/>
+                      <a:headEnd type="none" w="sm" len="sm"/>
+                      <a:tailEnd type="none" w="sm" len="sm"/>
+                    </a:lnB>
+                    <a:solidFill>
+                      <a:srgbClr val="D8D8D8"/>
+                    </a:solidFill>
+                  </a:tcPr>
+                </a:tc>
+                <a:extLst>
+                  <a:ext uri="{0D108BD9-81ED-4DB2-BD59-A6C34878D82A}">
+                    <a16:rowId xmlns:a16="http://schemas.microsoft.com/office/drawing/2014/main" val="10000"/>
+                  </a:ext>
+                </a:extLst>
+              </a:tr>
+              <a:tr h="309775">
+                <a:tc>
+                  <a:txBody>
+                    <a:bodyPr/>
+                    <a:lstStyle/>
+                    <a:p>
+                      <a:pPr marL="0" marR="0" lvl="0" indent="0" algn="ctr" rtl="0">
+                        <a:spcBef>
+                          <a:spcPts val="0"/>
+                        </a:spcBef>
+                        <a:spcAft>
+                          <a:spcPts val="0"/>
+                        </a:spcAft>
+                        <a:buNone/>
+                      </a:pPr>
+                      <a:r>
+                        <a:rPr lang="en-MY" sz="800">
+                          <a:latin typeface="Arial"/>
+                          <a:ea typeface="Arial"/>
+                          <a:cs typeface="Arial"/>
+                          <a:sym typeface="Arial"/>
+                        </a:rPr>
+                        <a:t>UTTM </a:t>
+                      </a:r>
+                      <a:endParaRPr sz="800">
+                        <a:latin typeface="Arial"/>
+                        <a:ea typeface="Arial"/>
+                        <a:cs typeface="Arial"/>
+                        <a:sym typeface="Arial"/>
+                      </a:endParaRPr>
+                    </a:p>
+                    <a:p>
+                      <a:pPr marL="0" marR="0" lvl="0" indent="0" algn="ctr" rtl="0">
+                        <a:spcBef>
+                          <a:spcPts val="0"/>
+                        </a:spcBef>
+                        <a:spcAft>
+                          <a:spcPts val="0"/>
+                        </a:spcAft>
+                        <a:buNone/>
+                      </a:pPr>
+                      <a:r>
+                        <a:rPr lang="en-MY" sz="800">
+                          <a:latin typeface="Arial"/>
+                          <a:ea typeface="Arial"/>
+                          <a:cs typeface="Arial"/>
+                          <a:sym typeface="Arial"/>
+                        </a:rPr>
+                        <a:t>(Correction Factor)</a:t>
+                      </a:r>
+                      <a:endParaRPr sz="800">
+                        <a:latin typeface="Arial"/>
+                        <a:ea typeface="Arial"/>
+                        <a:cs typeface="Arial"/>
+                        <a:sym typeface="Arial"/>
+                      </a:endParaRPr>
+                    </a:p>
+                  </a:txBody>
+                  <a:tcPr marL="91450" marR="91450" marT="45725" marB="45725" anchor="ctr">
+                    <a:lnL w="12700" cap="flat" cmpd="sng">
+                      <a:solidFill>
+                        <a:schemeClr val="dk1"/>
+                      </a:solidFill>
+                      <a:prstDash val="solid"/>
+                      <a:round/>
+                      <a:headEnd type="none" w="sm" len="sm"/>
+                      <a:tailEnd type="none" w="sm" len="sm"/>
+                    </a:lnL>
+                    <a:lnR w="12700" cap="flat" cmpd="sng">
+                      <a:solidFill>
+                        <a:schemeClr val="dk1"/>
+                      </a:solidFill>
+                      <a:prstDash val="solid"/>
+                      <a:round/>
+                      <a:headEnd type="none" w="sm" len="sm"/>
+                      <a:tailEnd type="none" w="sm" len="sm"/>
+                    </a:lnR>
+                    <a:lnT w="12700" cap="flat" cmpd="sng">
+                      <a:solidFill>
+                        <a:schemeClr val="dk1"/>
+                      </a:solidFill>
+                      <a:prstDash val="solid"/>
+                      <a:round/>
+                      <a:headEnd type="none" w="sm" len="sm"/>
+                      <a:tailEnd type="none" w="sm" len="sm"/>
+                    </a:lnT>
+                    <a:lnB w="12700" cap="flat" cmpd="sng">
+                      <a:solidFill>
+                        <a:schemeClr val="dk1"/>
+                      </a:solidFill>
+                      <a:prstDash val="solid"/>
+                      <a:round/>
+                      <a:headEnd type="none" w="sm" len="sm"/>
+                      <a:tailEnd type="none" w="sm" len="sm"/>
+                    </a:lnB>
+                  </a:tcPr>
+                </a:tc>
+                <a:tc>
+                  <a:txBody>
+                    <a:bodyPr/>
+                    <a:lstStyle/>
+                    <a:p>
+                      <a:pPr marL="0" marR="0" lvl="0" indent="0" algn="l" rtl="0">
+                        <a:spcBef>
+                          <a:spcPts val="0"/>
+                        </a:spcBef>
+                        <a:spcAft>
+                          <a:spcPts val="0"/>
+                        </a:spcAft>
+                        <a:buNone/>
+                      </a:pPr>
+                      <a:r>
+                        <a:rPr lang="en-MY" sz="800">
+                          <a:latin typeface="Arial"/>
+                          <a:ea typeface="Arial"/>
+                          <a:cs typeface="Arial"/>
+                          <a:sym typeface="Arial"/>
+                        </a:rPr>
+                        <a:t>100% of TML Location – Refer TML as per Attachment</a:t>
+                      </a:r>
+                      <a:endParaRPr sz="800">
+                        <a:latin typeface="Arial"/>
+                        <a:ea typeface="Arial"/>
+                        <a:cs typeface="Arial"/>
+                        <a:sym typeface="Arial"/>
+                      </a:endParaRPr>
+                    </a:p>
+                  </a:txBody>
+                  <a:tcPr marL="91450" marR="91450" marT="45725" marB="45725">
+                    <a:lnL w="12700" cap="flat" cmpd="sng">
+                      <a:solidFill>
+                        <a:schemeClr val="dk1"/>
+                      </a:solidFill>
+                      <a:prstDash val="solid"/>
+                      <a:round/>
+                      <a:headEnd type="none" w="sm" len="sm"/>
+                      <a:tailEnd type="none" w="sm" len="sm"/>
+                    </a:lnL>
+                    <a:lnR w="12700" cap="flat" cmpd="sng">
+                      <a:solidFill>
+                        <a:schemeClr val="dk1"/>
+                      </a:solidFill>
+                      <a:prstDash val="solid"/>
+                      <a:round/>
+                      <a:headEnd type="none" w="sm" len="sm"/>
+                      <a:tailEnd type="none" w="sm" len="sm"/>
+                    </a:lnR>
+                    <a:lnT w="12700" cap="flat" cmpd="sng">
+                      <a:solidFill>
+                        <a:schemeClr val="dk1"/>
+                      </a:solidFill>
+                      <a:prstDash val="solid"/>
+                      <a:round/>
+                      <a:headEnd type="none" w="sm" len="sm"/>
+                      <a:tailEnd type="none" w="sm" len="sm"/>
+                    </a:lnT>
+                    <a:lnB w="12700" cap="flat" cmpd="sng">
+                      <a:solidFill>
+                        <a:schemeClr val="dk1"/>
+                      </a:solidFill>
+                      <a:prstDash val="solid"/>
+                      <a:round/>
+                      <a:headEnd type="none" w="sm" len="sm"/>
+                      <a:tailEnd type="none" w="sm" len="sm"/>
+                    </a:lnB>
+                  </a:tcPr>
+                </a:tc>
+                <a:tc>
+                  <a:txBody>
+                    <a:bodyPr/>
+                    <a:lstStyle/>
+                    <a:p>
+                      <a:pPr marL="0" marR="0" lvl="0" indent="0" algn="l" rtl="0">
+                        <a:lnSpc>
+                          <a:spcPct val="100000"/>
+                        </a:lnSpc>
+                        <a:spcBef>
+                          <a:spcPts val="0"/>
+                        </a:spcBef>
+                        <a:spcAft>
+                          <a:spcPts val="0"/>
+                        </a:spcAft>
+                        <a:buClr>
+                          <a:schemeClr val="dk1"/>
+                        </a:buClr>
+                        <a:buSzPts val="800"/>
+                        <a:buFont typeface="Arial"/>
+                        <a:buNone/>
+                      </a:pPr>
+                      <a:r>
+                        <a:rPr lang="en-MY" sz="800" b="0">
+                          <a:latin typeface="Arial"/>
+                          <a:ea typeface="Arial"/>
+                          <a:cs typeface="Arial"/>
+                          <a:sym typeface="Arial"/>
+                        </a:rPr>
+                        <a:t>General Corrosion</a:t>
+                      </a:r>
+                      <a:endParaRPr sz="800" b="0">
+                        <a:latin typeface="Arial"/>
+                        <a:ea typeface="Arial"/>
+                        <a:cs typeface="Arial"/>
+                        <a:sym typeface="Arial"/>
+                      </a:endParaRPr>
+                    </a:p>
+                  </a:txBody>
+                  <a:tcPr marL="91450" marR="91450" marT="45725" marB="45725">
+                    <a:lnL w="12700" cap="flat" cmpd="sng">
+                      <a:solidFill>
+                        <a:schemeClr val="dk1"/>
+                      </a:solidFill>
+                      <a:prstDash val="solid"/>
+                      <a:round/>
+                      <a:headEnd type="none" w="sm" len="sm"/>
+                      <a:tailEnd type="none" w="sm" len="sm"/>
+                    </a:lnL>
+                    <a:lnR w="12700" cap="flat" cmpd="sng">
+                      <a:solidFill>
+                        <a:schemeClr val="dk1"/>
+                      </a:solidFill>
+                      <a:prstDash val="solid"/>
+                      <a:round/>
+                      <a:headEnd type="none" w="sm" len="sm"/>
+                      <a:tailEnd type="none" w="sm" len="sm"/>
+                    </a:lnR>
+                    <a:lnT w="12700" cap="flat" cmpd="sng">
+                      <a:solidFill>
+                        <a:schemeClr val="dk1"/>
+                      </a:solidFill>
+                      <a:prstDash val="solid"/>
+                      <a:round/>
+                      <a:headEnd type="none" w="sm" len="sm"/>
+                      <a:tailEnd type="none" w="sm" len="sm"/>
+                    </a:lnT>
+                    <a:lnB w="12700" cap="flat" cmpd="sng">
+                      <a:solidFill>
+                        <a:schemeClr val="dk1"/>
+                      </a:solidFill>
+                      <a:prstDash val="solid"/>
+                      <a:round/>
+                      <a:headEnd type="none" w="sm" len="sm"/>
+                      <a:tailEnd type="none" w="sm" len="sm"/>
+                    </a:lnB>
+                  </a:tcPr>
+                </a:tc>
+                <a:extLst>
+                  <a:ext uri="{0D108BD9-81ED-4DB2-BD59-A6C34878D82A}">
+                    <a16:rowId xmlns:a16="http://schemas.microsoft.com/office/drawing/2014/main" val="10001"/>
+                  </a:ext>
+                </a:extLst>
+              </a:tr>
+              <a:tr h="378200">
+                <a:tc>
+                  <a:txBody>
+                    <a:bodyPr/>
+                    <a:lstStyle/>
+                    <a:p>
+                      <a:pPr marL="0" marR="0" lvl="0" indent="0" algn="ctr" rtl="0">
+                        <a:spcBef>
+                          <a:spcPts val="0"/>
+                        </a:spcBef>
+                        <a:spcAft>
+                          <a:spcPts val="0"/>
+                        </a:spcAft>
+                        <a:buNone/>
+                      </a:pPr>
+                      <a:r>
+                        <a:rPr lang="en-MY" sz="800">
+                          <a:latin typeface="Arial"/>
+                          <a:ea typeface="Arial"/>
+                          <a:cs typeface="Arial"/>
+                          <a:sym typeface="Arial"/>
+                        </a:rPr>
+                        <a:t>VISUAL INSPECTION</a:t>
+                      </a:r>
+                      <a:endParaRPr sz="800">
+                        <a:latin typeface="Arial"/>
+                        <a:ea typeface="Arial"/>
+                        <a:cs typeface="Arial"/>
+                        <a:sym typeface="Arial"/>
+                      </a:endParaRPr>
+                    </a:p>
+                  </a:txBody>
+                  <a:tcPr marL="91450" marR="91450" marT="45725" marB="45725" anchor="ctr">
+                    <a:lnL w="12700" cap="flat" cmpd="sng">
+                      <a:solidFill>
+                        <a:schemeClr val="dk1"/>
+                      </a:solidFill>
+                      <a:prstDash val="solid"/>
+                      <a:round/>
+                      <a:headEnd type="none" w="sm" len="sm"/>
+                      <a:tailEnd type="none" w="sm" len="sm"/>
+                    </a:lnL>
+                    <a:lnR w="12700" cap="flat" cmpd="sng">
+                      <a:solidFill>
+                        <a:schemeClr val="dk1"/>
+                      </a:solidFill>
+                      <a:prstDash val="solid"/>
+                      <a:round/>
+                      <a:headEnd type="none" w="sm" len="sm"/>
+                      <a:tailEnd type="none" w="sm" len="sm"/>
+                    </a:lnR>
+                    <a:lnT w="12700" cap="flat" cmpd="sng">
+                      <a:solidFill>
+                        <a:schemeClr val="dk1"/>
+                      </a:solidFill>
+                      <a:prstDash val="solid"/>
+                      <a:round/>
+                      <a:headEnd type="none" w="sm" len="sm"/>
+                      <a:tailEnd type="none" w="sm" len="sm"/>
+                    </a:lnT>
+                    <a:lnB w="12700" cap="flat" cmpd="sng">
+                      <a:solidFill>
+                        <a:schemeClr val="dk1"/>
+                      </a:solidFill>
+                      <a:prstDash val="solid"/>
+                      <a:round/>
+                      <a:headEnd type="none" w="sm" len="sm"/>
+                      <a:tailEnd type="none" w="sm" len="sm"/>
+                    </a:lnB>
+                  </a:tcPr>
+                </a:tc>
+                <a:tc>
+                  <a:txBody>
+                    <a:bodyPr/>
+                    <a:lstStyle/>
+                    <a:p>
+                      <a:pPr marL="0" marR="0" lvl="0" indent="0" algn="l" rtl="0">
+                        <a:lnSpc>
+                          <a:spcPct val="107000"/>
+                        </a:lnSpc>
+                        <a:spcBef>
+                          <a:spcPts val="0"/>
+                        </a:spcBef>
+                        <a:spcAft>
+                          <a:spcPts val="0"/>
+                        </a:spcAft>
+                        <a:buClr>
+                          <a:schemeClr val="dk1"/>
+                        </a:buClr>
+                        <a:buSzPts val="800"/>
+                        <a:buFont typeface="Arial"/>
+                        <a:buNone/>
+                      </a:pPr>
+                      <a:r>
+                        <a:rPr lang="en-MY" sz="800">
+                          <a:latin typeface="Arial"/>
+                          <a:ea typeface="Arial"/>
+                          <a:cs typeface="Arial"/>
+                          <a:sym typeface="Arial"/>
+                        </a:rPr>
+                        <a:t>External Visual Inspection  (100% Coverage)</a:t>
+                      </a:r>
+                      <a:endParaRPr sz="800">
+                        <a:latin typeface="Arial"/>
+                        <a:ea typeface="Arial"/>
+                        <a:cs typeface="Arial"/>
+                        <a:sym typeface="Arial"/>
+                      </a:endParaRPr>
+                    </a:p>
+                    <a:p>
+                      <a:pPr marL="0" marR="0" lvl="0" indent="0" algn="l" rtl="0">
+                        <a:lnSpc>
+                          <a:spcPct val="107000"/>
+                        </a:lnSpc>
+                        <a:spcBef>
+                          <a:spcPts val="800"/>
+                        </a:spcBef>
+                        <a:spcAft>
+                          <a:spcPts val="0"/>
+                        </a:spcAft>
+                        <a:buClr>
+                          <a:schemeClr val="dk1"/>
+                        </a:buClr>
+                        <a:buSzPts val="800"/>
+                        <a:buFont typeface="Arial"/>
+                        <a:buNone/>
+                      </a:pPr>
+                      <a:r>
+                        <a:rPr lang="en-MY" sz="800" b="1">
+                          <a:latin typeface="Arial"/>
+                          <a:ea typeface="Arial"/>
+                          <a:cs typeface="Arial"/>
+                          <a:sym typeface="Arial"/>
+                        </a:rPr>
+                        <a:t>With</a:t>
+                      </a:r>
+                      <a:endParaRPr sz="800" b="1">
+                        <a:latin typeface="Arial"/>
+                        <a:ea typeface="Arial"/>
+                        <a:cs typeface="Arial"/>
+                        <a:sym typeface="Arial"/>
+                      </a:endParaRPr>
+                    </a:p>
+                    <a:p>
+                      <a:pPr marL="0" marR="0" lvl="0" indent="0" algn="l" rtl="0">
+                        <a:lnSpc>
+                          <a:spcPct val="107000"/>
+                        </a:lnSpc>
+                        <a:spcBef>
+                          <a:spcPts val="800"/>
+                        </a:spcBef>
+                        <a:spcAft>
+                          <a:spcPts val="0"/>
+                        </a:spcAft>
+                        <a:buClr>
+                          <a:schemeClr val="dk1"/>
+                        </a:buClr>
+                        <a:buSzPts val="800"/>
+                        <a:buFont typeface="Arial"/>
+                        <a:buNone/>
+                      </a:pPr>
+                      <a:r>
+                        <a:rPr lang="en-MY" sz="800">
+                          <a:latin typeface="Arial"/>
+                          <a:ea typeface="Arial"/>
+                          <a:cs typeface="Arial"/>
+                          <a:sym typeface="Arial"/>
+                        </a:rPr>
+                        <a:t>follow up by UT, RT, or pit gauge as required.</a:t>
+                      </a:r>
+                      <a:endParaRPr sz="800">
+                        <a:latin typeface="Arial"/>
+                        <a:ea typeface="Arial"/>
+                        <a:cs typeface="Arial"/>
+                        <a:sym typeface="Arial"/>
+                      </a:endParaRPr>
+                    </a:p>
+                    <a:p>
+                      <a:pPr marL="0" marR="0" lvl="0" indent="0" algn="l" rtl="0">
+                        <a:spcBef>
+                          <a:spcPts val="800"/>
+                        </a:spcBef>
+                        <a:spcAft>
+                          <a:spcPts val="0"/>
+                        </a:spcAft>
+                        <a:buNone/>
+                      </a:pPr>
+                      <a:endParaRPr sz="800">
+                        <a:latin typeface="Arial"/>
+                        <a:ea typeface="Arial"/>
+                        <a:cs typeface="Arial"/>
+                        <a:sym typeface="Arial"/>
+                      </a:endParaRPr>
+                    </a:p>
+                  </a:txBody>
+                  <a:tcPr marL="91450" marR="91450" marT="45725" marB="45725">
+                    <a:lnL w="12700" cap="flat" cmpd="sng">
+                      <a:solidFill>
+                        <a:schemeClr val="dk1"/>
+                      </a:solidFill>
+                      <a:prstDash val="solid"/>
+                      <a:round/>
+                      <a:headEnd type="none" w="sm" len="sm"/>
+                      <a:tailEnd type="none" w="sm" len="sm"/>
+                    </a:lnL>
+                    <a:lnR w="12700" cap="flat" cmpd="sng">
+                      <a:solidFill>
+                        <a:schemeClr val="dk1"/>
+                      </a:solidFill>
+                      <a:prstDash val="solid"/>
+                      <a:round/>
+                      <a:headEnd type="none" w="sm" len="sm"/>
+                      <a:tailEnd type="none" w="sm" len="sm"/>
+                    </a:lnR>
+                    <a:lnT w="12700" cap="flat" cmpd="sng">
+                      <a:solidFill>
+                        <a:schemeClr val="dk1"/>
+                      </a:solidFill>
+                      <a:prstDash val="solid"/>
+                      <a:round/>
+                      <a:headEnd type="none" w="sm" len="sm"/>
+                      <a:tailEnd type="none" w="sm" len="sm"/>
+                    </a:lnT>
+                    <a:lnB w="12700" cap="flat" cmpd="sng">
+                      <a:solidFill>
+                        <a:schemeClr val="dk1"/>
+                      </a:solidFill>
+                      <a:prstDash val="solid"/>
+                      <a:round/>
+                      <a:headEnd type="none" w="sm" len="sm"/>
+                      <a:tailEnd type="none" w="sm" len="sm"/>
+                    </a:lnB>
+                  </a:tcPr>
+                </a:tc>
+                <a:tc>
+                  <a:txBody>
+                    <a:bodyPr/>
+                    <a:lstStyle/>
+                    <a:p>
+                      <a:pPr marL="0" marR="0" lvl="0" indent="0" algn="l" rtl="0">
+                        <a:lnSpc>
+                          <a:spcPct val="100000"/>
+                        </a:lnSpc>
+                        <a:spcBef>
+                          <a:spcPts val="0"/>
+                        </a:spcBef>
+                        <a:spcAft>
+                          <a:spcPts val="0"/>
+                        </a:spcAft>
+                        <a:buClr>
+                          <a:schemeClr val="dk1"/>
+                        </a:buClr>
+                        <a:buSzPts val="800"/>
+                        <a:buFont typeface="Arial"/>
+                        <a:buNone/>
+                      </a:pPr>
+                      <a:r>
+                        <a:rPr lang="en-MY" sz="800" u="none">
+                          <a:solidFill>
+                            <a:schemeClr val="dk1"/>
+                          </a:solidFill>
+                          <a:latin typeface="Arial"/>
+                          <a:ea typeface="Arial"/>
+                          <a:cs typeface="Arial"/>
+                          <a:sym typeface="Arial"/>
+                        </a:rPr>
+                        <a:t>Atmospheric Corrosion</a:t>
+                      </a:r>
+                      <a:endParaRPr sz="800" u="none">
+                        <a:solidFill>
+                          <a:schemeClr val="dk1"/>
+                        </a:solidFill>
+                        <a:latin typeface="Arial"/>
+                        <a:ea typeface="Arial"/>
+                        <a:cs typeface="Arial"/>
+                        <a:sym typeface="Arial"/>
+                      </a:endParaRPr>
+                    </a:p>
+                    <a:p>
+                      <a:pPr marL="0" marR="0" lvl="0" indent="0" algn="l" rtl="0">
+                        <a:lnSpc>
+                          <a:spcPct val="100000"/>
+                        </a:lnSpc>
+                        <a:spcBef>
+                          <a:spcPts val="0"/>
+                        </a:spcBef>
+                        <a:spcAft>
+                          <a:spcPts val="0"/>
+                        </a:spcAft>
+                        <a:buClr>
+                          <a:schemeClr val="dk1"/>
+                        </a:buClr>
+                        <a:buSzPts val="800"/>
+                        <a:buFont typeface="Arial"/>
+                        <a:buNone/>
+                      </a:pPr>
+                      <a:endParaRPr sz="800" b="0">
+                        <a:latin typeface="Arial"/>
+                        <a:ea typeface="Arial"/>
+                        <a:cs typeface="Arial"/>
+                        <a:sym typeface="Arial"/>
+                      </a:endParaRPr>
+                    </a:p>
+                  </a:txBody>
+                  <a:tcPr marL="91450" marR="91450" marT="45725" marB="45725">
+                    <a:lnL w="12700" cap="flat" cmpd="sng">
+                      <a:solidFill>
+                        <a:schemeClr val="dk1"/>
+                      </a:solidFill>
+                      <a:prstDash val="solid"/>
+                      <a:round/>
+                      <a:headEnd type="none" w="sm" len="sm"/>
+                      <a:tailEnd type="none" w="sm" len="sm"/>
+                    </a:lnL>
+                    <a:lnR w="12700" cap="flat" cmpd="sng">
+                      <a:solidFill>
+                        <a:schemeClr val="dk1"/>
+                      </a:solidFill>
+                      <a:prstDash val="solid"/>
+                      <a:round/>
+                      <a:headEnd type="none" w="sm" len="sm"/>
+                      <a:tailEnd type="none" w="sm" len="sm"/>
+                    </a:lnR>
+                    <a:lnT w="12700" cap="flat" cmpd="sng">
+                      <a:solidFill>
+                        <a:schemeClr val="dk1"/>
+                      </a:solidFill>
+                      <a:prstDash val="solid"/>
+                      <a:round/>
+                      <a:headEnd type="none" w="sm" len="sm"/>
+                      <a:tailEnd type="none" w="sm" len="sm"/>
+                    </a:lnT>
+                    <a:lnB w="12700" cap="flat" cmpd="sng">
+                      <a:solidFill>
+                        <a:schemeClr val="dk1"/>
+                      </a:solidFill>
+                      <a:prstDash val="solid"/>
+                      <a:round/>
+                      <a:headEnd type="none" w="sm" len="sm"/>
+                      <a:tailEnd type="none" w="sm" len="sm"/>
+                    </a:lnB>
+                  </a:tcPr>
+                </a:tc>
+                <a:extLst>
+                  <a:ext uri="{0D108BD9-81ED-4DB2-BD59-A6C34878D82A}">
+                    <a16:rowId xmlns:a16="http://schemas.microsoft.com/office/drawing/2014/main" val="10002"/>
+                  </a:ext>
+                </a:extLst>
+              </a:tr>
+            </a:tbl>
+          </a:graphicData>
+        </a:graphic>
+      </p:graphicFrame>
+    </p:spTree>
+  </p:cSld>
+  <p:clrMapOvr>
+    <a:masterClrMapping/>
+  </p:clrMapOvr>
+</p:sld>
+</file>
+
+<file path=ppt/slides/slide2.xml><?xml version="1.0" encoding="utf-8"?>
+<p:sld xmlns:a="http://schemas.openxmlformats.org/drawingml/2006/main" xmlns:p="http://schemas.openxmlformats.org/presentationml/2006/main" xmlns:r="http://schemas.openxmlformats.org/officeDocument/2006/relationships">
+  <p:cSld>
+    <p:spTree>
+      <p:nvGrpSpPr>
+        <p:cNvPr id="1" name=""/>
+        <p:cNvGrpSpPr/>
+        <p:nvPr/>
+      </p:nvGrpSpPr>
+      <p:grpSpPr/>
+      <p:graphicFrame>
+        <p:nvGraphicFramePr>
+          <p:cNvPr id="49" name="Google Shape;49;p1"/>
+          <p:cNvGraphicFramePr/>
+          <p:nvPr>
+            <p:extLst>
+              <p:ext uri="{D42A27DB-BD31-4B8C-83A1-F6EECF244321}">
+                <p14:modId xmlns:p14="http://schemas.microsoft.com/office/powerpoint/2010/main" val="797943614"/>
+              </p:ext>
+            </p:extLst>
+          </p:nvPr>
+        </p:nvGraphicFramePr>
+        <p:xfrm>
+          <a:off x="475862" y="897164"/>
+          <a:ext cx="9049125" cy="1554490"/>
+        </p:xfrm>
+        <a:graphic>
+          <a:graphicData uri="http://schemas.openxmlformats.org/drawingml/2006/table">
+            <a:tbl>
+              <a:tblPr firstRow="1" bandRow="1">
+                <a:noFill/>
+                <a:tableStyleId>{E763451D-8EB9-4A25-A082-BD28EEA32327}</a:tableStyleId>
+              </a:tblPr>
+              <a:tblGrid>
+                <a:gridCol w="1088975">
+                  <a:extLst>
+                    <a:ext uri="{9D8B030D-6E8A-4147-A177-3AD203B41FA5}">
+                      <a16:colId xmlns:a16="http://schemas.microsoft.com/office/drawing/2014/main" val="20000"/>
+                    </a:ext>
+                  </a:extLst>
+                </a:gridCol>
+                <a:gridCol w="843850">
+                  <a:extLst>
+                    <a:ext uri="{9D8B030D-6E8A-4147-A177-3AD203B41FA5}">
+                      <a16:colId xmlns:a16="http://schemas.microsoft.com/office/drawing/2014/main" val="20001"/>
+                    </a:ext>
+                  </a:extLst>
+                </a:gridCol>
+                <a:gridCol w="1020175">
+                  <a:extLst>
+                    <a:ext uri="{9D8B030D-6E8A-4147-A177-3AD203B41FA5}">
+                      <a16:colId xmlns:a16="http://schemas.microsoft.com/office/drawing/2014/main" val="20002"/>
+                    </a:ext>
+                  </a:extLst>
+                </a:gridCol>
+                <a:gridCol w="583250">
+                  <a:extLst>
+                    <a:ext uri="{9D8B030D-6E8A-4147-A177-3AD203B41FA5}">
+                      <a16:colId xmlns:a16="http://schemas.microsoft.com/office/drawing/2014/main" val="20003"/>
+                    </a:ext>
+                  </a:extLst>
+                </a:gridCol>
+                <a:gridCol w="710425">
+                  <a:extLst>
+                    <a:ext uri="{9D8B030D-6E8A-4147-A177-3AD203B41FA5}">
+                      <a16:colId xmlns:a16="http://schemas.microsoft.com/office/drawing/2014/main" val="20004"/>
+                    </a:ext>
+                  </a:extLst>
+                </a:gridCol>
+                <a:gridCol w="382850">
+                  <a:extLst>
+                    <a:ext uri="{9D8B030D-6E8A-4147-A177-3AD203B41FA5}">
+                      <a16:colId xmlns:a16="http://schemas.microsoft.com/office/drawing/2014/main" val="20005"/>
+                    </a:ext>
+                  </a:extLst>
+                </a:gridCol>
+                <a:gridCol w="803475">
+                  <a:extLst>
+                    <a:ext uri="{9D8B030D-6E8A-4147-A177-3AD203B41FA5}">
+                      <a16:colId xmlns:a16="http://schemas.microsoft.com/office/drawing/2014/main" val="20006"/>
+                    </a:ext>
+                  </a:extLst>
+                </a:gridCol>
+                <a:gridCol w="494625">
+                  <a:extLst>
+                    <a:ext uri="{9D8B030D-6E8A-4147-A177-3AD203B41FA5}">
+                      <a16:colId xmlns:a16="http://schemas.microsoft.com/office/drawing/2014/main" val="20007"/>
+                    </a:ext>
+                  </a:extLst>
+                </a:gridCol>
+                <a:gridCol w="609075">
+                  <a:extLst>
+                    <a:ext uri="{9D8B030D-6E8A-4147-A177-3AD203B41FA5}">
+                      <a16:colId xmlns:a16="http://schemas.microsoft.com/office/drawing/2014/main" val="20008"/>
+                    </a:ext>
+                  </a:extLst>
+                </a:gridCol>
+                <a:gridCol w="804525">
+                  <a:extLst>
+                    <a:ext uri="{9D8B030D-6E8A-4147-A177-3AD203B41FA5}">
+                      <a16:colId xmlns:a16="http://schemas.microsoft.com/office/drawing/2014/main" val="20009"/>
+                    </a:ext>
+                  </a:extLst>
+                </a:gridCol>
+                <a:gridCol w="1707900">
+                  <a:extLst>
+                    <a:ext uri="{9D8B030D-6E8A-4147-A177-3AD203B41FA5}">
+                      <a16:colId xmlns:a16="http://schemas.microsoft.com/office/drawing/2014/main" val="20010"/>
+                    </a:ext>
+                  </a:extLst>
+                </a:gridCol>
+              </a:tblGrid>
+              <a:tr h="0">
+                <a:tc rowSpan="2">
+                  <a:txBody>
+                    <a:bodyPr/>
+                    <a:lstStyle/>
+                    <a:p>
+                      <a:pPr marL="0" marR="0" lvl="0" indent="0" algn="ctr" rtl="0">
+                        <a:spcBef>
+                          <a:spcPts val="0"/>
+                        </a:spcBef>
+                        <a:spcAft>
+                          <a:spcPts val="0"/>
+                        </a:spcAft>
+                        <a:buNone/>
+                      </a:pPr>
+                      <a:r>
+                        <a:rPr lang="en-MY" sz="800" b="0" u="none" strike="noStrike" cap="none" dirty="0">
+                          <a:solidFill>
+                            <a:schemeClr val="dk1"/>
+                          </a:solidFill>
+                          <a:latin typeface="Arial"/>
+                          <a:ea typeface="Arial"/>
+                          <a:cs typeface="Arial"/>
+                          <a:sym typeface="Arial"/>
+                        </a:rPr>
+                        <a:t>FLUID</a:t>
+                      </a:r>
+                      <a:endParaRPr sz="800" b="0" u="none" strike="noStrike" cap="none" dirty="0">
+                        <a:solidFill>
+                          <a:schemeClr val="dk1"/>
+                        </a:solidFill>
+                        <a:latin typeface="Arial"/>
+                        <a:ea typeface="Arial"/>
+                        <a:cs typeface="Arial"/>
+                        <a:sym typeface="Arial"/>
+                      </a:endParaRPr>
+                    </a:p>
+                  </a:txBody>
+                  <a:tcPr marL="83125" marR="83125" marT="45725" marB="45725" anchor="ctr">
+                    <a:lnL w="9525" cap="flat" cmpd="sng">
+                      <a:solidFill>
+                        <a:schemeClr val="dk1"/>
+                      </a:solidFill>
+                      <a:prstDash val="solid"/>
+                      <a:round/>
+                      <a:headEnd type="none" w="sm" len="sm"/>
+                      <a:tailEnd type="none" w="sm" len="sm"/>
+                    </a:lnL>
+                    <a:lnR w="9525" cap="flat" cmpd="sng">
+                      <a:solidFill>
+                        <a:schemeClr val="dk1"/>
+                      </a:solidFill>
+                      <a:prstDash val="solid"/>
+                      <a:round/>
+                      <a:headEnd type="none" w="sm" len="sm"/>
+                      <a:tailEnd type="none" w="sm" len="sm"/>
+                    </a:lnR>
+                    <a:lnT w="9525" cap="flat" cmpd="sng">
+                      <a:solidFill>
+                        <a:schemeClr val="dk1"/>
+                      </a:solidFill>
+                      <a:prstDash val="solid"/>
+                      <a:round/>
+                      <a:headEnd type="none" w="sm" len="sm"/>
+                      <a:tailEnd type="none" w="sm" len="sm"/>
+                    </a:lnT>
+                    <a:lnB w="9525" cap="flat" cmpd="sng">
+                      <a:solidFill>
+                        <a:schemeClr val="dk1"/>
+                      </a:solidFill>
+                      <a:prstDash val="solid"/>
+                      <a:round/>
+                      <a:headEnd type="none" w="sm" len="sm"/>
+                      <a:tailEnd type="none" w="sm" len="sm"/>
+                    </a:lnB>
+                    <a:solidFill>
+                      <a:srgbClr val="D8D8D8"/>
+                    </a:solidFill>
+                  </a:tcPr>
+                </a:tc>
+                <a:tc rowSpan="2">
+                  <a:txBody>
+                    <a:bodyPr/>
+                    <a:lstStyle/>
+                    <a:p>
+                      <a:pPr marL="0" marR="0" lvl="0" indent="0" algn="ctr" rtl="0">
+                        <a:spcBef>
+                          <a:spcPts val="0"/>
+                        </a:spcBef>
+                        <a:spcAft>
+                          <a:spcPts val="0"/>
+                        </a:spcAft>
+                        <a:buNone/>
+                      </a:pPr>
+                      <a:r>
+                        <a:rPr lang="en-MY" sz="800" b="0" u="none" strike="noStrike" cap="none">
+                          <a:solidFill>
+                            <a:schemeClr val="dk1"/>
+                          </a:solidFill>
+                        </a:rPr>
+                        <a:t>                                        </a:t>
+                      </a:r>
+                      <a:endParaRPr sz="800" b="0" u="none" strike="noStrike" cap="none">
+                        <a:solidFill>
+                          <a:schemeClr val="dk1"/>
+                        </a:solidFill>
+                      </a:endParaRPr>
+                    </a:p>
+                    <a:p>
+                      <a:pPr marL="0" marR="0" lvl="0" indent="0" algn="ctr" rtl="0">
+                        <a:spcBef>
+                          <a:spcPts val="0"/>
+                        </a:spcBef>
+                        <a:spcAft>
+                          <a:spcPts val="0"/>
+                        </a:spcAft>
+                        <a:buNone/>
+                      </a:pPr>
+                      <a:r>
+                        <a:rPr lang="en-MY" sz="800" b="0" u="none" strike="noStrike" cap="none">
+                          <a:solidFill>
+                            <a:schemeClr val="dk1"/>
+                          </a:solidFill>
+                          <a:latin typeface="Arial"/>
+                          <a:ea typeface="Arial"/>
+                          <a:cs typeface="Arial"/>
+                          <a:sym typeface="Arial"/>
+                        </a:rPr>
+                        <a:t>COMPONENT</a:t>
+                      </a:r>
+                      <a:endParaRPr sz="800" b="0" u="none" strike="noStrike" cap="none">
+                        <a:solidFill>
+                          <a:schemeClr val="dk1"/>
+                        </a:solidFill>
+                        <a:latin typeface="Arial"/>
+                        <a:ea typeface="Arial"/>
+                        <a:cs typeface="Arial"/>
+                        <a:sym typeface="Arial"/>
+                      </a:endParaRPr>
+                    </a:p>
+                  </a:txBody>
+                  <a:tcPr marL="83125" marR="83125" marT="45725" marB="45725">
+                    <a:lnL w="9525" cap="flat" cmpd="sng">
+                      <a:solidFill>
+                        <a:schemeClr val="dk1"/>
+                      </a:solidFill>
+                      <a:prstDash val="solid"/>
+                      <a:round/>
+                      <a:headEnd type="none" w="sm" len="sm"/>
+                      <a:tailEnd type="none" w="sm" len="sm"/>
+                    </a:lnL>
+                    <a:lnR w="9525" cap="flat" cmpd="sng">
+                      <a:solidFill>
+                        <a:schemeClr val="dk1"/>
+                      </a:solidFill>
+                      <a:prstDash val="solid"/>
+                      <a:round/>
+                      <a:headEnd type="none" w="sm" len="sm"/>
+                      <a:tailEnd type="none" w="sm" len="sm"/>
+                    </a:lnR>
+                    <a:lnT w="9525" cap="flat" cmpd="sng">
+                      <a:solidFill>
+                        <a:schemeClr val="dk1"/>
+                      </a:solidFill>
+                      <a:prstDash val="solid"/>
+                      <a:round/>
+                      <a:headEnd type="none" w="sm" len="sm"/>
+                      <a:tailEnd type="none" w="sm" len="sm"/>
+                    </a:lnT>
+                    <a:lnB w="9525" cap="flat" cmpd="sng">
+                      <a:solidFill>
+                        <a:schemeClr val="dk1"/>
+                      </a:solidFill>
+                      <a:prstDash val="solid"/>
+                      <a:round/>
+                      <a:headEnd type="none" w="sm" len="sm"/>
+                      <a:tailEnd type="none" w="sm" len="sm"/>
+                    </a:lnB>
+                    <a:solidFill>
+                      <a:srgbClr val="D8D8D8"/>
+                    </a:solidFill>
+                  </a:tcPr>
+                </a:tc>
+                <a:tc rowSpan="2">
+                  <a:txBody>
+                    <a:bodyPr/>
+                    <a:lstStyle/>
+                    <a:p>
+                      <a:pPr marL="0" marR="0" lvl="0" indent="0" algn="ctr" rtl="0">
+                        <a:lnSpc>
+                          <a:spcPct val="100000"/>
+                        </a:lnSpc>
+                        <a:spcBef>
+                          <a:spcPts val="0"/>
+                        </a:spcBef>
+                        <a:spcAft>
+                          <a:spcPts val="0"/>
+                        </a:spcAft>
+                        <a:buClr>
+                          <a:schemeClr val="dk1"/>
+                        </a:buClr>
+                        <a:buSzPts val="800"/>
+                        <a:buFont typeface="Arial"/>
+                        <a:buNone/>
+                      </a:pPr>
+                      <a:endParaRPr sz="800" b="0" u="none" strike="noStrike" cap="none">
+                        <a:solidFill>
+                          <a:schemeClr val="dk1"/>
+                        </a:solidFill>
+                        <a:latin typeface="Arial"/>
+                        <a:ea typeface="Arial"/>
+                        <a:cs typeface="Arial"/>
+                        <a:sym typeface="Arial"/>
+                      </a:endParaRPr>
+                    </a:p>
+                    <a:p>
+                      <a:pPr marL="0" marR="0" lvl="0" indent="0" algn="ctr" rtl="0">
+                        <a:lnSpc>
+                          <a:spcPct val="100000"/>
+                        </a:lnSpc>
+                        <a:spcBef>
+                          <a:spcPts val="0"/>
+                        </a:spcBef>
+                        <a:spcAft>
+                          <a:spcPts val="0"/>
+                        </a:spcAft>
+                        <a:buClr>
+                          <a:schemeClr val="dk1"/>
+                        </a:buClr>
+                        <a:buSzPts val="800"/>
+                        <a:buFont typeface="Arial"/>
+                        <a:buNone/>
+                      </a:pPr>
+                      <a:r>
+                        <a:rPr lang="en-MY" sz="800" b="0" u="none" strike="noStrike" cap="none">
+                          <a:solidFill>
+                            <a:schemeClr val="dk1"/>
+                          </a:solidFill>
+                          <a:latin typeface="Arial"/>
+                          <a:ea typeface="Arial"/>
+                          <a:cs typeface="Arial"/>
+                          <a:sym typeface="Arial"/>
+                        </a:rPr>
+                        <a:t>DESIGN CODE</a:t>
+                      </a:r>
+                      <a:endParaRPr sz="800" b="0" u="none" strike="noStrike" cap="none">
+                        <a:solidFill>
+                          <a:schemeClr val="dk1"/>
+                        </a:solidFill>
+                        <a:latin typeface="Arial"/>
+                        <a:ea typeface="Arial"/>
+                        <a:cs typeface="Arial"/>
+                        <a:sym typeface="Arial"/>
+                      </a:endParaRPr>
+                    </a:p>
+                    <a:p>
+                      <a:pPr marL="0" marR="0" lvl="0" indent="0" algn="ctr" rtl="0">
+                        <a:spcBef>
+                          <a:spcPts val="0"/>
+                        </a:spcBef>
+                        <a:spcAft>
+                          <a:spcPts val="0"/>
+                        </a:spcAft>
+                        <a:buNone/>
+                      </a:pPr>
+                      <a:endParaRPr sz="800" b="0" u="none" strike="noStrike" cap="none">
+                        <a:solidFill>
+                          <a:schemeClr val="dk1"/>
+                        </a:solidFill>
+                        <a:latin typeface="Arial"/>
+                        <a:ea typeface="Arial"/>
+                        <a:cs typeface="Arial"/>
+                        <a:sym typeface="Arial"/>
+                      </a:endParaRPr>
+                    </a:p>
+                  </a:txBody>
+                  <a:tcPr marL="83125" marR="83125" marT="45725" marB="45725">
+                    <a:lnL w="9525" cap="flat" cmpd="sng">
+                      <a:solidFill>
+                        <a:schemeClr val="dk1"/>
+                      </a:solidFill>
+                      <a:prstDash val="solid"/>
+                      <a:round/>
+                      <a:headEnd type="none" w="sm" len="sm"/>
+                      <a:tailEnd type="none" w="sm" len="sm"/>
+                    </a:lnL>
+                    <a:lnR w="9525" cap="flat" cmpd="sng">
+                      <a:solidFill>
+                        <a:schemeClr val="dk1"/>
+                      </a:solidFill>
+                      <a:prstDash val="solid"/>
+                      <a:round/>
+                      <a:headEnd type="none" w="sm" len="sm"/>
+                      <a:tailEnd type="none" w="sm" len="sm"/>
+                    </a:lnR>
+                    <a:lnT w="9525" cap="flat" cmpd="sng">
+                      <a:solidFill>
+                        <a:schemeClr val="dk1"/>
+                      </a:solidFill>
+                      <a:prstDash val="solid"/>
+                      <a:round/>
+                      <a:headEnd type="none" w="sm" len="sm"/>
+                      <a:tailEnd type="none" w="sm" len="sm"/>
+                    </a:lnT>
+                    <a:lnB w="9525" cap="flat" cmpd="sng">
+                      <a:solidFill>
+                        <a:schemeClr val="dk1"/>
+                      </a:solidFill>
+                      <a:prstDash val="solid"/>
+                      <a:round/>
+                      <a:headEnd type="none" w="sm" len="sm"/>
+                      <a:tailEnd type="none" w="sm" len="sm"/>
+                    </a:lnB>
+                    <a:solidFill>
+                      <a:srgbClr val="D8D8D8"/>
+                    </a:solidFill>
+                  </a:tcPr>
+                </a:tc>
+                <a:tc gridSpan="3">
+                  <a:txBody>
+                    <a:bodyPr/>
+                    <a:lstStyle/>
+                    <a:p>
+                      <a:pPr marL="0" marR="0" lvl="0" indent="0" algn="l" rtl="0">
+                        <a:spcBef>
+                          <a:spcPts val="0"/>
+                        </a:spcBef>
+                        <a:spcAft>
+                          <a:spcPts val="0"/>
+                        </a:spcAft>
+                        <a:buNone/>
+                      </a:pPr>
+                      <a:r>
+                        <a:rPr lang="en-MY" sz="800" u="none" strike="noStrike" cap="none"/>
+                        <a:t>                 MATERIAL </a:t>
+                      </a:r>
+                      <a:endParaRPr sz="800"/>
+                    </a:p>
+                  </a:txBody>
+                  <a:tcPr marL="83125" marR="83125" marT="45725" marB="45725">
+                    <a:lnL w="9525" cap="flat" cmpd="sng">
+                      <a:solidFill>
+                        <a:schemeClr val="dk1"/>
+                      </a:solidFill>
+                      <a:prstDash val="solid"/>
+                      <a:round/>
+                      <a:headEnd type="none" w="sm" len="sm"/>
+                      <a:tailEnd type="none" w="sm" len="sm"/>
+                    </a:lnL>
+                    <a:lnR w="9525" cap="flat" cmpd="sng">
+                      <a:solidFill>
+                        <a:schemeClr val="dk1"/>
+                      </a:solidFill>
+                      <a:prstDash val="solid"/>
+                      <a:round/>
+                      <a:headEnd type="none" w="sm" len="sm"/>
+                      <a:tailEnd type="none" w="sm" len="sm"/>
+                    </a:lnR>
+                    <a:lnT w="9525" cap="flat" cmpd="sng">
+                      <a:solidFill>
+                        <a:schemeClr val="dk1"/>
+                      </a:solidFill>
+                      <a:prstDash val="solid"/>
+                      <a:round/>
+                      <a:headEnd type="none" w="sm" len="sm"/>
+                      <a:tailEnd type="none" w="sm" len="sm"/>
+                    </a:lnT>
+                    <a:lnB w="9525" cap="flat" cmpd="sng">
+                      <a:solidFill>
+                        <a:schemeClr val="dk1"/>
+                      </a:solidFill>
+                      <a:prstDash val="solid"/>
+                      <a:round/>
+                      <a:headEnd type="none" w="sm" len="sm"/>
+                      <a:tailEnd type="none" w="sm" len="sm"/>
+                    </a:lnB>
+                    <a:solidFill>
+                      <a:srgbClr val="D8D8D8"/>
+                    </a:solidFill>
+                  </a:tcPr>
+                </a:tc>
+                <a:tc hMerge="1">
+                  <a:txBody>
+                    <a:bodyPr/>
+                    <a:lstStyle/>
+                    <a:p>
+                      <a:endParaRPr lang="en-US"/>
+                    </a:p>
+                  </a:txBody>
+                  <a:tcPr/>
+                </a:tc>
+                <a:tc hMerge="1">
+                  <a:txBody>
+                    <a:bodyPr/>
+                    <a:lstStyle/>
+                    <a:p>
+                      <a:endParaRPr lang="en-US"/>
+                    </a:p>
+                  </a:txBody>
+                  <a:tcPr/>
+                </a:tc>
+                <a:tc rowSpan="2">
+                  <a:txBody>
+                    <a:bodyPr/>
+                    <a:lstStyle/>
+                    <a:p>
+                      <a:pPr marL="0" marR="0" lvl="0" indent="0" algn="ctr" rtl="0">
+                        <a:spcBef>
+                          <a:spcPts val="0"/>
+                        </a:spcBef>
+                        <a:spcAft>
+                          <a:spcPts val="0"/>
+                        </a:spcAft>
+                        <a:buNone/>
+                      </a:pPr>
+                      <a:r>
+                        <a:rPr lang="en-MY" sz="800" b="0">
+                          <a:solidFill>
+                            <a:schemeClr val="dk1"/>
+                          </a:solidFill>
+                          <a:latin typeface="Arial"/>
+                          <a:ea typeface="Arial"/>
+                          <a:cs typeface="Arial"/>
+                          <a:sym typeface="Arial"/>
+                        </a:rPr>
+                        <a:t>INSULATED</a:t>
+                      </a:r>
+                      <a:endParaRPr sz="800" b="0">
+                        <a:solidFill>
+                          <a:schemeClr val="dk1"/>
+                        </a:solidFill>
+                        <a:latin typeface="Arial"/>
+                        <a:ea typeface="Arial"/>
+                        <a:cs typeface="Arial"/>
+                        <a:sym typeface="Arial"/>
+                      </a:endParaRPr>
+                    </a:p>
+                    <a:p>
+                      <a:pPr marL="0" marR="0" lvl="0" indent="0" algn="ctr" rtl="0">
+                        <a:spcBef>
+                          <a:spcPts val="0"/>
+                        </a:spcBef>
+                        <a:spcAft>
+                          <a:spcPts val="0"/>
+                        </a:spcAft>
+                        <a:buNone/>
+                      </a:pPr>
+                      <a:r>
+                        <a:rPr lang="en-MY" sz="800" b="0">
+                          <a:solidFill>
+                            <a:schemeClr val="dk1"/>
+                          </a:solidFill>
+                          <a:latin typeface="Arial"/>
+                          <a:ea typeface="Arial"/>
+                          <a:cs typeface="Arial"/>
+                          <a:sym typeface="Arial"/>
+                        </a:rPr>
+                        <a:t>(Y/N)</a:t>
+                      </a:r>
+                      <a:endParaRPr sz="800" b="0">
+                        <a:solidFill>
+                          <a:schemeClr val="dk1"/>
+                        </a:solidFill>
+                        <a:latin typeface="Arial"/>
+                        <a:ea typeface="Arial"/>
+                        <a:cs typeface="Arial"/>
+                        <a:sym typeface="Arial"/>
+                      </a:endParaRPr>
+                    </a:p>
+                  </a:txBody>
+                  <a:tcPr marL="83125" marR="83125" marT="45725" marB="45725" anchor="ctr">
+                    <a:lnL w="9525" cap="flat" cmpd="sng">
+                      <a:solidFill>
+                        <a:schemeClr val="dk1"/>
+                      </a:solidFill>
+                      <a:prstDash val="solid"/>
+                      <a:round/>
+                      <a:headEnd type="none" w="sm" len="sm"/>
+                      <a:tailEnd type="none" w="sm" len="sm"/>
+                    </a:lnL>
+                    <a:lnR w="9525" cap="flat" cmpd="sng">
+                      <a:solidFill>
+                        <a:schemeClr val="dk1"/>
+                      </a:solidFill>
+                      <a:prstDash val="solid"/>
+                      <a:round/>
+                      <a:headEnd type="none" w="sm" len="sm"/>
+                      <a:tailEnd type="none" w="sm" len="sm"/>
+                    </a:lnR>
+                    <a:lnT w="9525" cap="flat" cmpd="sng">
+                      <a:solidFill>
+                        <a:schemeClr val="dk1"/>
+                      </a:solidFill>
+                      <a:prstDash val="solid"/>
+                      <a:round/>
+                      <a:headEnd type="none" w="sm" len="sm"/>
+                      <a:tailEnd type="none" w="sm" len="sm"/>
+                    </a:lnT>
+                    <a:lnB w="9525" cap="flat" cmpd="sng">
+                      <a:solidFill>
+                        <a:schemeClr val="dk1"/>
+                      </a:solidFill>
+                      <a:prstDash val="solid"/>
+                      <a:round/>
+                      <a:headEnd type="none" w="sm" len="sm"/>
+                      <a:tailEnd type="none" w="sm" len="sm"/>
+                    </a:lnB>
+                    <a:solidFill>
+                      <a:srgbClr val="D8D8D8"/>
+                    </a:solidFill>
+                  </a:tcPr>
+                </a:tc>
+                <a:tc gridSpan="2">
+                  <a:txBody>
+                    <a:bodyPr/>
+                    <a:lstStyle/>
+                    <a:p>
+                      <a:pPr marL="0" marR="0" lvl="0" indent="0" algn="ctr" rtl="0">
+                        <a:spcBef>
+                          <a:spcPts val="0"/>
+                        </a:spcBef>
+                        <a:spcAft>
+                          <a:spcPts val="0"/>
+                        </a:spcAft>
+                        <a:buNone/>
+                      </a:pPr>
+                      <a:r>
+                        <a:rPr lang="en-MY" sz="800" b="0">
+                          <a:solidFill>
+                            <a:schemeClr val="dk1"/>
+                          </a:solidFill>
+                        </a:rPr>
+                        <a:t>OP. PARAMETER</a:t>
+                      </a:r>
+                      <a:endParaRPr sz="800" b="0">
+                        <a:solidFill>
+                          <a:schemeClr val="dk1"/>
+                        </a:solidFill>
+                        <a:latin typeface="Arial"/>
+                        <a:ea typeface="Arial"/>
+                        <a:cs typeface="Arial"/>
+                        <a:sym typeface="Arial"/>
+                      </a:endParaRPr>
+                    </a:p>
+                  </a:txBody>
+                  <a:tcPr marL="83125" marR="83125" marT="45725" marB="45725">
+                    <a:lnL w="9525" cap="flat" cmpd="sng">
+                      <a:solidFill>
+                        <a:schemeClr val="dk1"/>
+                      </a:solidFill>
+                      <a:prstDash val="solid"/>
+                      <a:round/>
+                      <a:headEnd type="none" w="sm" len="sm"/>
+                      <a:tailEnd type="none" w="sm" len="sm"/>
+                    </a:lnL>
+                    <a:lnR w="9525" cap="flat" cmpd="sng">
+                      <a:solidFill>
+                        <a:schemeClr val="dk1"/>
+                      </a:solidFill>
+                      <a:prstDash val="solid"/>
+                      <a:round/>
+                      <a:headEnd type="none" w="sm" len="sm"/>
+                      <a:tailEnd type="none" w="sm" len="sm"/>
+                    </a:lnR>
+                    <a:lnT w="9525" cap="flat" cmpd="sng">
+                      <a:solidFill>
+                        <a:schemeClr val="dk1"/>
+                      </a:solidFill>
+                      <a:prstDash val="solid"/>
+                      <a:round/>
+                      <a:headEnd type="none" w="sm" len="sm"/>
+                      <a:tailEnd type="none" w="sm" len="sm"/>
+                    </a:lnT>
+                    <a:lnB w="9525" cap="flat" cmpd="sng">
+                      <a:solidFill>
+                        <a:schemeClr val="dk1"/>
+                      </a:solidFill>
+                      <a:prstDash val="solid"/>
+                      <a:round/>
+                      <a:headEnd type="none" w="sm" len="sm"/>
+                      <a:tailEnd type="none" w="sm" len="sm"/>
+                    </a:lnB>
+                    <a:solidFill>
+                      <a:srgbClr val="D8D8D8"/>
+                    </a:solidFill>
+                  </a:tcPr>
+                </a:tc>
+                <a:tc hMerge="1">
+                  <a:txBody>
+                    <a:bodyPr/>
+                    <a:lstStyle/>
+                    <a:p>
+                      <a:endParaRPr lang="en-US"/>
+                    </a:p>
+                  </a:txBody>
+                  <a:tcPr/>
+                </a:tc>
+                <a:tc rowSpan="2">
+                  <a:txBody>
+                    <a:bodyPr/>
+                    <a:lstStyle/>
+                    <a:p>
+                      <a:pPr marL="0" marR="0" lvl="0" indent="0" algn="ctr" rtl="0">
+                        <a:spcBef>
+                          <a:spcPts val="0"/>
+                        </a:spcBef>
+                        <a:spcAft>
+                          <a:spcPts val="0"/>
+                        </a:spcAft>
+                        <a:buNone/>
+                      </a:pPr>
+                      <a:endParaRPr sz="800" b="0">
+                        <a:solidFill>
+                          <a:schemeClr val="dk1"/>
+                        </a:solidFill>
+                        <a:latin typeface="Arial"/>
+                        <a:ea typeface="Arial"/>
+                        <a:cs typeface="Arial"/>
+                        <a:sym typeface="Arial"/>
+                      </a:endParaRPr>
+                    </a:p>
+                    <a:p>
+                      <a:pPr marL="0" marR="0" lvl="0" indent="0" algn="ctr" rtl="0">
+                        <a:spcBef>
+                          <a:spcPts val="0"/>
+                        </a:spcBef>
+                        <a:spcAft>
+                          <a:spcPts val="0"/>
+                        </a:spcAft>
+                        <a:buNone/>
+                      </a:pPr>
+                      <a:r>
+                        <a:rPr lang="en-MY" sz="800" b="0">
+                          <a:solidFill>
+                            <a:schemeClr val="dk1"/>
+                          </a:solidFill>
+                          <a:latin typeface="Arial"/>
+                          <a:ea typeface="Arial"/>
+                          <a:cs typeface="Arial"/>
+                          <a:sym typeface="Arial"/>
+                        </a:rPr>
+                        <a:t>CURRENT RISK RATING</a:t>
+                      </a:r>
+                      <a:endParaRPr sz="800" b="0">
+                        <a:solidFill>
+                          <a:schemeClr val="dk1"/>
+                        </a:solidFill>
+                        <a:latin typeface="Arial"/>
+                        <a:ea typeface="Arial"/>
+                        <a:cs typeface="Arial"/>
+                        <a:sym typeface="Arial"/>
+                      </a:endParaRPr>
+                    </a:p>
+                  </a:txBody>
+                  <a:tcPr marL="83125" marR="83125" marT="45725" marB="45725">
+                    <a:lnL w="9525" cap="flat" cmpd="sng">
+                      <a:solidFill>
+                        <a:schemeClr val="dk1"/>
+                      </a:solidFill>
+                      <a:prstDash val="solid"/>
+                      <a:round/>
+                      <a:headEnd type="none" w="sm" len="sm"/>
+                      <a:tailEnd type="none" w="sm" len="sm"/>
+                    </a:lnL>
+                    <a:lnR w="9525" cap="flat" cmpd="sng">
+                      <a:solidFill>
+                        <a:schemeClr val="dk1"/>
+                      </a:solidFill>
+                      <a:prstDash val="solid"/>
+                      <a:round/>
+                      <a:headEnd type="none" w="sm" len="sm"/>
+                      <a:tailEnd type="none" w="sm" len="sm"/>
+                    </a:lnR>
+                    <a:lnT w="9525" cap="flat" cmpd="sng">
+                      <a:solidFill>
+                        <a:schemeClr val="dk1"/>
+                      </a:solidFill>
+                      <a:prstDash val="solid"/>
+                      <a:round/>
+                      <a:headEnd type="none" w="sm" len="sm"/>
+                      <a:tailEnd type="none" w="sm" len="sm"/>
+                    </a:lnT>
+                    <a:lnB w="9525" cap="flat" cmpd="sng">
+                      <a:solidFill>
+                        <a:schemeClr val="dk1"/>
+                      </a:solidFill>
+                      <a:prstDash val="solid"/>
+                      <a:round/>
+                      <a:headEnd type="none" w="sm" len="sm"/>
+                      <a:tailEnd type="none" w="sm" len="sm"/>
+                    </a:lnB>
+                    <a:solidFill>
+                      <a:srgbClr val="D8D8D8"/>
+                    </a:solidFill>
+                  </a:tcPr>
+                </a:tc>
+                <a:tc rowSpan="5">
+                  <a:txBody>
+                    <a:bodyPr/>
+                    <a:lstStyle/>
+                    <a:p>
+                      <a:pPr marL="0" marR="0" lvl="0" indent="0" algn="l" rtl="0">
+                        <a:spcBef>
+                          <a:spcPts val="0"/>
+                        </a:spcBef>
+                        <a:spcAft>
+                          <a:spcPts val="0"/>
+                        </a:spcAft>
+                        <a:buNone/>
+                      </a:pPr>
+                      <a:r>
+                        <a:rPr lang="en-MY" sz="800">
+                          <a:solidFill>
+                            <a:schemeClr val="dk1"/>
+                          </a:solidFill>
+                          <a:latin typeface="Arial"/>
+                          <a:ea typeface="Arial"/>
+                          <a:cs typeface="Arial"/>
+                          <a:sym typeface="Arial"/>
+                        </a:rPr>
+                        <a:t>Corrosion Group : </a:t>
+                      </a:r>
+                      <a:endParaRPr sz="800">
+                        <a:solidFill>
+                          <a:schemeClr val="dk1"/>
+                        </a:solidFill>
+                        <a:latin typeface="Arial"/>
+                        <a:ea typeface="Arial"/>
+                        <a:cs typeface="Arial"/>
+                        <a:sym typeface="Arial"/>
+                      </a:endParaRPr>
+                    </a:p>
+                    <a:p>
+                      <a:pPr marL="0" marR="0" lvl="0" indent="0" algn="l" rtl="0">
+                        <a:spcBef>
+                          <a:spcPts val="0"/>
+                        </a:spcBef>
+                        <a:spcAft>
+                          <a:spcPts val="0"/>
+                        </a:spcAft>
+                        <a:buNone/>
+                      </a:pPr>
+                      <a:r>
+                        <a:rPr lang="en-MY" sz="800" u="sng">
+                          <a:solidFill>
+                            <a:schemeClr val="dk1"/>
+                          </a:solidFill>
+                          <a:latin typeface="Arial"/>
+                          <a:ea typeface="Arial"/>
+                          <a:cs typeface="Arial"/>
+                          <a:sym typeface="Arial"/>
+                        </a:rPr>
+                        <a:t>Damage Mechanism Susceptible:</a:t>
+                      </a:r>
+                      <a:endParaRPr sz="800" u="sng">
+                        <a:solidFill>
+                          <a:schemeClr val="dk1"/>
+                        </a:solidFill>
+                        <a:latin typeface="Arial"/>
+                        <a:ea typeface="Arial"/>
+                        <a:cs typeface="Arial"/>
+                        <a:sym typeface="Arial"/>
+                      </a:endParaRPr>
+                    </a:p>
+                    <a:p>
+                      <a:pPr marL="0" marR="0" lvl="0" indent="0" algn="l" rtl="0">
+                        <a:spcBef>
+                          <a:spcPts val="0"/>
+                        </a:spcBef>
+                        <a:spcAft>
+                          <a:spcPts val="0"/>
+                        </a:spcAft>
+                        <a:buNone/>
+                      </a:pPr>
+                      <a:endParaRPr sz="800" u="sng">
+                        <a:solidFill>
+                          <a:schemeClr val="dk1"/>
+                        </a:solidFill>
+                        <a:latin typeface="Arial"/>
+                        <a:ea typeface="Arial"/>
+                        <a:cs typeface="Arial"/>
+                        <a:sym typeface="Arial"/>
+                      </a:endParaRPr>
+                    </a:p>
+                    <a:p>
+                      <a:pPr marL="0" marR="0" lvl="0" indent="0" algn="l" rtl="0">
+                        <a:spcBef>
+                          <a:spcPts val="0"/>
+                        </a:spcBef>
+                        <a:spcAft>
+                          <a:spcPts val="0"/>
+                        </a:spcAft>
+                        <a:buNone/>
+                      </a:pPr>
+                      <a:endParaRPr sz="800" u="sng">
+                        <a:solidFill>
+                          <a:schemeClr val="dk1"/>
+                        </a:solidFill>
+                        <a:latin typeface="Arial"/>
+                        <a:ea typeface="Arial"/>
+                        <a:cs typeface="Arial"/>
+                        <a:sym typeface="Arial"/>
+                      </a:endParaRPr>
+                    </a:p>
+                    <a:p>
+                      <a:pPr marL="0" marR="0" lvl="0" indent="0" algn="l" rtl="0">
+                        <a:spcBef>
+                          <a:spcPts val="0"/>
+                        </a:spcBef>
+                        <a:spcAft>
+                          <a:spcPts val="0"/>
+                        </a:spcAft>
+                        <a:buNone/>
+                      </a:pPr>
+                      <a:r>
+                        <a:rPr lang="en-MY" sz="800" u="none">
+                          <a:solidFill>
+                            <a:srgbClr val="0070C0"/>
+                          </a:solidFill>
+                          <a:latin typeface="Arial"/>
+                          <a:ea typeface="Arial"/>
+                          <a:cs typeface="Arial"/>
+                          <a:sym typeface="Arial"/>
+                        </a:rPr>
+                        <a:t>Internal Shell</a:t>
+                      </a:r>
+                      <a:endParaRPr sz="800" u="none">
+                        <a:solidFill>
+                          <a:srgbClr val="0070C0"/>
+                        </a:solidFill>
+                        <a:latin typeface="Arial"/>
+                        <a:ea typeface="Arial"/>
+                        <a:cs typeface="Arial"/>
+                        <a:sym typeface="Arial"/>
+                      </a:endParaRPr>
+                    </a:p>
+                    <a:p>
+                      <a:pPr marL="171450" marR="0" lvl="0" indent="-171450" algn="l" rtl="0">
+                        <a:spcBef>
+                          <a:spcPts val="0"/>
+                        </a:spcBef>
+                        <a:spcAft>
+                          <a:spcPts val="0"/>
+                        </a:spcAft>
+                        <a:buClr>
+                          <a:schemeClr val="dk1"/>
+                        </a:buClr>
+                        <a:buSzPts val="800"/>
+                        <a:buFont typeface="Arial"/>
+                        <a:buChar char="•"/>
+                      </a:pPr>
+                      <a:r>
+                        <a:rPr lang="en-MY" sz="800" u="none">
+                          <a:solidFill>
+                            <a:schemeClr val="dk1"/>
+                          </a:solidFill>
+                          <a:latin typeface="Arial"/>
+                          <a:ea typeface="Arial"/>
+                          <a:cs typeface="Arial"/>
+                          <a:sym typeface="Arial"/>
+                        </a:rPr>
+                        <a:t>General Corrosion</a:t>
+                      </a:r>
+                      <a:endParaRPr sz="800" u="none">
+                        <a:solidFill>
+                          <a:schemeClr val="dk1"/>
+                        </a:solidFill>
+                        <a:latin typeface="Arial"/>
+                        <a:ea typeface="Arial"/>
+                        <a:cs typeface="Arial"/>
+                        <a:sym typeface="Arial"/>
+                      </a:endParaRPr>
+                    </a:p>
+                    <a:p>
+                      <a:pPr marL="0" marR="0" lvl="0" indent="0" algn="l" rtl="0">
+                        <a:spcBef>
+                          <a:spcPts val="0"/>
+                        </a:spcBef>
+                        <a:spcAft>
+                          <a:spcPts val="0"/>
+                        </a:spcAft>
+                        <a:buClr>
+                          <a:schemeClr val="dk1"/>
+                        </a:buClr>
+                        <a:buSzPts val="800"/>
+                        <a:buFont typeface="Arial"/>
+                        <a:buNone/>
+                      </a:pPr>
+                      <a:endParaRPr sz="800" u="none">
+                        <a:solidFill>
+                          <a:schemeClr val="dk1"/>
+                        </a:solidFill>
+                        <a:latin typeface="Arial"/>
+                        <a:ea typeface="Arial"/>
+                        <a:cs typeface="Arial"/>
+                        <a:sym typeface="Arial"/>
+                      </a:endParaRPr>
+                    </a:p>
+                    <a:p>
+                      <a:pPr marL="0" marR="0" lvl="0" indent="0" algn="l" rtl="0">
+                        <a:spcBef>
+                          <a:spcPts val="0"/>
+                        </a:spcBef>
+                        <a:spcAft>
+                          <a:spcPts val="0"/>
+                        </a:spcAft>
+                        <a:buNone/>
+                      </a:pPr>
+                      <a:endParaRPr sz="800" u="none">
+                        <a:solidFill>
+                          <a:srgbClr val="7F7F7F"/>
+                        </a:solidFill>
+                        <a:latin typeface="Arial"/>
+                        <a:ea typeface="Arial"/>
+                        <a:cs typeface="Arial"/>
+                        <a:sym typeface="Arial"/>
+                      </a:endParaRPr>
+                    </a:p>
+                    <a:p>
+                      <a:pPr marL="0" marR="0" lvl="0" indent="0" algn="l" rtl="0">
+                        <a:spcBef>
+                          <a:spcPts val="0"/>
+                        </a:spcBef>
+                        <a:spcAft>
+                          <a:spcPts val="0"/>
+                        </a:spcAft>
+                        <a:buNone/>
+                      </a:pPr>
+                      <a:r>
+                        <a:rPr lang="en-MY" sz="800" u="none">
+                          <a:solidFill>
+                            <a:srgbClr val="0070C0"/>
+                          </a:solidFill>
+                          <a:latin typeface="Arial"/>
+                          <a:ea typeface="Arial"/>
+                          <a:cs typeface="Arial"/>
+                          <a:sym typeface="Arial"/>
+                        </a:rPr>
+                        <a:t>External </a:t>
+                      </a:r>
+                      <a:endParaRPr sz="800" u="none">
+                        <a:solidFill>
+                          <a:srgbClr val="0070C0"/>
+                        </a:solidFill>
+                        <a:latin typeface="Arial"/>
+                        <a:ea typeface="Arial"/>
+                        <a:cs typeface="Arial"/>
+                        <a:sym typeface="Arial"/>
+                      </a:endParaRPr>
+                    </a:p>
+                    <a:p>
+                      <a:pPr marL="171450" marR="0" lvl="0" indent="-171450" algn="l" rtl="0">
+                        <a:lnSpc>
+                          <a:spcPct val="100000"/>
+                        </a:lnSpc>
+                        <a:spcBef>
+                          <a:spcPts val="0"/>
+                        </a:spcBef>
+                        <a:spcAft>
+                          <a:spcPts val="0"/>
+                        </a:spcAft>
+                        <a:buClr>
+                          <a:schemeClr val="dk1"/>
+                        </a:buClr>
+                        <a:buSzPts val="800"/>
+                        <a:buFont typeface="Arial"/>
+                        <a:buChar char="•"/>
+                      </a:pPr>
+                      <a:r>
+                        <a:rPr lang="en-MY" sz="800" u="none">
+                          <a:solidFill>
+                            <a:schemeClr val="dk1"/>
+                          </a:solidFill>
+                          <a:latin typeface="Arial"/>
+                          <a:ea typeface="Arial"/>
+                          <a:cs typeface="Arial"/>
+                          <a:sym typeface="Arial"/>
+                        </a:rPr>
+                        <a:t>ATMOSPHERIC CORROSION</a:t>
+                      </a:r>
+                      <a:endParaRPr sz="800" u="none">
+                        <a:solidFill>
+                          <a:schemeClr val="dk1"/>
+                        </a:solidFill>
+                        <a:latin typeface="Arial"/>
+                        <a:ea typeface="Arial"/>
+                        <a:cs typeface="Arial"/>
+                        <a:sym typeface="Arial"/>
+                      </a:endParaRPr>
+                    </a:p>
+                    <a:p>
+                      <a:pPr marL="0" marR="0" lvl="0" indent="0" algn="l" rtl="0">
+                        <a:lnSpc>
+                          <a:spcPct val="100000"/>
+                        </a:lnSpc>
+                        <a:spcBef>
+                          <a:spcPts val="0"/>
+                        </a:spcBef>
+                        <a:spcAft>
+                          <a:spcPts val="0"/>
+                        </a:spcAft>
+                        <a:buClr>
+                          <a:schemeClr val="dk1"/>
+                        </a:buClr>
+                        <a:buSzPts val="800"/>
+                        <a:buFont typeface="Arial"/>
+                        <a:buNone/>
+                      </a:pPr>
+                      <a:endParaRPr sz="800" u="none">
+                        <a:solidFill>
+                          <a:schemeClr val="dk1"/>
+                        </a:solidFill>
+                        <a:latin typeface="Arial"/>
+                        <a:ea typeface="Arial"/>
+                        <a:cs typeface="Arial"/>
+                        <a:sym typeface="Arial"/>
+                      </a:endParaRPr>
+                    </a:p>
+                  </a:txBody>
+                  <a:tcPr marL="83125" marR="83125" marT="45725" marB="45725">
+                    <a:lnL w="9525" cap="flat" cmpd="sng">
+                      <a:solidFill>
+                        <a:schemeClr val="dk1"/>
+                      </a:solidFill>
+                      <a:prstDash val="solid"/>
+                      <a:round/>
+                      <a:headEnd type="none" w="sm" len="sm"/>
+                      <a:tailEnd type="none" w="sm" len="sm"/>
+                    </a:lnL>
+                    <a:lnR w="9525" cap="flat" cmpd="sng">
+                      <a:solidFill>
+                        <a:schemeClr val="dk1"/>
+                      </a:solidFill>
+                      <a:prstDash val="solid"/>
+                      <a:round/>
+                      <a:headEnd type="none" w="sm" len="sm"/>
+                      <a:tailEnd type="none" w="sm" len="sm"/>
+                    </a:lnR>
+                    <a:lnT w="9525" cap="flat" cmpd="sng">
+                      <a:solidFill>
+                        <a:schemeClr val="dk1"/>
+                      </a:solidFill>
+                      <a:prstDash val="solid"/>
+                      <a:round/>
+                      <a:headEnd type="none" w="sm" len="sm"/>
+                      <a:tailEnd type="none" w="sm" len="sm"/>
+                    </a:lnT>
+                    <a:lnB w="9525" cap="flat" cmpd="sng">
+                      <a:solidFill>
+                        <a:schemeClr val="dk1"/>
+                      </a:solidFill>
+                      <a:prstDash val="solid"/>
+                      <a:round/>
+                      <a:headEnd type="none" w="sm" len="sm"/>
+                      <a:tailEnd type="none" w="sm" len="sm"/>
+                    </a:lnB>
+                    <a:solidFill>
+                      <a:srgbClr val="FFFF99"/>
+                    </a:solidFill>
+                  </a:tcPr>
+                </a:tc>
+                <a:extLst>
+                  <a:ext uri="{0D108BD9-81ED-4DB2-BD59-A6C34878D82A}">
+                    <a16:rowId xmlns:a16="http://schemas.microsoft.com/office/drawing/2014/main" val="10000"/>
+                  </a:ext>
+                </a:extLst>
+              </a:tr>
+              <a:tr h="333000">
+                <a:tc vMerge="1">
+                  <a:txBody>
+                    <a:bodyPr/>
+                    <a:lstStyle/>
+                    <a:p>
+                      <a:endParaRPr lang="en-US"/>
+                    </a:p>
+                  </a:txBody>
+                  <a:tcPr/>
+                </a:tc>
+                <a:tc vMerge="1">
+                  <a:txBody>
+                    <a:bodyPr/>
+                    <a:lstStyle/>
+                    <a:p>
+                      <a:endParaRPr lang="en-US"/>
+                    </a:p>
+                  </a:txBody>
+                  <a:tcPr/>
+                </a:tc>
+                <a:tc vMerge="1">
+                  <a:txBody>
+                    <a:bodyPr/>
+                    <a:lstStyle/>
+                    <a:p>
+                      <a:endParaRPr lang="en-US"/>
+                    </a:p>
+                  </a:txBody>
+                  <a:tcPr/>
+                </a:tc>
+                <a:tc>
+                  <a:txBody>
+                    <a:bodyPr/>
+                    <a:lstStyle/>
+                    <a:p>
+                      <a:pPr marL="0" marR="0" lvl="0" indent="0" algn="ctr" rtl="0">
+                        <a:spcBef>
+                          <a:spcPts val="0"/>
+                        </a:spcBef>
+                        <a:spcAft>
+                          <a:spcPts val="0"/>
+                        </a:spcAft>
+                        <a:buNone/>
+                      </a:pPr>
+                      <a:r>
+                        <a:rPr lang="en-MY" sz="800" b="0">
+                          <a:solidFill>
+                            <a:schemeClr val="dk1"/>
+                          </a:solidFill>
+                          <a:latin typeface="Arial"/>
+                          <a:ea typeface="Arial"/>
+                          <a:cs typeface="Arial"/>
+                          <a:sym typeface="Arial"/>
+                        </a:rPr>
+                        <a:t>TYPE</a:t>
+                      </a:r>
+                      <a:endParaRPr sz="800" b="0">
+                        <a:solidFill>
+                          <a:schemeClr val="dk1"/>
+                        </a:solidFill>
+                        <a:latin typeface="Arial"/>
+                        <a:ea typeface="Arial"/>
+                        <a:cs typeface="Arial"/>
+                        <a:sym typeface="Arial"/>
+                      </a:endParaRPr>
+                    </a:p>
+                  </a:txBody>
+                  <a:tcPr marL="83125" marR="83125" marT="45725" marB="45725">
+                    <a:lnL w="9525" cap="flat" cmpd="sng">
+                      <a:solidFill>
+                        <a:schemeClr val="dk1"/>
+                      </a:solidFill>
+                      <a:prstDash val="solid"/>
+                      <a:round/>
+                      <a:headEnd type="none" w="sm" len="sm"/>
+                      <a:tailEnd type="none" w="sm" len="sm"/>
+                    </a:lnL>
+                    <a:lnR w="9525" cap="flat" cmpd="sng">
+                      <a:solidFill>
+                        <a:schemeClr val="dk1"/>
+                      </a:solidFill>
+                      <a:prstDash val="solid"/>
+                      <a:round/>
+                      <a:headEnd type="none" w="sm" len="sm"/>
+                      <a:tailEnd type="none" w="sm" len="sm"/>
+                    </a:lnR>
+                    <a:lnT w="9525" cap="flat" cmpd="sng">
+                      <a:solidFill>
+                        <a:schemeClr val="dk1"/>
+                      </a:solidFill>
+                      <a:prstDash val="solid"/>
+                      <a:round/>
+                      <a:headEnd type="none" w="sm" len="sm"/>
+                      <a:tailEnd type="none" w="sm" len="sm"/>
+                    </a:lnT>
+                    <a:lnB w="9525" cap="flat" cmpd="sng">
+                      <a:solidFill>
+                        <a:schemeClr val="dk1"/>
+                      </a:solidFill>
+                      <a:prstDash val="solid"/>
+                      <a:round/>
+                      <a:headEnd type="none" w="sm" len="sm"/>
+                      <a:tailEnd type="none" w="sm" len="sm"/>
+                    </a:lnB>
+                    <a:solidFill>
+                      <a:srgbClr val="D8D8D8"/>
+                    </a:solidFill>
+                  </a:tcPr>
+                </a:tc>
+                <a:tc>
+                  <a:txBody>
+                    <a:bodyPr/>
+                    <a:lstStyle/>
+                    <a:p>
+                      <a:pPr marL="0" marR="0" lvl="0" indent="0" algn="ctr" rtl="0">
+                        <a:spcBef>
+                          <a:spcPts val="0"/>
+                        </a:spcBef>
+                        <a:spcAft>
+                          <a:spcPts val="0"/>
+                        </a:spcAft>
+                        <a:buNone/>
+                      </a:pPr>
+                      <a:r>
+                        <a:rPr lang="en-MY" sz="800" b="0">
+                          <a:solidFill>
+                            <a:schemeClr val="dk1"/>
+                          </a:solidFill>
+                          <a:latin typeface="Arial"/>
+                          <a:ea typeface="Arial"/>
+                          <a:cs typeface="Arial"/>
+                          <a:sym typeface="Arial"/>
+                        </a:rPr>
+                        <a:t>SPEC</a:t>
+                      </a:r>
+                      <a:endParaRPr sz="800" b="0">
+                        <a:solidFill>
+                          <a:schemeClr val="dk1"/>
+                        </a:solidFill>
+                        <a:latin typeface="Arial"/>
+                        <a:ea typeface="Arial"/>
+                        <a:cs typeface="Arial"/>
+                        <a:sym typeface="Arial"/>
+                      </a:endParaRPr>
+                    </a:p>
+                  </a:txBody>
+                  <a:tcPr marL="83125" marR="83125" marT="45725" marB="45725">
+                    <a:lnL w="9525" cap="flat" cmpd="sng">
+                      <a:solidFill>
+                        <a:schemeClr val="dk1"/>
+                      </a:solidFill>
+                      <a:prstDash val="solid"/>
+                      <a:round/>
+                      <a:headEnd type="none" w="sm" len="sm"/>
+                      <a:tailEnd type="none" w="sm" len="sm"/>
+                    </a:lnL>
+                    <a:lnR w="9525" cap="flat" cmpd="sng">
+                      <a:solidFill>
+                        <a:schemeClr val="dk1"/>
+                      </a:solidFill>
+                      <a:prstDash val="solid"/>
+                      <a:round/>
+                      <a:headEnd type="none" w="sm" len="sm"/>
+                      <a:tailEnd type="none" w="sm" len="sm"/>
+                    </a:lnR>
+                    <a:lnT w="9525" cap="flat" cmpd="sng">
+                      <a:solidFill>
+                        <a:schemeClr val="dk1"/>
+                      </a:solidFill>
+                      <a:prstDash val="solid"/>
+                      <a:round/>
+                      <a:headEnd type="none" w="sm" len="sm"/>
+                      <a:tailEnd type="none" w="sm" len="sm"/>
+                    </a:lnT>
+                    <a:lnB w="9525" cap="flat" cmpd="sng">
+                      <a:solidFill>
+                        <a:schemeClr val="dk1"/>
+                      </a:solidFill>
+                      <a:prstDash val="solid"/>
+                      <a:round/>
+                      <a:headEnd type="none" w="sm" len="sm"/>
+                      <a:tailEnd type="none" w="sm" len="sm"/>
+                    </a:lnB>
+                    <a:solidFill>
+                      <a:srgbClr val="D8D8D8"/>
+                    </a:solidFill>
+                  </a:tcPr>
+                </a:tc>
+                <a:tc>
+                  <a:txBody>
+                    <a:bodyPr/>
+                    <a:lstStyle/>
+                    <a:p>
+                      <a:pPr marL="0" marR="0" lvl="0" indent="0" algn="ctr" rtl="0">
+                        <a:spcBef>
+                          <a:spcPts val="0"/>
+                        </a:spcBef>
+                        <a:spcAft>
+                          <a:spcPts val="0"/>
+                        </a:spcAft>
+                        <a:buNone/>
+                      </a:pPr>
+                      <a:r>
+                        <a:rPr lang="en-MY" sz="800" b="0">
+                          <a:solidFill>
+                            <a:schemeClr val="dk1"/>
+                          </a:solidFill>
+                          <a:latin typeface="Arial"/>
+                          <a:ea typeface="Arial"/>
+                          <a:cs typeface="Arial"/>
+                          <a:sym typeface="Arial"/>
+                        </a:rPr>
+                        <a:t>GR</a:t>
+                      </a:r>
+                      <a:endParaRPr sz="800" b="0">
+                        <a:solidFill>
+                          <a:schemeClr val="dk1"/>
+                        </a:solidFill>
+                        <a:latin typeface="Arial"/>
+                        <a:ea typeface="Arial"/>
+                        <a:cs typeface="Arial"/>
+                        <a:sym typeface="Arial"/>
+                      </a:endParaRPr>
+                    </a:p>
+                  </a:txBody>
+                  <a:tcPr marL="83125" marR="83125" marT="45725" marB="45725">
+                    <a:lnL w="9525" cap="flat" cmpd="sng">
+                      <a:solidFill>
+                        <a:schemeClr val="dk1"/>
+                      </a:solidFill>
+                      <a:prstDash val="solid"/>
+                      <a:round/>
+                      <a:headEnd type="none" w="sm" len="sm"/>
+                      <a:tailEnd type="none" w="sm" len="sm"/>
+                    </a:lnL>
+                    <a:lnR w="9525" cap="flat" cmpd="sng">
+                      <a:solidFill>
+                        <a:schemeClr val="dk1"/>
+                      </a:solidFill>
+                      <a:prstDash val="solid"/>
+                      <a:round/>
+                      <a:headEnd type="none" w="sm" len="sm"/>
+                      <a:tailEnd type="none" w="sm" len="sm"/>
+                    </a:lnR>
+                    <a:lnT w="9525" cap="flat" cmpd="sng">
+                      <a:solidFill>
+                        <a:schemeClr val="dk1"/>
+                      </a:solidFill>
+                      <a:prstDash val="solid"/>
+                      <a:round/>
+                      <a:headEnd type="none" w="sm" len="sm"/>
+                      <a:tailEnd type="none" w="sm" len="sm"/>
+                    </a:lnT>
+                    <a:lnB w="9525" cap="flat" cmpd="sng">
+                      <a:solidFill>
+                        <a:schemeClr val="dk1"/>
+                      </a:solidFill>
+                      <a:prstDash val="solid"/>
+                      <a:round/>
+                      <a:headEnd type="none" w="sm" len="sm"/>
+                      <a:tailEnd type="none" w="sm" len="sm"/>
+                    </a:lnB>
+                    <a:solidFill>
+                      <a:srgbClr val="D8D8D8"/>
+                    </a:solidFill>
+                  </a:tcPr>
+                </a:tc>
+                <a:tc vMerge="1">
+                  <a:txBody>
+                    <a:bodyPr/>
+                    <a:lstStyle/>
+                    <a:p>
+                      <a:endParaRPr lang="en-US"/>
+                    </a:p>
+                  </a:txBody>
+                  <a:tcPr/>
+                </a:tc>
+                <a:tc>
+                  <a:txBody>
+                    <a:bodyPr/>
+                    <a:lstStyle/>
+                    <a:p>
+                      <a:pPr marL="0" marR="0" lvl="0" indent="0" algn="ctr" rtl="0">
+                        <a:spcBef>
+                          <a:spcPts val="0"/>
+                        </a:spcBef>
+                        <a:spcAft>
+                          <a:spcPts val="0"/>
+                        </a:spcAft>
+                        <a:buNone/>
+                      </a:pPr>
+                      <a:r>
+                        <a:rPr lang="en-MY" sz="800" b="0">
+                          <a:solidFill>
+                            <a:schemeClr val="dk1"/>
+                          </a:solidFill>
+                          <a:latin typeface="Arial"/>
+                          <a:ea typeface="Arial"/>
+                          <a:cs typeface="Arial"/>
+                          <a:sym typeface="Arial"/>
+                        </a:rPr>
+                        <a:t>T</a:t>
+                      </a:r>
+                      <a:endParaRPr sz="800" b="0">
+                        <a:solidFill>
+                          <a:schemeClr val="dk1"/>
+                        </a:solidFill>
+                        <a:latin typeface="Arial"/>
+                        <a:ea typeface="Arial"/>
+                        <a:cs typeface="Arial"/>
+                        <a:sym typeface="Arial"/>
+                      </a:endParaRPr>
+                    </a:p>
+                    <a:p>
+                      <a:pPr marL="0" marR="0" lvl="0" indent="0" algn="ctr" rtl="0">
+                        <a:spcBef>
+                          <a:spcPts val="0"/>
+                        </a:spcBef>
+                        <a:spcAft>
+                          <a:spcPts val="0"/>
+                        </a:spcAft>
+                        <a:buNone/>
+                      </a:pPr>
+                      <a:r>
+                        <a:rPr lang="en-MY" sz="800" b="0">
+                          <a:solidFill>
+                            <a:schemeClr val="dk1"/>
+                          </a:solidFill>
+                          <a:latin typeface="Arial"/>
+                          <a:ea typeface="Arial"/>
+                          <a:cs typeface="Arial"/>
+                          <a:sym typeface="Arial"/>
+                        </a:rPr>
+                        <a:t>(֯C)</a:t>
+                      </a:r>
+                      <a:endParaRPr sz="800" b="0">
+                        <a:solidFill>
+                          <a:schemeClr val="dk1"/>
+                        </a:solidFill>
+                        <a:latin typeface="Arial"/>
+                        <a:ea typeface="Arial"/>
+                        <a:cs typeface="Arial"/>
+                        <a:sym typeface="Arial"/>
+                      </a:endParaRPr>
+                    </a:p>
+                  </a:txBody>
+                  <a:tcPr marL="83125" marR="83125" marT="45725" marB="45725">
+                    <a:lnL w="9525" cap="flat" cmpd="sng">
+                      <a:solidFill>
+                        <a:schemeClr val="dk1"/>
+                      </a:solidFill>
+                      <a:prstDash val="solid"/>
+                      <a:round/>
+                      <a:headEnd type="none" w="sm" len="sm"/>
+                      <a:tailEnd type="none" w="sm" len="sm"/>
+                    </a:lnL>
+                    <a:lnR w="9525" cap="flat" cmpd="sng">
+                      <a:solidFill>
+                        <a:schemeClr val="dk1"/>
+                      </a:solidFill>
+                      <a:prstDash val="solid"/>
+                      <a:round/>
+                      <a:headEnd type="none" w="sm" len="sm"/>
+                      <a:tailEnd type="none" w="sm" len="sm"/>
+                    </a:lnR>
+                    <a:lnT w="9525" cap="flat" cmpd="sng">
+                      <a:solidFill>
+                        <a:schemeClr val="dk1"/>
+                      </a:solidFill>
+                      <a:prstDash val="solid"/>
+                      <a:round/>
+                      <a:headEnd type="none" w="sm" len="sm"/>
+                      <a:tailEnd type="none" w="sm" len="sm"/>
+                    </a:lnT>
+                    <a:lnB w="9525" cap="flat" cmpd="sng">
+                      <a:solidFill>
+                        <a:schemeClr val="dk1"/>
+                      </a:solidFill>
+                      <a:prstDash val="solid"/>
+                      <a:round/>
+                      <a:headEnd type="none" w="sm" len="sm"/>
+                      <a:tailEnd type="none" w="sm" len="sm"/>
+                    </a:lnB>
+                    <a:solidFill>
+                      <a:srgbClr val="D8D8D8"/>
+                    </a:solidFill>
+                  </a:tcPr>
+                </a:tc>
+                <a:tc>
+                  <a:txBody>
+                    <a:bodyPr/>
+                    <a:lstStyle/>
+                    <a:p>
+                      <a:pPr marL="0" marR="0" lvl="0" indent="0" algn="ctr" rtl="0">
+                        <a:spcBef>
+                          <a:spcPts val="0"/>
+                        </a:spcBef>
+                        <a:spcAft>
+                          <a:spcPts val="0"/>
+                        </a:spcAft>
+                        <a:buNone/>
+                      </a:pPr>
+                      <a:r>
+                        <a:rPr lang="en-MY" sz="800" b="0">
+                          <a:solidFill>
+                            <a:schemeClr val="dk1"/>
+                          </a:solidFill>
+                          <a:latin typeface="Arial"/>
+                          <a:ea typeface="Arial"/>
+                          <a:cs typeface="Arial"/>
+                          <a:sym typeface="Arial"/>
+                        </a:rPr>
+                        <a:t>P</a:t>
+                      </a:r>
+                      <a:endParaRPr sz="800" b="0">
+                        <a:solidFill>
+                          <a:schemeClr val="dk1"/>
+                        </a:solidFill>
+                        <a:latin typeface="Arial"/>
+                        <a:ea typeface="Arial"/>
+                        <a:cs typeface="Arial"/>
+                        <a:sym typeface="Arial"/>
+                      </a:endParaRPr>
+                    </a:p>
+                    <a:p>
+                      <a:pPr marL="0" marR="0" lvl="0" indent="0" algn="ctr" rtl="0">
+                        <a:lnSpc>
+                          <a:spcPct val="100000"/>
+                        </a:lnSpc>
+                        <a:spcBef>
+                          <a:spcPts val="0"/>
+                        </a:spcBef>
+                        <a:spcAft>
+                          <a:spcPts val="0"/>
+                        </a:spcAft>
+                        <a:buClr>
+                          <a:schemeClr val="dk1"/>
+                        </a:buClr>
+                        <a:buSzPts val="800"/>
+                        <a:buFont typeface="Arial"/>
+                        <a:buNone/>
+                      </a:pPr>
+                      <a:r>
+                        <a:rPr lang="en-MY" sz="800" b="0">
+                          <a:solidFill>
+                            <a:schemeClr val="dk1"/>
+                          </a:solidFill>
+                          <a:latin typeface="Arial"/>
+                          <a:ea typeface="Arial"/>
+                          <a:cs typeface="Arial"/>
+                          <a:sym typeface="Arial"/>
+                        </a:rPr>
+                        <a:t>(Mpa)</a:t>
+                      </a:r>
+                      <a:endParaRPr sz="800" b="0">
+                        <a:solidFill>
+                          <a:schemeClr val="dk1"/>
+                        </a:solidFill>
+                        <a:latin typeface="Arial"/>
+                        <a:ea typeface="Arial"/>
+                        <a:cs typeface="Arial"/>
+                        <a:sym typeface="Arial"/>
+                      </a:endParaRPr>
+                    </a:p>
+                  </a:txBody>
+                  <a:tcPr marL="83125" marR="83125" marT="45725" marB="45725">
+                    <a:lnL w="9525" cap="flat" cmpd="sng">
+                      <a:solidFill>
+                        <a:schemeClr val="dk1"/>
+                      </a:solidFill>
+                      <a:prstDash val="solid"/>
+                      <a:round/>
+                      <a:headEnd type="none" w="sm" len="sm"/>
+                      <a:tailEnd type="none" w="sm" len="sm"/>
+                    </a:lnL>
+                    <a:lnR w="9525" cap="flat" cmpd="sng">
+                      <a:solidFill>
+                        <a:schemeClr val="dk1"/>
+                      </a:solidFill>
+                      <a:prstDash val="solid"/>
+                      <a:round/>
+                      <a:headEnd type="none" w="sm" len="sm"/>
+                      <a:tailEnd type="none" w="sm" len="sm"/>
+                    </a:lnR>
+                    <a:lnT w="9525" cap="flat" cmpd="sng">
+                      <a:solidFill>
+                        <a:schemeClr val="dk1"/>
+                      </a:solidFill>
+                      <a:prstDash val="solid"/>
+                      <a:round/>
+                      <a:headEnd type="none" w="sm" len="sm"/>
+                      <a:tailEnd type="none" w="sm" len="sm"/>
+                    </a:lnT>
+                    <a:lnB w="9525" cap="flat" cmpd="sng">
+                      <a:solidFill>
+                        <a:schemeClr val="dk1"/>
+                      </a:solidFill>
+                      <a:prstDash val="solid"/>
+                      <a:round/>
+                      <a:headEnd type="none" w="sm" len="sm"/>
+                      <a:tailEnd type="none" w="sm" len="sm"/>
+                    </a:lnB>
+                    <a:solidFill>
+                      <a:srgbClr val="D8D8D8"/>
+                    </a:solidFill>
+                  </a:tcPr>
+                </a:tc>
+                <a:tc vMerge="1">
+                  <a:txBody>
+                    <a:bodyPr/>
+                    <a:lstStyle/>
+                    <a:p>
+                      <a:endParaRPr lang="en-US"/>
+                    </a:p>
+                  </a:txBody>
+                  <a:tcPr/>
+                </a:tc>
+                <a:tc vMerge="1">
+                  <a:txBody>
+                    <a:bodyPr/>
+                    <a:lstStyle/>
+                    <a:p>
+                      <a:endParaRPr lang="en-US"/>
+                    </a:p>
+                  </a:txBody>
+                  <a:tcPr/>
+                </a:tc>
+                <a:extLst>
+                  <a:ext uri="{0D108BD9-81ED-4DB2-BD59-A6C34878D82A}">
+                    <a16:rowId xmlns:a16="http://schemas.microsoft.com/office/drawing/2014/main" val="10001"/>
+                  </a:ext>
+                </a:extLst>
+              </a:tr>
+              <a:tr h="322425">
+                <a:tc>
+                  <a:txBody>
+                    <a:bodyPr/>
+                    <a:lstStyle/>
+                    <a:p>
+                      <a:pPr>
+                        <a:defRPr sz="900">
+                          <a:latin typeface="Arial"/>
+                        </a:defRPr>
+                      </a:pPr>
+                      <a:r>
+                        <a:t>WATER / STEAM</a:t>
+                      </a:r>
+                    </a:p>
+                  </a:txBody>
+                  <a:tcPr marL="0" marR="0" marT="0" marB="0" anchor="ctr">
+                    <a:lnL w="9525" cap="flat" cmpd="sng">
+                      <a:solidFill>
+                        <a:schemeClr val="dk1"/>
+                      </a:solidFill>
+                      <a:prstDash val="solid"/>
+                      <a:round/>
+                      <a:headEnd type="none" w="sm" len="sm"/>
+                      <a:tailEnd type="none" w="sm" len="sm"/>
+                    </a:lnL>
+                    <a:lnR w="9525" cap="flat" cmpd="sng">
+                      <a:solidFill>
+                        <a:schemeClr val="dk1"/>
+                      </a:solidFill>
+                      <a:prstDash val="solid"/>
+                      <a:round/>
+                      <a:headEnd type="none" w="sm" len="sm"/>
+                      <a:tailEnd type="none" w="sm" len="sm"/>
+                    </a:lnR>
+                    <a:lnT w="9525" cap="flat" cmpd="sng">
+                      <a:solidFill>
+                        <a:schemeClr val="dk1"/>
+                      </a:solidFill>
+                      <a:prstDash val="solid"/>
+                      <a:round/>
+                      <a:headEnd type="none" w="sm" len="sm"/>
+                      <a:tailEnd type="none" w="sm" len="sm"/>
+                    </a:lnT>
+                    <a:lnB w="9525" cap="flat" cmpd="sng">
+                      <a:solidFill>
+                        <a:schemeClr val="dk1"/>
+                      </a:solidFill>
+                      <a:prstDash val="solid"/>
+                      <a:round/>
+                      <a:headEnd type="none" w="sm" len="sm"/>
+                      <a:tailEnd type="none" w="sm" len="sm"/>
+                    </a:lnB>
+                  </a:tcPr>
+                </a:tc>
+                <a:tc>
+                  <a:txBody>
+                    <a:bodyPr/>
+                    <a:lstStyle/>
+                    <a:p>
+                      <a:pPr>
+                        <a:defRPr sz="900">
+                          <a:latin typeface="Arial"/>
+                        </a:defRPr>
+                      </a:pPr>
+                      <a:r>
+                        <a:t>SHELL</a:t>
+                      </a:r>
+                    </a:p>
+                  </a:txBody>
+                  <a:tcPr marL="0" marR="0" marT="0" marB="0" anchor="ctr">
+                    <a:lnL w="9525" cap="flat" cmpd="sng">
+                      <a:solidFill>
+                        <a:schemeClr val="dk1"/>
+                      </a:solidFill>
+                      <a:prstDash val="solid"/>
+                      <a:round/>
+                      <a:headEnd type="none" w="sm" len="sm"/>
+                      <a:tailEnd type="none" w="sm" len="sm"/>
+                    </a:lnL>
+                    <a:lnR w="9525" cap="flat" cmpd="sng">
+                      <a:solidFill>
+                        <a:schemeClr val="dk1"/>
+                      </a:solidFill>
+                      <a:prstDash val="solid"/>
+                      <a:round/>
+                      <a:headEnd type="none" w="sm" len="sm"/>
+                      <a:tailEnd type="none" w="sm" len="sm"/>
+                    </a:lnR>
+                    <a:lnT w="9525" cap="flat" cmpd="sng">
+                      <a:solidFill>
+                        <a:schemeClr val="dk1"/>
+                      </a:solidFill>
+                      <a:prstDash val="solid"/>
+                      <a:round/>
+                      <a:headEnd type="none" w="sm" len="sm"/>
+                      <a:tailEnd type="none" w="sm" len="sm"/>
+                    </a:lnT>
+                    <a:lnB w="9525" cap="flat" cmpd="sng">
+                      <a:solidFill>
+                        <a:schemeClr val="dk1"/>
+                      </a:solidFill>
+                      <a:prstDash val="solid"/>
+                      <a:round/>
+                      <a:headEnd type="none" w="sm" len="sm"/>
+                      <a:tailEnd type="none" w="sm" len="sm"/>
+                    </a:lnB>
+                  </a:tcPr>
+                </a:tc>
+                <a:tc>
+                  <a:txBody>
+                    <a:bodyPr/>
+                    <a:lstStyle/>
+                    <a:p>
+                      <a:pPr>
+                        <a:defRPr sz="900">
+                          <a:latin typeface="Arial"/>
+                        </a:defRPr>
+                      </a:pPr>
+                      <a:r>
+                        <a:t>-</a:t>
+                      </a:r>
+                    </a:p>
+                  </a:txBody>
+                  <a:tcPr marL="83125" marR="83125" marT="45725" marB="45725" anchor="ctr">
+                    <a:lnL w="9525" cap="flat" cmpd="sng">
+                      <a:solidFill>
+                        <a:schemeClr val="dk1"/>
+                      </a:solidFill>
+                      <a:prstDash val="solid"/>
+                      <a:round/>
+                      <a:headEnd type="none" w="sm" len="sm"/>
+                      <a:tailEnd type="none" w="sm" len="sm"/>
+                    </a:lnL>
+                    <a:lnR w="9525" cap="flat" cmpd="sng">
+                      <a:solidFill>
+                        <a:schemeClr val="dk1"/>
+                      </a:solidFill>
+                      <a:prstDash val="solid"/>
+                      <a:round/>
+                      <a:headEnd type="none" w="sm" len="sm"/>
+                      <a:tailEnd type="none" w="sm" len="sm"/>
+                    </a:lnR>
+                    <a:lnT w="9525" cap="flat" cmpd="sng">
+                      <a:solidFill>
+                        <a:schemeClr val="dk1"/>
+                      </a:solidFill>
+                      <a:prstDash val="solid"/>
+                      <a:round/>
+                      <a:headEnd type="none" w="sm" len="sm"/>
+                      <a:tailEnd type="none" w="sm" len="sm"/>
+                    </a:lnT>
+                    <a:lnB w="9525" cap="flat" cmpd="sng">
+                      <a:solidFill>
+                        <a:schemeClr val="dk1"/>
+                      </a:solidFill>
+                      <a:prstDash val="solid"/>
+                      <a:round/>
+                      <a:headEnd type="none" w="sm" len="sm"/>
+                      <a:tailEnd type="none" w="sm" len="sm"/>
+                    </a:lnB>
+                  </a:tcPr>
+                </a:tc>
+                <a:tc>
+                  <a:txBody>
+                    <a:bodyPr/>
+                    <a:lstStyle/>
+                    <a:p>
+                      <a:pPr>
+                        <a:defRPr sz="900">
+                          <a:latin typeface="Arial"/>
+                        </a:defRPr>
+                      </a:pPr>
+                      <a:r>
+                        <a:t>Carbon Steel</a:t>
+                      </a:r>
+                    </a:p>
+                  </a:txBody>
+                  <a:tcPr marL="83125" marR="83125" marT="45725" marB="45725" anchor="ctr">
+                    <a:lnL w="9525" cap="flat" cmpd="sng">
+                      <a:solidFill>
+                        <a:schemeClr val="dk1"/>
+                      </a:solidFill>
+                      <a:prstDash val="solid"/>
+                      <a:round/>
+                      <a:headEnd type="none" w="sm" len="sm"/>
+                      <a:tailEnd type="none" w="sm" len="sm"/>
+                    </a:lnL>
+                    <a:lnR w="9525" cap="flat" cmpd="sng">
+                      <a:solidFill>
+                        <a:schemeClr val="dk1"/>
+                      </a:solidFill>
+                      <a:prstDash val="solid"/>
+                      <a:round/>
+                      <a:headEnd type="none" w="sm" len="sm"/>
+                      <a:tailEnd type="none" w="sm" len="sm"/>
+                    </a:lnR>
+                    <a:lnT w="9525" cap="flat" cmpd="sng">
+                      <a:solidFill>
+                        <a:schemeClr val="dk1"/>
+                      </a:solidFill>
+                      <a:prstDash val="solid"/>
+                      <a:round/>
+                      <a:headEnd type="none" w="sm" len="sm"/>
+                      <a:tailEnd type="none" w="sm" len="sm"/>
+                    </a:lnT>
+                    <a:lnB w="9525" cap="flat" cmpd="sng">
+                      <a:solidFill>
+                        <a:schemeClr val="dk1"/>
+                      </a:solidFill>
+                      <a:prstDash val="solid"/>
+                      <a:round/>
+                      <a:headEnd type="none" w="sm" len="sm"/>
+                      <a:tailEnd type="none" w="sm" len="sm"/>
+                    </a:lnB>
+                  </a:tcPr>
+                </a:tc>
+                <a:tc>
+                  <a:txBody>
+                    <a:bodyPr/>
+                    <a:lstStyle/>
+                    <a:p>
+                      <a:pPr>
+                        <a:defRPr sz="900">
+                          <a:latin typeface="Arial"/>
+                        </a:defRPr>
+                      </a:pPr>
+                      <a:r>
+                        <a:t>SA-516</a:t>
+                      </a:r>
+                    </a:p>
+                  </a:txBody>
+                  <a:tcPr marL="83125" marR="83125" marT="45725" marB="45725" anchor="ctr">
+                    <a:lnL w="9525" cap="flat" cmpd="sng">
+                      <a:solidFill>
+                        <a:schemeClr val="dk1"/>
+                      </a:solidFill>
+                      <a:prstDash val="solid"/>
+                      <a:round/>
+                      <a:headEnd type="none" w="sm" len="sm"/>
+                      <a:tailEnd type="none" w="sm" len="sm"/>
+                    </a:lnL>
+                    <a:lnR w="9525" cap="flat" cmpd="sng">
+                      <a:solidFill>
+                        <a:schemeClr val="dk1"/>
+                      </a:solidFill>
+                      <a:prstDash val="solid"/>
+                      <a:round/>
+                      <a:headEnd type="none" w="sm" len="sm"/>
+                      <a:tailEnd type="none" w="sm" len="sm"/>
+                    </a:lnR>
+                    <a:lnT w="9525" cap="flat" cmpd="sng">
+                      <a:solidFill>
+                        <a:schemeClr val="dk1"/>
+                      </a:solidFill>
+                      <a:prstDash val="solid"/>
+                      <a:round/>
+                      <a:headEnd type="none" w="sm" len="sm"/>
+                      <a:tailEnd type="none" w="sm" len="sm"/>
+                    </a:lnT>
+                    <a:lnB w="9525" cap="flat" cmpd="sng">
+                      <a:solidFill>
+                        <a:schemeClr val="dk1"/>
+                      </a:solidFill>
+                      <a:prstDash val="solid"/>
+                      <a:round/>
+                      <a:headEnd type="none" w="sm" len="sm"/>
+                      <a:tailEnd type="none" w="sm" len="sm"/>
+                    </a:lnB>
+                  </a:tcPr>
+                </a:tc>
+                <a:tc>
+                  <a:txBody>
+                    <a:bodyPr/>
+                    <a:lstStyle/>
+                    <a:p>
+                      <a:pPr>
+                        <a:defRPr sz="900">
+                          <a:latin typeface="Arial"/>
+                        </a:defRPr>
+                      </a:pPr>
+                      <a:r>
+                        <a:t>70</a:t>
+                      </a:r>
+                    </a:p>
+                  </a:txBody>
+                  <a:tcPr marL="83125" marR="83125" marT="45725" marB="45725" anchor="ctr">
+                    <a:lnL w="9525" cap="flat" cmpd="sng">
+                      <a:solidFill>
+                        <a:schemeClr val="dk1"/>
+                      </a:solidFill>
+                      <a:prstDash val="solid"/>
+                      <a:round/>
+                      <a:headEnd type="none" w="sm" len="sm"/>
+                      <a:tailEnd type="none" w="sm" len="sm"/>
+                    </a:lnL>
+                    <a:lnR w="9525" cap="flat" cmpd="sng">
+                      <a:solidFill>
+                        <a:schemeClr val="dk1"/>
+                      </a:solidFill>
+                      <a:prstDash val="solid"/>
+                      <a:round/>
+                      <a:headEnd type="none" w="sm" len="sm"/>
+                      <a:tailEnd type="none" w="sm" len="sm"/>
+                    </a:lnR>
+                    <a:lnT w="9525" cap="flat" cmpd="sng">
+                      <a:solidFill>
+                        <a:schemeClr val="dk1"/>
+                      </a:solidFill>
+                      <a:prstDash val="solid"/>
+                      <a:round/>
+                      <a:headEnd type="none" w="sm" len="sm"/>
+                      <a:tailEnd type="none" w="sm" len="sm"/>
+                    </a:lnT>
+                    <a:lnB w="9525" cap="flat" cmpd="sng">
+                      <a:solidFill>
+                        <a:schemeClr val="dk1"/>
+                      </a:solidFill>
+                      <a:prstDash val="solid"/>
+                      <a:round/>
+                      <a:headEnd type="none" w="sm" len="sm"/>
+                      <a:tailEnd type="none" w="sm" len="sm"/>
+                    </a:lnB>
+                  </a:tcPr>
+                </a:tc>
+                <a:tc>
+                  <a:txBody>
+                    <a:bodyPr/>
+                    <a:lstStyle/>
+                    <a:p>
+                      <a:pPr>
+                        <a:defRPr sz="900">
+                          <a:latin typeface="Arial"/>
+                        </a:defRPr>
+                      </a:pPr>
+                      <a:r>
+                        <a:t>-</a:t>
+                      </a:r>
+                    </a:p>
+                  </a:txBody>
+                  <a:tcPr marL="83125" marR="83125" marT="45725" marB="45725" anchor="ctr">
+                    <a:lnL w="9525" cap="flat" cmpd="sng">
+                      <a:solidFill>
+                        <a:schemeClr val="dk1"/>
+                      </a:solidFill>
+                      <a:prstDash val="solid"/>
+                      <a:round/>
+                      <a:headEnd type="none" w="sm" len="sm"/>
+                      <a:tailEnd type="none" w="sm" len="sm"/>
+                    </a:lnL>
+                    <a:lnR w="9525" cap="flat" cmpd="sng">
+                      <a:solidFill>
+                        <a:schemeClr val="dk1"/>
+                      </a:solidFill>
+                      <a:prstDash val="solid"/>
+                      <a:round/>
+                      <a:headEnd type="none" w="sm" len="sm"/>
+                      <a:tailEnd type="none" w="sm" len="sm"/>
+                    </a:lnR>
+                    <a:lnT w="9525" cap="flat" cmpd="sng">
+                      <a:solidFill>
+                        <a:schemeClr val="dk1"/>
+                      </a:solidFill>
+                      <a:prstDash val="solid"/>
+                      <a:round/>
+                      <a:headEnd type="none" w="sm" len="sm"/>
+                      <a:tailEnd type="none" w="sm" len="sm"/>
+                    </a:lnT>
+                    <a:lnB w="9525" cap="flat" cmpd="sng">
+                      <a:solidFill>
+                        <a:schemeClr val="dk1"/>
+                      </a:solidFill>
+                      <a:prstDash val="solid"/>
+                      <a:round/>
+                      <a:headEnd type="none" w="sm" len="sm"/>
+                      <a:tailEnd type="none" w="sm" len="sm"/>
+                    </a:lnB>
+                  </a:tcPr>
+                </a:tc>
+                <a:tc>
+                  <a:txBody>
+                    <a:bodyPr/>
+                    <a:lstStyle/>
+                    <a:p>
+                      <a:pPr>
+                        <a:defRPr sz="900">
+                          <a:latin typeface="Arial"/>
+                        </a:defRPr>
+                      </a:pPr>
+                      <a:r>
+                        <a:t>150 C</a:t>
+                      </a:r>
+                    </a:p>
+                  </a:txBody>
+                  <a:tcPr marL="0" marR="0" marT="0" marB="0" anchor="ctr">
+                    <a:lnL w="9525" cap="flat" cmpd="sng">
+                      <a:solidFill>
+                        <a:schemeClr val="dk1"/>
+                      </a:solidFill>
+                      <a:prstDash val="solid"/>
+                      <a:round/>
+                      <a:headEnd type="none" w="sm" len="sm"/>
+                      <a:tailEnd type="none" w="sm" len="sm"/>
+                    </a:lnL>
+                    <a:lnR w="9525" cap="flat" cmpd="sng">
+                      <a:solidFill>
+                        <a:schemeClr val="dk1"/>
+                      </a:solidFill>
+                      <a:prstDash val="solid"/>
+                      <a:round/>
+                      <a:headEnd type="none" w="sm" len="sm"/>
+                      <a:tailEnd type="none" w="sm" len="sm"/>
+                    </a:lnR>
+                    <a:lnT w="9525" cap="flat" cmpd="sng">
+                      <a:solidFill>
+                        <a:schemeClr val="dk1"/>
+                      </a:solidFill>
+                      <a:prstDash val="solid"/>
+                      <a:round/>
+                      <a:headEnd type="none" w="sm" len="sm"/>
+                      <a:tailEnd type="none" w="sm" len="sm"/>
+                    </a:lnT>
+                    <a:lnB w="9525" cap="flat" cmpd="sng">
+                      <a:solidFill>
+                        <a:schemeClr val="dk1"/>
+                      </a:solidFill>
+                      <a:prstDash val="solid"/>
+                      <a:round/>
+                      <a:headEnd type="none" w="sm" len="sm"/>
+                      <a:tailEnd type="none" w="sm" len="sm"/>
+                    </a:lnB>
+                  </a:tcPr>
+                </a:tc>
+                <a:tc>
+                  <a:txBody>
+                    <a:bodyPr/>
+                    <a:lstStyle/>
+                    <a:p>
+                      <a:pPr>
+                        <a:defRPr sz="900">
+                          <a:latin typeface="Arial"/>
+                        </a:defRPr>
+                      </a:pPr>
+                      <a:r>
+                        <a:t>6.9 bar G</a:t>
+                      </a:r>
+                    </a:p>
+                  </a:txBody>
+                  <a:tcPr marL="0" marR="0" marT="0" marB="0" anchor="ctr">
+                    <a:lnL w="9525" cap="flat" cmpd="sng">
+                      <a:solidFill>
+                        <a:schemeClr val="dk1"/>
+                      </a:solidFill>
+                      <a:prstDash val="solid"/>
+                      <a:round/>
+                      <a:headEnd type="none" w="sm" len="sm"/>
+                      <a:tailEnd type="none" w="sm" len="sm"/>
+                    </a:lnL>
+                    <a:lnR w="9525" cap="flat" cmpd="sng">
+                      <a:solidFill>
+                        <a:schemeClr val="dk1"/>
+                      </a:solidFill>
+                      <a:prstDash val="solid"/>
+                      <a:round/>
+                      <a:headEnd type="none" w="sm" len="sm"/>
+                      <a:tailEnd type="none" w="sm" len="sm"/>
+                    </a:lnR>
+                    <a:lnT w="9525" cap="flat" cmpd="sng">
+                      <a:solidFill>
+                        <a:schemeClr val="dk1"/>
+                      </a:solidFill>
+                      <a:prstDash val="solid"/>
+                      <a:round/>
+                      <a:headEnd type="none" w="sm" len="sm"/>
+                      <a:tailEnd type="none" w="sm" len="sm"/>
+                    </a:lnT>
+                    <a:lnB w="9525" cap="flat" cmpd="sng">
+                      <a:solidFill>
+                        <a:schemeClr val="dk1"/>
+                      </a:solidFill>
+                      <a:prstDash val="solid"/>
+                      <a:round/>
+                      <a:headEnd type="none" w="sm" len="sm"/>
+                      <a:tailEnd type="none" w="sm" len="sm"/>
+                    </a:lnB>
+                  </a:tcPr>
+                </a:tc>
+                <a:tc rowSpan="3">
+                  <a:txBody>
+                    <a:bodyPr/>
+                    <a:lstStyle/>
+                    <a:p>
+                      <a:pPr marL="0" marR="0" lvl="0" indent="0" algn="ctr" rtl="0">
+                        <a:spcBef>
+                          <a:spcPts val="0"/>
+                        </a:spcBef>
+                        <a:spcAft>
+                          <a:spcPts val="0"/>
+                        </a:spcAft>
+                        <a:buNone/>
+                      </a:pPr>
+                      <a:endParaRPr sz="800" dirty="0">
+                        <a:latin typeface="Arial"/>
+                        <a:ea typeface="Arial"/>
+                        <a:cs typeface="Arial"/>
+                        <a:sym typeface="Arial"/>
+                      </a:endParaRPr>
+                    </a:p>
+                    <a:p>
+                      <a:pPr marL="0" marR="0" lvl="0" indent="0" algn="ctr" rtl="0">
+                        <a:spcBef>
+                          <a:spcPts val="0"/>
+                        </a:spcBef>
+                        <a:spcAft>
+                          <a:spcPts val="0"/>
+                        </a:spcAft>
+                        <a:buNone/>
+                      </a:pPr>
+                      <a:endParaRPr sz="800" dirty="0">
+                        <a:latin typeface="Arial"/>
+                        <a:ea typeface="Arial"/>
+                        <a:cs typeface="Arial"/>
+                        <a:sym typeface="Arial"/>
+                      </a:endParaRPr>
+                    </a:p>
+                    <a:p>
+                      <a:pPr marL="0" marR="0" lvl="0" indent="0" algn="ctr" rtl="0">
+                        <a:spcBef>
+                          <a:spcPts val="0"/>
+                        </a:spcBef>
+                        <a:spcAft>
+                          <a:spcPts val="0"/>
+                        </a:spcAft>
+                        <a:buNone/>
+                      </a:pPr>
+                      <a:r>
+                        <a:rPr lang="en-MY" sz="800" dirty="0">
+                          <a:latin typeface="Arial"/>
+                          <a:ea typeface="Arial"/>
+                          <a:cs typeface="Arial"/>
+                          <a:sym typeface="Arial"/>
+                        </a:rPr>
+                        <a:t>LOW</a:t>
+                      </a:r>
+                      <a:endParaRPr sz="800" dirty="0">
+                        <a:latin typeface="Arial"/>
+                        <a:ea typeface="Arial"/>
+                        <a:cs typeface="Arial"/>
+                        <a:sym typeface="Arial"/>
+                      </a:endParaRPr>
+                    </a:p>
+                    <a:p>
+                      <a:pPr marL="0" marR="0" lvl="0" indent="0" algn="ctr" rtl="0">
+                        <a:spcBef>
+                          <a:spcPts val="0"/>
+                        </a:spcBef>
+                        <a:spcAft>
+                          <a:spcPts val="0"/>
+                        </a:spcAft>
+                        <a:buNone/>
+                      </a:pPr>
+                      <a:endParaRPr sz="800" dirty="0">
+                        <a:latin typeface="Arial"/>
+                        <a:ea typeface="Arial"/>
+                        <a:cs typeface="Arial"/>
+                        <a:sym typeface="Arial"/>
+                      </a:endParaRPr>
+                    </a:p>
+                  </a:txBody>
+                  <a:tcPr marL="83125" marR="83125" marT="45725" marB="45725">
+                    <a:lnL w="9525" cap="flat" cmpd="sng">
+                      <a:solidFill>
+                        <a:schemeClr val="dk1"/>
+                      </a:solidFill>
+                      <a:prstDash val="solid"/>
+                      <a:round/>
+                      <a:headEnd type="none" w="sm" len="sm"/>
+                      <a:tailEnd type="none" w="sm" len="sm"/>
+                    </a:lnL>
+                    <a:lnR w="9525" cap="flat" cmpd="sng">
+                      <a:solidFill>
+                        <a:schemeClr val="dk1"/>
+                      </a:solidFill>
+                      <a:prstDash val="solid"/>
+                      <a:round/>
+                      <a:headEnd type="none" w="sm" len="sm"/>
+                      <a:tailEnd type="none" w="sm" len="sm"/>
+                    </a:lnR>
+                    <a:lnT w="9525" cap="flat" cmpd="sng">
+                      <a:solidFill>
+                        <a:schemeClr val="dk1"/>
+                      </a:solidFill>
+                      <a:prstDash val="solid"/>
+                      <a:round/>
+                      <a:headEnd type="none" w="sm" len="sm"/>
+                      <a:tailEnd type="none" w="sm" len="sm"/>
+                    </a:lnT>
+                    <a:lnB w="9525" cap="flat" cmpd="sng">
+                      <a:solidFill>
+                        <a:schemeClr val="dk1"/>
+                      </a:solidFill>
+                      <a:prstDash val="solid"/>
+                      <a:round/>
+                      <a:headEnd type="none" w="sm" len="sm"/>
+                      <a:tailEnd type="none" w="sm" len="sm"/>
+                    </a:lnB>
+                    <a:solidFill>
+                      <a:srgbClr val="00B050"/>
+                    </a:solidFill>
+                  </a:tcPr>
+                </a:tc>
+                <a:tc vMerge="1">
+                  <a:txBody>
+                    <a:bodyPr/>
+                    <a:lstStyle/>
+                    <a:p>
+                      <a:endParaRPr lang="en-US"/>
+                    </a:p>
+                  </a:txBody>
+                  <a:tcPr/>
+                </a:tc>
+                <a:extLst>
+                  <a:ext uri="{0D108BD9-81ED-4DB2-BD59-A6C34878D82A}">
+                    <a16:rowId xmlns:a16="http://schemas.microsoft.com/office/drawing/2014/main" val="10002"/>
+                  </a:ext>
+                </a:extLst>
+              </a:tr>
+              <a:tr h="322425">
+                <a:tc>
+                  <a:txBody>
+                    <a:bodyPr/>
+                    <a:lstStyle/>
+                    <a:p>
+                      <a:pPr>
+                        <a:defRPr sz="900">
+                          <a:latin typeface="Arial"/>
+                        </a:defRPr>
+                      </a:pPr>
+                      <a:r>
+                        <a:t>WATER / STEAM</a:t>
+                      </a:r>
+                    </a:p>
+                  </a:txBody>
+                  <a:tcPr marL="0" marR="0" marT="0" marB="0" anchor="ctr">
+                    <a:lnL w="9525" cap="flat" cmpd="sng">
+                      <a:solidFill>
+                        <a:schemeClr val="dk1"/>
+                      </a:solidFill>
+                      <a:prstDash val="solid"/>
+                      <a:round/>
+                      <a:headEnd type="none" w="sm" len="sm"/>
+                      <a:tailEnd type="none" w="sm" len="sm"/>
+                    </a:lnL>
+                    <a:lnR w="9525" cap="flat" cmpd="sng">
+                      <a:solidFill>
+                        <a:schemeClr val="dk1"/>
+                      </a:solidFill>
+                      <a:prstDash val="solid"/>
+                      <a:round/>
+                      <a:headEnd type="none" w="sm" len="sm"/>
+                      <a:tailEnd type="none" w="sm" len="sm"/>
+                    </a:lnR>
+                    <a:lnT w="9525" cap="flat" cmpd="sng">
+                      <a:solidFill>
+                        <a:schemeClr val="dk1"/>
+                      </a:solidFill>
+                      <a:prstDash val="solid"/>
+                      <a:round/>
+                      <a:headEnd type="none" w="sm" len="sm"/>
+                      <a:tailEnd type="none" w="sm" len="sm"/>
+                    </a:lnT>
+                    <a:lnB w="9525" cap="flat" cmpd="sng">
+                      <a:solidFill>
+                        <a:schemeClr val="dk1"/>
+                      </a:solidFill>
+                      <a:prstDash val="solid"/>
+                      <a:round/>
+                      <a:headEnd type="none" w="sm" len="sm"/>
+                      <a:tailEnd type="none" w="sm" len="sm"/>
+                    </a:lnB>
+                  </a:tcPr>
+                </a:tc>
+                <a:tc>
+                  <a:txBody>
+                    <a:bodyPr/>
+                    <a:lstStyle/>
+                    <a:p>
+                      <a:pPr>
+                        <a:defRPr sz="900">
+                          <a:latin typeface="Arial"/>
+                        </a:defRPr>
+                      </a:pPr>
+                      <a:r>
+                        <a:t>PLATE HEAD</a:t>
+                      </a:r>
+                    </a:p>
+                  </a:txBody>
+                  <a:tcPr marL="0" marR="0" marT="0" marB="0" anchor="ctr">
+                    <a:lnL w="9525" cap="flat" cmpd="sng">
+                      <a:solidFill>
+                        <a:schemeClr val="dk1"/>
+                      </a:solidFill>
+                      <a:prstDash val="solid"/>
+                      <a:round/>
+                      <a:headEnd type="none" w="sm" len="sm"/>
+                      <a:tailEnd type="none" w="sm" len="sm"/>
+                    </a:lnL>
+                    <a:lnR w="9525" cap="flat" cmpd="sng">
+                      <a:solidFill>
+                        <a:schemeClr val="dk1"/>
+                      </a:solidFill>
+                      <a:prstDash val="solid"/>
+                      <a:round/>
+                      <a:headEnd type="none" w="sm" len="sm"/>
+                      <a:tailEnd type="none" w="sm" len="sm"/>
+                    </a:lnR>
+                    <a:lnT w="9525" cap="flat" cmpd="sng">
+                      <a:solidFill>
+                        <a:schemeClr val="dk1"/>
+                      </a:solidFill>
+                      <a:prstDash val="solid"/>
+                      <a:round/>
+                      <a:headEnd type="none" w="sm" len="sm"/>
+                      <a:tailEnd type="none" w="sm" len="sm"/>
+                    </a:lnT>
+                    <a:lnB w="9525" cap="flat" cmpd="sng">
+                      <a:solidFill>
+                        <a:schemeClr val="dk1"/>
+                      </a:solidFill>
+                      <a:prstDash val="solid"/>
+                      <a:round/>
+                      <a:headEnd type="none" w="sm" len="sm"/>
+                      <a:tailEnd type="none" w="sm" len="sm"/>
+                    </a:lnB>
+                  </a:tcPr>
+                </a:tc>
+                <a:tc>
+                  <a:txBody>
+                    <a:bodyPr/>
+                    <a:lstStyle/>
+                    <a:p>
+                      <a:pPr>
+                        <a:defRPr sz="900">
+                          <a:latin typeface="Arial"/>
+                        </a:defRPr>
+                      </a:pPr>
+                      <a:r>
+                        <a:t>-</a:t>
+                      </a:r>
+                    </a:p>
+                  </a:txBody>
+                  <a:tcPr marL="83125" marR="83125" marT="45725" marB="45725" anchor="ctr">
+                    <a:lnL w="9525" cap="flat" cmpd="sng">
+                      <a:solidFill>
+                        <a:schemeClr val="dk1"/>
+                      </a:solidFill>
+                      <a:prstDash val="solid"/>
+                      <a:round/>
+                      <a:headEnd type="none" w="sm" len="sm"/>
+                      <a:tailEnd type="none" w="sm" len="sm"/>
+                    </a:lnL>
+                    <a:lnR w="9525" cap="flat" cmpd="sng">
+                      <a:solidFill>
+                        <a:schemeClr val="dk1"/>
+                      </a:solidFill>
+                      <a:prstDash val="solid"/>
+                      <a:round/>
+                      <a:headEnd type="none" w="sm" len="sm"/>
+                      <a:tailEnd type="none" w="sm" len="sm"/>
+                    </a:lnR>
+                    <a:lnT w="9525" cap="flat" cmpd="sng">
+                      <a:solidFill>
+                        <a:schemeClr val="dk1"/>
+                      </a:solidFill>
+                      <a:prstDash val="solid"/>
+                      <a:round/>
+                      <a:headEnd type="none" w="sm" len="sm"/>
+                      <a:tailEnd type="none" w="sm" len="sm"/>
+                    </a:lnT>
+                    <a:lnB w="9525" cap="flat" cmpd="sng">
+                      <a:solidFill>
+                        <a:schemeClr val="dk1"/>
+                      </a:solidFill>
+                      <a:prstDash val="solid"/>
+                      <a:round/>
+                      <a:headEnd type="none" w="sm" len="sm"/>
+                      <a:tailEnd type="none" w="sm" len="sm"/>
+                    </a:lnB>
+                  </a:tcPr>
+                </a:tc>
+                <a:tc>
+                  <a:txBody>
+                    <a:bodyPr/>
+                    <a:lstStyle/>
+                    <a:p>
+                      <a:pPr>
+                        <a:defRPr sz="900">
+                          <a:latin typeface="Arial"/>
+                        </a:defRPr>
+                      </a:pPr>
+                      <a:r>
+                        <a:t>Carbon Steel</a:t>
+                      </a:r>
+                    </a:p>
+                  </a:txBody>
+                  <a:tcPr marL="83125" marR="83125" marT="45725" marB="45725" anchor="ctr">
+                    <a:lnL w="9525" cap="flat" cmpd="sng">
+                      <a:solidFill>
+                        <a:schemeClr val="dk1"/>
+                      </a:solidFill>
+                      <a:prstDash val="solid"/>
+                      <a:round/>
+                      <a:headEnd type="none" w="sm" len="sm"/>
+                      <a:tailEnd type="none" w="sm" len="sm"/>
+                    </a:lnL>
+                    <a:lnR w="9525" cap="flat" cmpd="sng">
+                      <a:solidFill>
+                        <a:schemeClr val="dk1"/>
+                      </a:solidFill>
+                      <a:prstDash val="solid"/>
+                      <a:round/>
+                      <a:headEnd type="none" w="sm" len="sm"/>
+                      <a:tailEnd type="none" w="sm" len="sm"/>
+                    </a:lnR>
+                    <a:lnT w="9525" cap="flat" cmpd="sng">
+                      <a:solidFill>
+                        <a:schemeClr val="dk1"/>
+                      </a:solidFill>
+                      <a:prstDash val="solid"/>
+                      <a:round/>
+                      <a:headEnd type="none" w="sm" len="sm"/>
+                      <a:tailEnd type="none" w="sm" len="sm"/>
+                    </a:lnT>
+                    <a:lnB w="9525" cap="flat" cmpd="sng">
+                      <a:solidFill>
+                        <a:schemeClr val="dk1"/>
+                      </a:solidFill>
+                      <a:prstDash val="solid"/>
+                      <a:round/>
+                      <a:headEnd type="none" w="sm" len="sm"/>
+                      <a:tailEnd type="none" w="sm" len="sm"/>
+                    </a:lnB>
+                  </a:tcPr>
+                </a:tc>
+                <a:tc>
+                  <a:txBody>
+                    <a:bodyPr/>
+                    <a:lstStyle/>
+                    <a:p>
+                      <a:pPr>
+                        <a:defRPr sz="900">
+                          <a:latin typeface="Arial"/>
+                        </a:defRPr>
+                      </a:pPr>
+                      <a:r>
+                        <a:t>SA-516</a:t>
+                      </a:r>
+                    </a:p>
+                  </a:txBody>
+                  <a:tcPr marL="83125" marR="83125" marT="45725" marB="45725" anchor="ctr">
+                    <a:lnL w="9525" cap="flat" cmpd="sng">
+                      <a:solidFill>
+                        <a:schemeClr val="dk1"/>
+                      </a:solidFill>
+                      <a:prstDash val="solid"/>
+                      <a:round/>
+                      <a:headEnd type="none" w="sm" len="sm"/>
+                      <a:tailEnd type="none" w="sm" len="sm"/>
+                    </a:lnL>
+                    <a:lnR w="9525" cap="flat" cmpd="sng">
+                      <a:solidFill>
+                        <a:schemeClr val="dk1"/>
+                      </a:solidFill>
+                      <a:prstDash val="solid"/>
+                      <a:round/>
+                      <a:headEnd type="none" w="sm" len="sm"/>
+                      <a:tailEnd type="none" w="sm" len="sm"/>
+                    </a:lnR>
+                    <a:lnT w="9525" cap="flat" cmpd="sng">
+                      <a:solidFill>
+                        <a:schemeClr val="dk1"/>
+                      </a:solidFill>
+                      <a:prstDash val="solid"/>
+                      <a:round/>
+                      <a:headEnd type="none" w="sm" len="sm"/>
+                      <a:tailEnd type="none" w="sm" len="sm"/>
+                    </a:lnT>
+                    <a:lnB w="9525" cap="flat" cmpd="sng">
+                      <a:solidFill>
+                        <a:schemeClr val="dk1"/>
+                      </a:solidFill>
+                      <a:prstDash val="solid"/>
+                      <a:round/>
+                      <a:headEnd type="none" w="sm" len="sm"/>
+                      <a:tailEnd type="none" w="sm" len="sm"/>
+                    </a:lnB>
+                  </a:tcPr>
+                </a:tc>
+                <a:tc>
+                  <a:txBody>
+                    <a:bodyPr/>
+                    <a:lstStyle/>
+                    <a:p>
+                      <a:pPr>
+                        <a:defRPr sz="900">
+                          <a:latin typeface="Arial"/>
+                        </a:defRPr>
+                      </a:pPr>
+                      <a:r>
+                        <a:t>70</a:t>
+                      </a:r>
+                    </a:p>
+                  </a:txBody>
+                  <a:tcPr marL="83125" marR="83125" marT="45725" marB="45725" anchor="ctr">
+                    <a:lnL w="9525" cap="flat" cmpd="sng">
+                      <a:solidFill>
+                        <a:schemeClr val="dk1"/>
+                      </a:solidFill>
+                      <a:prstDash val="solid"/>
+                      <a:round/>
+                      <a:headEnd type="none" w="sm" len="sm"/>
+                      <a:tailEnd type="none" w="sm" len="sm"/>
+                    </a:lnL>
+                    <a:lnR w="9525" cap="flat" cmpd="sng">
+                      <a:solidFill>
+                        <a:schemeClr val="dk1"/>
+                      </a:solidFill>
+                      <a:prstDash val="solid"/>
+                      <a:round/>
+                      <a:headEnd type="none" w="sm" len="sm"/>
+                      <a:tailEnd type="none" w="sm" len="sm"/>
+                    </a:lnR>
+                    <a:lnT w="9525" cap="flat" cmpd="sng">
+                      <a:solidFill>
+                        <a:schemeClr val="dk1"/>
+                      </a:solidFill>
+                      <a:prstDash val="solid"/>
+                      <a:round/>
+                      <a:headEnd type="none" w="sm" len="sm"/>
+                      <a:tailEnd type="none" w="sm" len="sm"/>
+                    </a:lnT>
+                    <a:lnB w="9525" cap="flat" cmpd="sng">
+                      <a:solidFill>
+                        <a:schemeClr val="dk1"/>
+                      </a:solidFill>
+                      <a:prstDash val="solid"/>
+                      <a:round/>
+                      <a:headEnd type="none" w="sm" len="sm"/>
+                      <a:tailEnd type="none" w="sm" len="sm"/>
+                    </a:lnB>
+                  </a:tcPr>
+                </a:tc>
+                <a:tc>
+                  <a:txBody>
+                    <a:bodyPr/>
+                    <a:lstStyle/>
+                    <a:p>
+                      <a:pPr>
+                        <a:defRPr sz="900">
+                          <a:latin typeface="Arial"/>
+                        </a:defRPr>
+                      </a:pPr>
+                      <a:r>
+                        <a:t>-</a:t>
+                      </a:r>
+                    </a:p>
+                  </a:txBody>
+                  <a:tcPr marL="83125" marR="83125" marT="45725" marB="45725" anchor="ctr">
+                    <a:lnL w="9525" cap="flat" cmpd="sng">
+                      <a:solidFill>
+                        <a:schemeClr val="dk1"/>
+                      </a:solidFill>
+                      <a:prstDash val="solid"/>
+                      <a:round/>
+                      <a:headEnd type="none" w="sm" len="sm"/>
+                      <a:tailEnd type="none" w="sm" len="sm"/>
+                    </a:lnL>
+                    <a:lnR w="9525" cap="flat" cmpd="sng">
+                      <a:solidFill>
+                        <a:schemeClr val="dk1"/>
+                      </a:solidFill>
+                      <a:prstDash val="solid"/>
+                      <a:round/>
+                      <a:headEnd type="none" w="sm" len="sm"/>
+                      <a:tailEnd type="none" w="sm" len="sm"/>
+                    </a:lnR>
+                    <a:lnT w="9525" cap="flat" cmpd="sng">
+                      <a:solidFill>
+                        <a:schemeClr val="dk1"/>
+                      </a:solidFill>
+                      <a:prstDash val="solid"/>
+                      <a:round/>
+                      <a:headEnd type="none" w="sm" len="sm"/>
+                      <a:tailEnd type="none" w="sm" len="sm"/>
+                    </a:lnT>
+                    <a:lnB w="9525" cap="flat" cmpd="sng">
+                      <a:solidFill>
+                        <a:schemeClr val="dk1"/>
+                      </a:solidFill>
+                      <a:prstDash val="solid"/>
+                      <a:round/>
+                      <a:headEnd type="none" w="sm" len="sm"/>
+                      <a:tailEnd type="none" w="sm" len="sm"/>
+                    </a:lnB>
+                  </a:tcPr>
+                </a:tc>
+                <a:tc>
+                  <a:txBody>
+                    <a:bodyPr/>
+                    <a:lstStyle/>
+                    <a:p>
+                      <a:pPr>
+                        <a:defRPr sz="900">
+                          <a:latin typeface="Arial"/>
+                        </a:defRPr>
+                      </a:pPr>
+                      <a:r>
+                        <a:t>150 C</a:t>
+                      </a:r>
+                    </a:p>
+                  </a:txBody>
+                  <a:tcPr marL="0" marR="0" marT="0" marB="0" anchor="ctr">
+                    <a:lnL w="9525" cap="flat" cmpd="sng">
+                      <a:solidFill>
+                        <a:schemeClr val="dk1"/>
+                      </a:solidFill>
+                      <a:prstDash val="solid"/>
+                      <a:round/>
+                      <a:headEnd type="none" w="sm" len="sm"/>
+                      <a:tailEnd type="none" w="sm" len="sm"/>
+                    </a:lnL>
+                    <a:lnR w="9525" cap="flat" cmpd="sng">
+                      <a:solidFill>
+                        <a:schemeClr val="dk1"/>
+                      </a:solidFill>
+                      <a:prstDash val="solid"/>
+                      <a:round/>
+                      <a:headEnd type="none" w="sm" len="sm"/>
+                      <a:tailEnd type="none" w="sm" len="sm"/>
+                    </a:lnR>
+                    <a:lnT w="9525" cap="flat" cmpd="sng">
+                      <a:solidFill>
+                        <a:schemeClr val="dk1"/>
+                      </a:solidFill>
+                      <a:prstDash val="solid"/>
+                      <a:round/>
+                      <a:headEnd type="none" w="sm" len="sm"/>
+                      <a:tailEnd type="none" w="sm" len="sm"/>
+                    </a:lnT>
+                    <a:lnB w="9525" cap="flat" cmpd="sng">
+                      <a:solidFill>
+                        <a:schemeClr val="dk1"/>
+                      </a:solidFill>
+                      <a:prstDash val="solid"/>
+                      <a:round/>
+                      <a:headEnd type="none" w="sm" len="sm"/>
+                      <a:tailEnd type="none" w="sm" len="sm"/>
+                    </a:lnB>
+                  </a:tcPr>
+                </a:tc>
+                <a:tc>
+                  <a:txBody>
+                    <a:bodyPr/>
+                    <a:lstStyle/>
+                    <a:p>
+                      <a:pPr>
+                        <a:defRPr sz="900">
+                          <a:latin typeface="Arial"/>
+                        </a:defRPr>
+                      </a:pPr>
+                      <a:r>
+                        <a:t>6.9 bar G</a:t>
+                      </a:r>
+                    </a:p>
+                  </a:txBody>
+                  <a:tcPr marL="0" marR="0" marT="0" marB="0" anchor="ctr">
+                    <a:lnL w="9525" cap="flat" cmpd="sng">
+                      <a:solidFill>
+                        <a:schemeClr val="dk1"/>
+                      </a:solidFill>
+                      <a:prstDash val="solid"/>
+                      <a:round/>
+                      <a:headEnd type="none" w="sm" len="sm"/>
+                      <a:tailEnd type="none" w="sm" len="sm"/>
+                    </a:lnL>
+                    <a:lnR w="9525" cap="flat" cmpd="sng">
+                      <a:solidFill>
+                        <a:schemeClr val="dk1"/>
+                      </a:solidFill>
+                      <a:prstDash val="solid"/>
+                      <a:round/>
+                      <a:headEnd type="none" w="sm" len="sm"/>
+                      <a:tailEnd type="none" w="sm" len="sm"/>
+                    </a:lnR>
+                    <a:lnT w="9525" cap="flat" cmpd="sng">
+                      <a:solidFill>
+                        <a:schemeClr val="dk1"/>
+                      </a:solidFill>
+                      <a:prstDash val="solid"/>
+                      <a:round/>
+                      <a:headEnd type="none" w="sm" len="sm"/>
+                      <a:tailEnd type="none" w="sm" len="sm"/>
+                    </a:lnT>
+                    <a:lnB w="9525" cap="flat" cmpd="sng">
+                      <a:solidFill>
+                        <a:schemeClr val="dk1"/>
+                      </a:solidFill>
+                      <a:prstDash val="solid"/>
+                      <a:round/>
+                      <a:headEnd type="none" w="sm" len="sm"/>
+                      <a:tailEnd type="none" w="sm" len="sm"/>
+                    </a:lnB>
+                  </a:tcPr>
+                </a:tc>
+                <a:tc vMerge="1">
+                  <a:txBody>
+                    <a:bodyPr/>
+                    <a:lstStyle/>
+                    <a:p>
+                      <a:endParaRPr lang="en-US"/>
+                    </a:p>
+                  </a:txBody>
+                  <a:tcPr/>
+                </a:tc>
+                <a:tc vMerge="1">
+                  <a:txBody>
+                    <a:bodyPr/>
+                    <a:lstStyle/>
+                    <a:p>
+                      <a:endParaRPr lang="en-US"/>
+                    </a:p>
+                  </a:txBody>
+                  <a:tcPr/>
+                </a:tc>
+                <a:extLst>
+                  <a:ext uri="{0D108BD9-81ED-4DB2-BD59-A6C34878D82A}">
+                    <a16:rowId xmlns:a16="http://schemas.microsoft.com/office/drawing/2014/main" val="10003"/>
+                  </a:ext>
+                </a:extLst>
+              </a:tr>
+              <a:tr h="243125">
+                <a:tc>
+                  <a:txBody>
+                    <a:bodyPr/>
+                    <a:lstStyle/>
+                    <a:p>
+                      <a:pPr>
+                        <a:defRPr sz="900">
+                          <a:latin typeface="Arial"/>
+                        </a:defRPr>
+                      </a:pPr>
+                      <a:r>
+                        <a:t>WATER / STEAM</a:t>
+                      </a:r>
+                    </a:p>
+                  </a:txBody>
+                  <a:tcPr marL="0" marR="0" marT="0" marB="0" anchor="ctr">
+                    <a:lnL w="9525" cap="flat" cmpd="sng">
+                      <a:solidFill>
+                        <a:schemeClr val="dk1"/>
+                      </a:solidFill>
+                      <a:prstDash val="solid"/>
+                      <a:round/>
+                      <a:headEnd type="none" w="sm" len="sm"/>
+                      <a:tailEnd type="none" w="sm" len="sm"/>
+                    </a:lnL>
+                    <a:lnR w="9525" cap="flat" cmpd="sng">
+                      <a:solidFill>
+                        <a:schemeClr val="dk1"/>
+                      </a:solidFill>
+                      <a:prstDash val="solid"/>
+                      <a:round/>
+                      <a:headEnd type="none" w="sm" len="sm"/>
+                      <a:tailEnd type="none" w="sm" len="sm"/>
+                    </a:lnR>
+                    <a:lnT w="9525" cap="flat" cmpd="sng">
+                      <a:solidFill>
+                        <a:schemeClr val="dk1"/>
+                      </a:solidFill>
+                      <a:prstDash val="solid"/>
+                      <a:round/>
+                      <a:headEnd type="none" w="sm" len="sm"/>
+                      <a:tailEnd type="none" w="sm" len="sm"/>
+                    </a:lnT>
+                    <a:lnB w="9525" cap="flat" cmpd="sng">
+                      <a:solidFill>
+                        <a:schemeClr val="dk1"/>
+                      </a:solidFill>
+                      <a:prstDash val="solid"/>
+                      <a:round/>
+                      <a:headEnd type="none" w="sm" len="sm"/>
+                      <a:tailEnd type="none" w="sm" len="sm"/>
+                    </a:lnB>
+                  </a:tcPr>
+                </a:tc>
+                <a:tc>
+                  <a:txBody>
+                    <a:bodyPr/>
+                    <a:lstStyle/>
+                    <a:p>
+                      <a:pPr>
+                        <a:defRPr sz="900">
+                          <a:latin typeface="Arial"/>
+                        </a:defRPr>
+                      </a:pPr>
+                      <a:r>
+                        <a:t>HALF COUPLING</a:t>
+                      </a:r>
+                    </a:p>
+                  </a:txBody>
+                  <a:tcPr marL="0" marR="0" marT="0" marB="0" anchor="ctr">
+                    <a:lnL w="9525" cap="flat" cmpd="sng">
+                      <a:solidFill>
+                        <a:schemeClr val="dk1"/>
+                      </a:solidFill>
+                      <a:prstDash val="solid"/>
+                      <a:round/>
+                      <a:headEnd type="none" w="sm" len="sm"/>
+                      <a:tailEnd type="none" w="sm" len="sm"/>
+                    </a:lnL>
+                    <a:lnR w="9525" cap="flat" cmpd="sng">
+                      <a:solidFill>
+                        <a:schemeClr val="dk1"/>
+                      </a:solidFill>
+                      <a:prstDash val="solid"/>
+                      <a:round/>
+                      <a:headEnd type="none" w="sm" len="sm"/>
+                      <a:tailEnd type="none" w="sm" len="sm"/>
+                    </a:lnR>
+                    <a:lnT w="9525" cap="flat" cmpd="sng">
+                      <a:solidFill>
+                        <a:schemeClr val="dk1"/>
+                      </a:solidFill>
+                      <a:prstDash val="solid"/>
+                      <a:round/>
+                      <a:headEnd type="none" w="sm" len="sm"/>
+                      <a:tailEnd type="none" w="sm" len="sm"/>
+                    </a:lnT>
+                    <a:lnB w="9525" cap="flat" cmpd="sng">
+                      <a:solidFill>
+                        <a:schemeClr val="dk1"/>
+                      </a:solidFill>
+                      <a:prstDash val="solid"/>
+                      <a:round/>
+                      <a:headEnd type="none" w="sm" len="sm"/>
+                      <a:tailEnd type="none" w="sm" len="sm"/>
+                    </a:lnB>
+                  </a:tcPr>
+                </a:tc>
+                <a:tc>
+                  <a:txBody>
+                    <a:bodyPr/>
+                    <a:lstStyle/>
+                    <a:p>
+                      <a:pPr>
+                        <a:defRPr sz="900">
+                          <a:latin typeface="Arial"/>
+                        </a:defRPr>
+                      </a:pPr>
+                      <a:r>
+                        <a:t>-</a:t>
+                      </a:r>
+                    </a:p>
+                  </a:txBody>
+                  <a:tcPr marL="83125" marR="83125" marT="45725" marB="45725" anchor="ctr">
+                    <a:lnL w="9525" cap="flat" cmpd="sng">
+                      <a:solidFill>
+                        <a:schemeClr val="dk1"/>
+                      </a:solidFill>
+                      <a:prstDash val="solid"/>
+                      <a:round/>
+                      <a:headEnd type="none" w="sm" len="sm"/>
+                      <a:tailEnd type="none" w="sm" len="sm"/>
+                    </a:lnL>
+                    <a:lnR w="9525" cap="flat" cmpd="sng">
+                      <a:solidFill>
+                        <a:schemeClr val="dk1"/>
+                      </a:solidFill>
+                      <a:prstDash val="solid"/>
+                      <a:round/>
+                      <a:headEnd type="none" w="sm" len="sm"/>
+                      <a:tailEnd type="none" w="sm" len="sm"/>
+                    </a:lnR>
+                    <a:lnT w="9525" cap="flat" cmpd="sng">
+                      <a:solidFill>
+                        <a:schemeClr val="dk1"/>
+                      </a:solidFill>
+                      <a:prstDash val="solid"/>
+                      <a:round/>
+                      <a:headEnd type="none" w="sm" len="sm"/>
+                      <a:tailEnd type="none" w="sm" len="sm"/>
+                    </a:lnT>
+                    <a:lnB w="9525" cap="flat" cmpd="sng">
+                      <a:solidFill>
+                        <a:schemeClr val="dk1"/>
+                      </a:solidFill>
+                      <a:prstDash val="solid"/>
+                      <a:round/>
+                      <a:headEnd type="none" w="sm" len="sm"/>
+                      <a:tailEnd type="none" w="sm" len="sm"/>
+                    </a:lnB>
+                  </a:tcPr>
+                </a:tc>
+                <a:tc>
+                  <a:txBody>
+                    <a:bodyPr/>
+                    <a:lstStyle/>
+                    <a:p>
+                      <a:pPr>
+                        <a:defRPr sz="900">
+                          <a:latin typeface="Arial"/>
+                        </a:defRPr>
+                      </a:pPr>
+                      <a:r>
+                        <a:t>Carbon Steel</a:t>
+                      </a:r>
+                    </a:p>
+                  </a:txBody>
+                  <a:tcPr marL="83125" marR="83125" marT="45725" marB="45725" anchor="ctr">
+                    <a:lnL w="9525" cap="flat" cmpd="sng">
+                      <a:solidFill>
+                        <a:schemeClr val="dk1"/>
+                      </a:solidFill>
+                      <a:prstDash val="solid"/>
+                      <a:round/>
+                      <a:headEnd type="none" w="sm" len="sm"/>
+                      <a:tailEnd type="none" w="sm" len="sm"/>
+                    </a:lnL>
+                    <a:lnR w="9525" cap="flat" cmpd="sng">
+                      <a:solidFill>
+                        <a:schemeClr val="dk1"/>
+                      </a:solidFill>
+                      <a:prstDash val="solid"/>
+                      <a:round/>
+                      <a:headEnd type="none" w="sm" len="sm"/>
+                      <a:tailEnd type="none" w="sm" len="sm"/>
+                    </a:lnR>
+                    <a:lnT w="9525" cap="flat" cmpd="sng">
+                      <a:solidFill>
+                        <a:schemeClr val="dk1"/>
+                      </a:solidFill>
+                      <a:prstDash val="solid"/>
+                      <a:round/>
+                      <a:headEnd type="none" w="sm" len="sm"/>
+                      <a:tailEnd type="none" w="sm" len="sm"/>
+                    </a:lnT>
+                    <a:lnB w="9525" cap="flat" cmpd="sng">
+                      <a:solidFill>
+                        <a:schemeClr val="dk1"/>
+                      </a:solidFill>
+                      <a:prstDash val="solid"/>
+                      <a:round/>
+                      <a:headEnd type="none" w="sm" len="sm"/>
+                      <a:tailEnd type="none" w="sm" len="sm"/>
+                    </a:lnB>
+                  </a:tcPr>
+                </a:tc>
+                <a:tc>
+                  <a:txBody>
+                    <a:bodyPr/>
+                    <a:lstStyle/>
+                    <a:p>
+                      <a:pPr>
+                        <a:defRPr sz="900">
+                          <a:latin typeface="Arial"/>
+                        </a:defRPr>
+                      </a:pPr>
+                      <a:r>
+                        <a:t>SA-105</a:t>
+                      </a:r>
+                    </a:p>
+                  </a:txBody>
+                  <a:tcPr marL="83125" marR="83125" marT="45725" marB="45725" anchor="ctr">
+                    <a:lnL w="9525" cap="flat" cmpd="sng">
+                      <a:solidFill>
+                        <a:schemeClr val="dk1"/>
+                      </a:solidFill>
+                      <a:prstDash val="solid"/>
+                      <a:round/>
+                      <a:headEnd type="none" w="sm" len="sm"/>
+                      <a:tailEnd type="none" w="sm" len="sm"/>
+                    </a:lnL>
+                    <a:lnR w="9525" cap="flat" cmpd="sng">
+                      <a:solidFill>
+                        <a:schemeClr val="dk1"/>
+                      </a:solidFill>
+                      <a:prstDash val="solid"/>
+                      <a:round/>
+                      <a:headEnd type="none" w="sm" len="sm"/>
+                      <a:tailEnd type="none" w="sm" len="sm"/>
+                    </a:lnR>
+                    <a:lnT w="9525" cap="flat" cmpd="sng">
+                      <a:solidFill>
+                        <a:schemeClr val="dk1"/>
+                      </a:solidFill>
+                      <a:prstDash val="solid"/>
+                      <a:round/>
+                      <a:headEnd type="none" w="sm" len="sm"/>
+                      <a:tailEnd type="none" w="sm" len="sm"/>
+                    </a:lnT>
+                    <a:lnB w="9525" cap="flat" cmpd="sng">
+                      <a:solidFill>
+                        <a:schemeClr val="dk1"/>
+                      </a:solidFill>
+                      <a:prstDash val="solid"/>
+                      <a:round/>
+                      <a:headEnd type="none" w="sm" len="sm"/>
+                      <a:tailEnd type="none" w="sm" len="sm"/>
+                    </a:lnB>
+                  </a:tcPr>
+                </a:tc>
+                <a:tc>
+                  <a:txBody>
+                    <a:bodyPr/>
+                    <a:lstStyle/>
+                    <a:p>
+                      <a:pPr>
+                        <a:defRPr sz="900">
+                          <a:latin typeface="Arial"/>
+                        </a:defRPr>
+                      </a:pPr>
+                      <a:r>
+                        <a:t>-</a:t>
+                      </a:r>
+                    </a:p>
+                  </a:txBody>
+                  <a:tcPr marL="83125" marR="83125" marT="45725" marB="45725" anchor="ctr">
+                    <a:lnL w="9525" cap="flat" cmpd="sng">
+                      <a:solidFill>
+                        <a:schemeClr val="dk1"/>
+                      </a:solidFill>
+                      <a:prstDash val="solid"/>
+                      <a:round/>
+                      <a:headEnd type="none" w="sm" len="sm"/>
+                      <a:tailEnd type="none" w="sm" len="sm"/>
+                    </a:lnL>
+                    <a:lnR w="9525" cap="flat" cmpd="sng">
+                      <a:solidFill>
+                        <a:schemeClr val="dk1"/>
+                      </a:solidFill>
+                      <a:prstDash val="solid"/>
+                      <a:round/>
+                      <a:headEnd type="none" w="sm" len="sm"/>
+                      <a:tailEnd type="none" w="sm" len="sm"/>
+                    </a:lnR>
+                    <a:lnT w="9525" cap="flat" cmpd="sng">
+                      <a:solidFill>
+                        <a:schemeClr val="dk1"/>
+                      </a:solidFill>
+                      <a:prstDash val="solid"/>
+                      <a:round/>
+                      <a:headEnd type="none" w="sm" len="sm"/>
+                      <a:tailEnd type="none" w="sm" len="sm"/>
+                    </a:lnT>
+                    <a:lnB w="9525" cap="flat" cmpd="sng">
+                      <a:solidFill>
+                        <a:schemeClr val="dk1"/>
+                      </a:solidFill>
+                      <a:prstDash val="solid"/>
+                      <a:round/>
+                      <a:headEnd type="none" w="sm" len="sm"/>
+                      <a:tailEnd type="none" w="sm" len="sm"/>
+                    </a:lnB>
+                  </a:tcPr>
+                </a:tc>
+                <a:tc>
+                  <a:txBody>
+                    <a:bodyPr/>
+                    <a:lstStyle/>
+                    <a:p>
+                      <a:pPr>
+                        <a:defRPr sz="900">
+                          <a:latin typeface="Arial"/>
+                        </a:defRPr>
+                      </a:pPr>
+                      <a:r>
+                        <a:t>-</a:t>
+                      </a:r>
+                    </a:p>
+                  </a:txBody>
+                  <a:tcPr marL="83125" marR="83125" marT="45725" marB="45725" anchor="ctr">
+                    <a:lnL w="9525" cap="flat" cmpd="sng">
+                      <a:solidFill>
+                        <a:schemeClr val="dk1"/>
+                      </a:solidFill>
+                      <a:prstDash val="solid"/>
+                      <a:round/>
+                      <a:headEnd type="none" w="sm" len="sm"/>
+                      <a:tailEnd type="none" w="sm" len="sm"/>
+                    </a:lnL>
+                    <a:lnR w="9525" cap="flat" cmpd="sng">
+                      <a:solidFill>
+                        <a:schemeClr val="dk1"/>
+                      </a:solidFill>
+                      <a:prstDash val="solid"/>
+                      <a:round/>
+                      <a:headEnd type="none" w="sm" len="sm"/>
+                      <a:tailEnd type="none" w="sm" len="sm"/>
+                    </a:lnR>
+                    <a:lnT w="9525" cap="flat" cmpd="sng">
+                      <a:solidFill>
+                        <a:schemeClr val="dk1"/>
+                      </a:solidFill>
+                      <a:prstDash val="solid"/>
+                      <a:round/>
+                      <a:headEnd type="none" w="sm" len="sm"/>
+                      <a:tailEnd type="none" w="sm" len="sm"/>
+                    </a:lnT>
+                    <a:lnB w="9525" cap="flat" cmpd="sng">
+                      <a:solidFill>
+                        <a:schemeClr val="dk1"/>
+                      </a:solidFill>
+                      <a:prstDash val="solid"/>
+                      <a:round/>
+                      <a:headEnd type="none" w="sm" len="sm"/>
+                      <a:tailEnd type="none" w="sm" len="sm"/>
+                    </a:lnB>
+                  </a:tcPr>
+                </a:tc>
+                <a:tc>
+                  <a:txBody>
+                    <a:bodyPr/>
+                    <a:lstStyle/>
+                    <a:p>
+                      <a:pPr>
+                        <a:defRPr sz="900">
+                          <a:latin typeface="Arial"/>
+                        </a:defRPr>
+                      </a:pPr>
+                      <a:r>
+                        <a:t>150 C</a:t>
+                      </a:r>
+                    </a:p>
+                  </a:txBody>
+                  <a:tcPr marL="0" marR="0" marT="0" marB="0" anchor="ctr">
+                    <a:lnL w="9525" cap="flat" cmpd="sng">
+                      <a:solidFill>
+                        <a:schemeClr val="dk1"/>
+                      </a:solidFill>
+                      <a:prstDash val="solid"/>
+                      <a:round/>
+                      <a:headEnd type="none" w="sm" len="sm"/>
+                      <a:tailEnd type="none" w="sm" len="sm"/>
+                    </a:lnL>
+                    <a:lnR w="9525" cap="flat" cmpd="sng">
+                      <a:solidFill>
+                        <a:schemeClr val="dk1"/>
+                      </a:solidFill>
+                      <a:prstDash val="solid"/>
+                      <a:round/>
+                      <a:headEnd type="none" w="sm" len="sm"/>
+                      <a:tailEnd type="none" w="sm" len="sm"/>
+                    </a:lnR>
+                    <a:lnT w="9525" cap="flat" cmpd="sng">
+                      <a:solidFill>
+                        <a:schemeClr val="dk1"/>
+                      </a:solidFill>
+                      <a:prstDash val="solid"/>
+                      <a:round/>
+                      <a:headEnd type="none" w="sm" len="sm"/>
+                      <a:tailEnd type="none" w="sm" len="sm"/>
+                    </a:lnT>
+                    <a:lnB w="9525" cap="flat" cmpd="sng">
+                      <a:solidFill>
+                        <a:schemeClr val="dk1"/>
+                      </a:solidFill>
+                      <a:prstDash val="solid"/>
+                      <a:round/>
+                      <a:headEnd type="none" w="sm" len="sm"/>
+                      <a:tailEnd type="none" w="sm" len="sm"/>
+                    </a:lnB>
+                  </a:tcPr>
+                </a:tc>
+                <a:tc>
+                  <a:txBody>
+                    <a:bodyPr/>
+                    <a:lstStyle/>
+                    <a:p>
+                      <a:pPr>
+                        <a:defRPr sz="900">
+                          <a:latin typeface="Arial"/>
+                        </a:defRPr>
+                      </a:pPr>
+                      <a:r>
+                        <a:t>6.9 bar G</a:t>
+                      </a:r>
+                    </a:p>
+                  </a:txBody>
+                  <a:tcPr marL="0" marR="0" marT="0" marB="0" anchor="ctr">
+                    <a:lnL w="9525" cap="flat" cmpd="sng">
+                      <a:solidFill>
+                        <a:schemeClr val="dk1"/>
+                      </a:solidFill>
+                      <a:prstDash val="solid"/>
+                      <a:round/>
+                      <a:headEnd type="none" w="sm" len="sm"/>
+                      <a:tailEnd type="none" w="sm" len="sm"/>
+                    </a:lnL>
+                    <a:lnR w="9525" cap="flat" cmpd="sng">
+                      <a:solidFill>
+                        <a:schemeClr val="dk1"/>
+                      </a:solidFill>
+                      <a:prstDash val="solid"/>
+                      <a:round/>
+                      <a:headEnd type="none" w="sm" len="sm"/>
+                      <a:tailEnd type="none" w="sm" len="sm"/>
+                    </a:lnR>
+                    <a:lnT w="9525" cap="flat" cmpd="sng">
+                      <a:solidFill>
+                        <a:schemeClr val="dk1"/>
+                      </a:solidFill>
+                      <a:prstDash val="solid"/>
+                      <a:round/>
+                      <a:headEnd type="none" w="sm" len="sm"/>
+                      <a:tailEnd type="none" w="sm" len="sm"/>
+                    </a:lnT>
+                    <a:lnB w="9525" cap="flat" cmpd="sng">
+                      <a:solidFill>
+                        <a:schemeClr val="dk1"/>
+                      </a:solidFill>
+                      <a:prstDash val="solid"/>
+                      <a:round/>
+                      <a:headEnd type="none" w="sm" len="sm"/>
+                      <a:tailEnd type="none" w="sm" len="sm"/>
+                    </a:lnB>
+                  </a:tcPr>
+                </a:tc>
+                <a:tc vMerge="1">
+                  <a:txBody>
+                    <a:bodyPr/>
+                    <a:lstStyle/>
+                    <a:p>
+                      <a:endParaRPr lang="en-US"/>
+                    </a:p>
+                  </a:txBody>
+                  <a:tcPr/>
+                </a:tc>
+                <a:tc vMerge="1">
+                  <a:txBody>
+                    <a:bodyPr/>
+                    <a:lstStyle/>
+                    <a:p>
+                      <a:endParaRPr lang="en-US"/>
+                    </a:p>
+                  </a:txBody>
+                  <a:tcPr/>
+                </a:tc>
+                <a:extLst>
+                  <a:ext uri="{0D108BD9-81ED-4DB2-BD59-A6C34878D82A}">
+                    <a16:rowId xmlns:a16="http://schemas.microsoft.com/office/drawing/2014/main" val="10004"/>
+                  </a:ext>
+                </a:extLst>
+              </a:tr>
+              <a:tr h="243125">
+                <a:tc>
+                  <a:txBody>
+                    <a:bodyPr/>
+                    <a:lstStyle/>
+                    <a:p>
+                      <a:pPr>
+                        <a:defRPr sz="900">
+                          <a:latin typeface="Arial"/>
+                        </a:defRPr>
+                      </a:pPr>
+                      <a:r>
+                        <a:t>WATER / STEAM</a:t>
+                      </a:r>
+                    </a:p>
+                  </a:txBody>
+                  <a:tcPr marL="0" marR="0" marT="0" marB="0" anchor="ctr">
+                    <a:lnL w="9525" cap="flat" cmpd="sng">
+                      <a:solidFill>
+                        <a:schemeClr val="dk1"/>
+                      </a:solidFill>
+                      <a:prstDash val="solid"/>
+                      <a:round/>
+                      <a:headEnd type="none" w="sm" len="sm"/>
+                      <a:tailEnd type="none" w="sm" len="sm"/>
+                    </a:lnL>
+                    <a:lnR w="9525" cap="flat" cmpd="sng">
+                      <a:solidFill>
+                        <a:schemeClr val="dk1"/>
+                      </a:solidFill>
+                      <a:prstDash val="solid"/>
+                      <a:round/>
+                      <a:headEnd type="none" w="sm" len="sm"/>
+                      <a:tailEnd type="none" w="sm" len="sm"/>
+                    </a:lnR>
+                    <a:lnT w="9525" cap="flat" cmpd="sng">
+                      <a:solidFill>
+                        <a:schemeClr val="dk1"/>
+                      </a:solidFill>
+                      <a:prstDash val="solid"/>
+                      <a:round/>
+                      <a:headEnd type="none" w="sm" len="sm"/>
+                      <a:tailEnd type="none" w="sm" len="sm"/>
+                    </a:lnT>
+                    <a:lnB w="9525" cap="flat" cmpd="sng">
+                      <a:solidFill>
+                        <a:schemeClr val="dk1"/>
+                      </a:solidFill>
+                      <a:prstDash val="solid"/>
+                      <a:round/>
+                      <a:headEnd type="none" w="sm" len="sm"/>
+                      <a:tailEnd type="none" w="sm" len="sm"/>
+                    </a:lnB>
+                  </a:tcPr>
+                </a:tc>
+                <a:tc>
+                  <a:txBody>
+                    <a:bodyPr/>
+                    <a:lstStyle/>
+                    <a:p>
+                      <a:pPr>
+                        <a:defRPr sz="900">
+                          <a:latin typeface="Arial"/>
+                        </a:defRPr>
+                      </a:pPr>
+                      <a:r>
+                        <a:t>FULL COUPLING</a:t>
+                      </a:r>
+                    </a:p>
+                  </a:txBody>
+                  <a:tcPr marL="0" marR="0" marT="0" marB="0" anchor="ctr">
+                    <a:lnL w="9525" cap="flat" cmpd="sng">
+                      <a:solidFill>
+                        <a:schemeClr val="dk1"/>
+                      </a:solidFill>
+                      <a:prstDash val="solid"/>
+                      <a:round/>
+                      <a:headEnd type="none" w="sm" len="sm"/>
+                      <a:tailEnd type="none" w="sm" len="sm"/>
+                    </a:lnL>
+                    <a:lnR w="9525" cap="flat" cmpd="sng">
+                      <a:solidFill>
+                        <a:schemeClr val="dk1"/>
+                      </a:solidFill>
+                      <a:prstDash val="solid"/>
+                      <a:round/>
+                      <a:headEnd type="none" w="sm" len="sm"/>
+                      <a:tailEnd type="none" w="sm" len="sm"/>
+                    </a:lnR>
+                    <a:lnT w="9525" cap="flat" cmpd="sng">
+                      <a:solidFill>
+                        <a:schemeClr val="dk1"/>
+                      </a:solidFill>
+                      <a:prstDash val="solid"/>
+                      <a:round/>
+                      <a:headEnd type="none" w="sm" len="sm"/>
+                      <a:tailEnd type="none" w="sm" len="sm"/>
+                    </a:lnT>
+                    <a:lnB w="9525" cap="flat" cmpd="sng">
+                      <a:solidFill>
+                        <a:schemeClr val="dk1"/>
+                      </a:solidFill>
+                      <a:prstDash val="solid"/>
+                      <a:round/>
+                      <a:headEnd type="none" w="sm" len="sm"/>
+                      <a:tailEnd type="none" w="sm" len="sm"/>
+                    </a:lnB>
+                  </a:tcPr>
+                </a:tc>
+                <a:tc>
+                  <a:txBody>
+                    <a:bodyPr/>
+                    <a:lstStyle/>
+                    <a:p>
+                      <a:pPr>
+                        <a:defRPr sz="900">
+                          <a:latin typeface="Arial"/>
+                        </a:defRPr>
+                      </a:pPr>
+                      <a:r>
+                        <a:t>-</a:t>
+                      </a:r>
+                    </a:p>
+                  </a:txBody>
+                  <a:tcPr marL="83125" marR="83125" marT="45725" marB="45725" anchor="ctr">
+                    <a:lnL w="9525" cap="flat" cmpd="sng">
+                      <a:solidFill>
+                        <a:schemeClr val="dk1"/>
+                      </a:solidFill>
+                      <a:prstDash val="solid"/>
+                      <a:round/>
+                      <a:headEnd type="none" w="sm" len="sm"/>
+                      <a:tailEnd type="none" w="sm" len="sm"/>
+                    </a:lnL>
+                    <a:lnR w="9525" cap="flat" cmpd="sng">
+                      <a:solidFill>
+                        <a:schemeClr val="dk1"/>
+                      </a:solidFill>
+                      <a:prstDash val="solid"/>
+                      <a:round/>
+                      <a:headEnd type="none" w="sm" len="sm"/>
+                      <a:tailEnd type="none" w="sm" len="sm"/>
+                    </a:lnR>
+                    <a:lnT w="9525" cap="flat" cmpd="sng">
+                      <a:solidFill>
+                        <a:schemeClr val="dk1"/>
+                      </a:solidFill>
+                      <a:prstDash val="solid"/>
+                      <a:round/>
+                      <a:headEnd type="none" w="sm" len="sm"/>
+                      <a:tailEnd type="none" w="sm" len="sm"/>
+                    </a:lnT>
+                    <a:lnB w="9525" cap="flat" cmpd="sng">
+                      <a:solidFill>
+                        <a:schemeClr val="dk1"/>
+                      </a:solidFill>
+                      <a:prstDash val="solid"/>
+                      <a:round/>
+                      <a:headEnd type="none" w="sm" len="sm"/>
+                      <a:tailEnd type="none" w="sm" len="sm"/>
+                    </a:lnB>
+                  </a:tcPr>
+                </a:tc>
+                <a:tc>
+                  <a:txBody>
+                    <a:bodyPr/>
+                    <a:lstStyle/>
+                    <a:p>
+                      <a:pPr>
+                        <a:defRPr sz="900">
+                          <a:latin typeface="Arial"/>
+                        </a:defRPr>
+                      </a:pPr>
+                      <a:r>
+                        <a:t>Carbon Steel</a:t>
+                      </a:r>
+                    </a:p>
+                  </a:txBody>
+                  <a:tcPr marL="83125" marR="83125" marT="45725" marB="45725" anchor="ctr">
+                    <a:lnL w="9525" cap="flat" cmpd="sng">
+                      <a:solidFill>
+                        <a:schemeClr val="dk1"/>
+                      </a:solidFill>
+                      <a:prstDash val="solid"/>
+                      <a:round/>
+                      <a:headEnd type="none" w="sm" len="sm"/>
+                      <a:tailEnd type="none" w="sm" len="sm"/>
+                    </a:lnL>
+                    <a:lnR w="9525" cap="flat" cmpd="sng">
+                      <a:solidFill>
+                        <a:schemeClr val="dk1"/>
+                      </a:solidFill>
+                      <a:prstDash val="solid"/>
+                      <a:round/>
+                      <a:headEnd type="none" w="sm" len="sm"/>
+                      <a:tailEnd type="none" w="sm" len="sm"/>
+                    </a:lnR>
+                    <a:lnT w="9525" cap="flat" cmpd="sng">
+                      <a:solidFill>
+                        <a:schemeClr val="dk1"/>
+                      </a:solidFill>
+                      <a:prstDash val="solid"/>
+                      <a:round/>
+                      <a:headEnd type="none" w="sm" len="sm"/>
+                      <a:tailEnd type="none" w="sm" len="sm"/>
+                    </a:lnT>
+                    <a:lnB w="9525" cap="flat" cmpd="sng">
+                      <a:solidFill>
+                        <a:schemeClr val="dk1"/>
+                      </a:solidFill>
+                      <a:prstDash val="solid"/>
+                      <a:round/>
+                      <a:headEnd type="none" w="sm" len="sm"/>
+                      <a:tailEnd type="none" w="sm" len="sm"/>
+                    </a:lnB>
+                  </a:tcPr>
+                </a:tc>
+                <a:tc>
+                  <a:txBody>
+                    <a:bodyPr/>
+                    <a:lstStyle/>
+                    <a:p>
+                      <a:pPr>
+                        <a:defRPr sz="900">
+                          <a:latin typeface="Arial"/>
+                        </a:defRPr>
+                      </a:pPr>
+                      <a:r>
+                        <a:t>SA-105</a:t>
+                      </a:r>
+                    </a:p>
+                  </a:txBody>
+                  <a:tcPr marL="83125" marR="83125" marT="45725" marB="45725" anchor="ctr">
+                    <a:lnL w="9525" cap="flat" cmpd="sng">
+                      <a:solidFill>
+                        <a:schemeClr val="dk1"/>
+                      </a:solidFill>
+                      <a:prstDash val="solid"/>
+                      <a:round/>
+                      <a:headEnd type="none" w="sm" len="sm"/>
+                      <a:tailEnd type="none" w="sm" len="sm"/>
+                    </a:lnL>
+                    <a:lnR w="9525" cap="flat" cmpd="sng">
+                      <a:solidFill>
+                        <a:schemeClr val="dk1"/>
+                      </a:solidFill>
+                      <a:prstDash val="solid"/>
+                      <a:round/>
+                      <a:headEnd type="none" w="sm" len="sm"/>
+                      <a:tailEnd type="none" w="sm" len="sm"/>
+                    </a:lnR>
+                    <a:lnT w="9525" cap="flat" cmpd="sng">
+                      <a:solidFill>
+                        <a:schemeClr val="dk1"/>
+                      </a:solidFill>
+                      <a:prstDash val="solid"/>
+                      <a:round/>
+                      <a:headEnd type="none" w="sm" len="sm"/>
+                      <a:tailEnd type="none" w="sm" len="sm"/>
+                    </a:lnT>
+                    <a:lnB w="9525" cap="flat" cmpd="sng">
+                      <a:solidFill>
+                        <a:schemeClr val="dk1"/>
+                      </a:solidFill>
+                      <a:prstDash val="solid"/>
+                      <a:round/>
+                      <a:headEnd type="none" w="sm" len="sm"/>
+                      <a:tailEnd type="none" w="sm" len="sm"/>
+                    </a:lnB>
+                  </a:tcPr>
+                </a:tc>
+                <a:tc>
+                  <a:txBody>
+                    <a:bodyPr/>
+                    <a:lstStyle/>
+                    <a:p>
+                      <a:pPr>
+                        <a:defRPr sz="900">
+                          <a:latin typeface="Arial"/>
+                        </a:defRPr>
+                      </a:pPr>
+                      <a:r>
+                        <a:t>-</a:t>
+                      </a:r>
+                    </a:p>
+                  </a:txBody>
+                  <a:tcPr marL="83125" marR="83125" marT="45725" marB="45725" anchor="ctr">
+                    <a:lnL w="9525" cap="flat" cmpd="sng">
+                      <a:solidFill>
+                        <a:schemeClr val="dk1"/>
+                      </a:solidFill>
+                      <a:prstDash val="solid"/>
+                      <a:round/>
+                      <a:headEnd type="none" w="sm" len="sm"/>
+                      <a:tailEnd type="none" w="sm" len="sm"/>
+                    </a:lnL>
+                    <a:lnR w="9525" cap="flat" cmpd="sng">
+                      <a:solidFill>
+                        <a:schemeClr val="dk1"/>
+                      </a:solidFill>
+                      <a:prstDash val="solid"/>
+                      <a:round/>
+                      <a:headEnd type="none" w="sm" len="sm"/>
+                      <a:tailEnd type="none" w="sm" len="sm"/>
+                    </a:lnR>
+                    <a:lnT w="9525" cap="flat" cmpd="sng">
+                      <a:solidFill>
+                        <a:schemeClr val="dk1"/>
+                      </a:solidFill>
+                      <a:prstDash val="solid"/>
+                      <a:round/>
+                      <a:headEnd type="none" w="sm" len="sm"/>
+                      <a:tailEnd type="none" w="sm" len="sm"/>
+                    </a:lnT>
+                    <a:lnB w="9525" cap="flat" cmpd="sng">
+                      <a:solidFill>
+                        <a:schemeClr val="dk1"/>
+                      </a:solidFill>
+                      <a:prstDash val="solid"/>
+                      <a:round/>
+                      <a:headEnd type="none" w="sm" len="sm"/>
+                      <a:tailEnd type="none" w="sm" len="sm"/>
+                    </a:lnB>
+                  </a:tcPr>
+                </a:tc>
+                <a:tc>
+                  <a:txBody>
+                    <a:bodyPr/>
+                    <a:lstStyle/>
+                    <a:p>
+                      <a:pPr>
+                        <a:defRPr sz="900">
+                          <a:latin typeface="Arial"/>
+                        </a:defRPr>
+                      </a:pPr>
+                      <a:r>
+                        <a:t>-</a:t>
+                      </a:r>
+                    </a:p>
+                  </a:txBody>
+                  <a:tcPr marL="83125" marR="83125" marT="45725" marB="45725" anchor="ctr">
+                    <a:lnL w="9525" cap="flat" cmpd="sng">
+                      <a:solidFill>
+                        <a:schemeClr val="dk1"/>
+                      </a:solidFill>
+                      <a:prstDash val="solid"/>
+                      <a:round/>
+                      <a:headEnd type="none" w="sm" len="sm"/>
+                      <a:tailEnd type="none" w="sm" len="sm"/>
+                    </a:lnL>
+                    <a:lnR w="9525" cap="flat" cmpd="sng">
+                      <a:solidFill>
+                        <a:schemeClr val="dk1"/>
+                      </a:solidFill>
+                      <a:prstDash val="solid"/>
+                      <a:round/>
+                      <a:headEnd type="none" w="sm" len="sm"/>
+                      <a:tailEnd type="none" w="sm" len="sm"/>
+                    </a:lnR>
+                    <a:lnT w="9525" cap="flat" cmpd="sng">
+                      <a:solidFill>
+                        <a:schemeClr val="dk1"/>
+                      </a:solidFill>
+                      <a:prstDash val="solid"/>
+                      <a:round/>
+                      <a:headEnd type="none" w="sm" len="sm"/>
+                      <a:tailEnd type="none" w="sm" len="sm"/>
+                    </a:lnT>
+                    <a:lnB w="9525" cap="flat" cmpd="sng">
+                      <a:solidFill>
+                        <a:schemeClr val="dk1"/>
+                      </a:solidFill>
+                      <a:prstDash val="solid"/>
+                      <a:round/>
+                      <a:headEnd type="none" w="sm" len="sm"/>
+                      <a:tailEnd type="none" w="sm" len="sm"/>
+                    </a:lnB>
+                  </a:tcPr>
+                </a:tc>
+                <a:tc>
+                  <a:txBody>
+                    <a:bodyPr/>
+                    <a:lstStyle/>
+                    <a:p>
+                      <a:pPr>
+                        <a:defRPr sz="900">
+                          <a:latin typeface="Arial"/>
+                        </a:defRPr>
+                      </a:pPr>
+                      <a:r>
+                        <a:t>150 C</a:t>
+                      </a:r>
+                    </a:p>
+                  </a:txBody>
+                  <a:tcPr marL="0" marR="0" marT="0" marB="0" anchor="ctr">
+                    <a:lnL w="9525" cap="flat" cmpd="sng">
+                      <a:solidFill>
+                        <a:schemeClr val="dk1"/>
+                      </a:solidFill>
+                      <a:prstDash val="solid"/>
+                      <a:round/>
+                      <a:headEnd type="none" w="sm" len="sm"/>
+                      <a:tailEnd type="none" w="sm" len="sm"/>
+                    </a:lnL>
+                    <a:lnR w="9525" cap="flat" cmpd="sng">
+                      <a:solidFill>
+                        <a:schemeClr val="dk1"/>
+                      </a:solidFill>
+                      <a:prstDash val="solid"/>
+                      <a:round/>
+                      <a:headEnd type="none" w="sm" len="sm"/>
+                      <a:tailEnd type="none" w="sm" len="sm"/>
+                    </a:lnR>
+                    <a:lnT w="9525" cap="flat" cmpd="sng">
+                      <a:solidFill>
+                        <a:schemeClr val="dk1"/>
+                      </a:solidFill>
+                      <a:prstDash val="solid"/>
+                      <a:round/>
+                      <a:headEnd type="none" w="sm" len="sm"/>
+                      <a:tailEnd type="none" w="sm" len="sm"/>
+                    </a:lnT>
+                    <a:lnB w="9525" cap="flat" cmpd="sng">
+                      <a:solidFill>
+                        <a:schemeClr val="dk1"/>
+                      </a:solidFill>
+                      <a:prstDash val="solid"/>
+                      <a:round/>
+                      <a:headEnd type="none" w="sm" len="sm"/>
+                      <a:tailEnd type="none" w="sm" len="sm"/>
+                    </a:lnB>
+                  </a:tcPr>
+                </a:tc>
+                <a:tc>
+                  <a:txBody>
+                    <a:bodyPr/>
+                    <a:lstStyle/>
+                    <a:p>
+                      <a:pPr>
+                        <a:defRPr sz="900">
+                          <a:latin typeface="Arial"/>
+                        </a:defRPr>
+                      </a:pPr>
+                      <a:r>
+                        <a:t>6.9 bar G</a:t>
+                      </a:r>
+                    </a:p>
+                  </a:txBody>
+                  <a:tcPr marL="0" marR="0" marT="0" marB="0" anchor="ctr">
+                    <a:lnL w="9525" cap="flat" cmpd="sng">
+                      <a:solidFill>
+                        <a:schemeClr val="dk1"/>
+                      </a:solidFill>
+                      <a:prstDash val="solid"/>
+                      <a:round/>
+                      <a:headEnd type="none" w="sm" len="sm"/>
+                      <a:tailEnd type="none" w="sm" len="sm"/>
+                    </a:lnL>
+                    <a:lnR w="9525" cap="flat" cmpd="sng">
+                      <a:solidFill>
+                        <a:schemeClr val="dk1"/>
+                      </a:solidFill>
+                      <a:prstDash val="solid"/>
+                      <a:round/>
+                      <a:headEnd type="none" w="sm" len="sm"/>
+                      <a:tailEnd type="none" w="sm" len="sm"/>
+                    </a:lnR>
+                    <a:lnT w="9525" cap="flat" cmpd="sng">
+                      <a:solidFill>
+                        <a:schemeClr val="dk1"/>
+                      </a:solidFill>
+                      <a:prstDash val="solid"/>
+                      <a:round/>
+                      <a:headEnd type="none" w="sm" len="sm"/>
+                      <a:tailEnd type="none" w="sm" len="sm"/>
+                    </a:lnT>
+                    <a:lnB w="9525" cap="flat" cmpd="sng">
+                      <a:solidFill>
+                        <a:schemeClr val="dk1"/>
+                      </a:solidFill>
+                      <a:prstDash val="solid"/>
+                      <a:round/>
+                      <a:headEnd type="none" w="sm" len="sm"/>
+                      <a:tailEnd type="none" w="sm" len="sm"/>
+                    </a:lnB>
+                  </a:tcPr>
+                </a:tc>
+                <a:tc vMerge="1">
+                  <a:txBody>
+                    <a:bodyPr/>
+                    <a:lstStyle/>
+                    <a:p/>
+                  </a:txBody>
+                  <a:tcPr/>
+                </a:tc>
+                <a:tc vMerge="1">
+                  <a:txBody>
+                    <a:bodyPr/>
+                    <a:lstStyle/>
+                    <a:p/>
+                  </a:txBody>
+                  <a:tcPr/>
+                </a:tc>
+                <a:extLst>
+                  <a:ext uri="{0D108BD9-81ED-4DB2-BD59-A6C34878D82A}">
+                    <a16:rowId xmlns:a16="http://schemas.microsoft.com/office/drawing/2014/main" val="10004"/>
+                  </a:ext>
+                </a:extLst>
+              </a:tr>
+              <a:tr h="243125">
+                <a:tc>
+                  <a:txBody>
+                    <a:bodyPr/>
+                    <a:lstStyle/>
+                    <a:p>
+                      <a:pPr>
+                        <a:defRPr sz="900">
+                          <a:latin typeface="Arial"/>
+                        </a:defRPr>
+                      </a:pPr>
+                      <a:r>
+                        <a:t>-</a:t>
+                      </a:r>
+                    </a:p>
+                  </a:txBody>
+                  <a:tcPr marL="0" marR="0" marT="0" marB="0" anchor="ctr">
+                    <a:lnL w="9525" cap="flat" cmpd="sng">
+                      <a:solidFill>
+                        <a:schemeClr val="dk1"/>
+                      </a:solidFill>
+                      <a:prstDash val="solid"/>
+                      <a:round/>
+                      <a:headEnd type="none" w="sm" len="sm"/>
+                      <a:tailEnd type="none" w="sm" len="sm"/>
+                    </a:lnL>
+                    <a:lnR w="9525" cap="flat" cmpd="sng">
+                      <a:solidFill>
+                        <a:schemeClr val="dk1"/>
+                      </a:solidFill>
+                      <a:prstDash val="solid"/>
+                      <a:round/>
+                      <a:headEnd type="none" w="sm" len="sm"/>
+                      <a:tailEnd type="none" w="sm" len="sm"/>
+                    </a:lnR>
+                    <a:lnT w="9525" cap="flat" cmpd="sng">
+                      <a:solidFill>
+                        <a:schemeClr val="dk1"/>
+                      </a:solidFill>
+                      <a:prstDash val="solid"/>
+                      <a:round/>
+                      <a:headEnd type="none" w="sm" len="sm"/>
+                      <a:tailEnd type="none" w="sm" len="sm"/>
+                    </a:lnT>
+                    <a:lnB w="9525" cap="flat" cmpd="sng">
+                      <a:solidFill>
+                        <a:schemeClr val="dk1"/>
+                      </a:solidFill>
+                      <a:prstDash val="solid"/>
+                      <a:round/>
+                      <a:headEnd type="none" w="sm" len="sm"/>
+                      <a:tailEnd type="none" w="sm" len="sm"/>
+                    </a:lnB>
+                  </a:tcPr>
+                </a:tc>
+                <a:tc>
+                  <a:txBody>
+                    <a:bodyPr/>
+                    <a:lstStyle/>
+                    <a:p>
+                      <a:pPr>
+                        <a:defRPr sz="900">
+                          <a:latin typeface="Arial"/>
+                        </a:defRPr>
+                      </a:pPr>
+                      <a:r>
+                        <a:t>-</a:t>
+                      </a:r>
+                    </a:p>
+                  </a:txBody>
+                  <a:tcPr marL="0" marR="0" marT="0" marB="0" anchor="ctr">
+                    <a:lnL w="9525" cap="flat" cmpd="sng">
+                      <a:solidFill>
+                        <a:schemeClr val="dk1"/>
+                      </a:solidFill>
+                      <a:prstDash val="solid"/>
+                      <a:round/>
+                      <a:headEnd type="none" w="sm" len="sm"/>
+                      <a:tailEnd type="none" w="sm" len="sm"/>
+                    </a:lnL>
+                    <a:lnR w="9525" cap="flat" cmpd="sng">
+                      <a:solidFill>
+                        <a:schemeClr val="dk1"/>
+                      </a:solidFill>
+                      <a:prstDash val="solid"/>
+                      <a:round/>
+                      <a:headEnd type="none" w="sm" len="sm"/>
+                      <a:tailEnd type="none" w="sm" len="sm"/>
+                    </a:lnR>
+                    <a:lnT w="9525" cap="flat" cmpd="sng">
+                      <a:solidFill>
+                        <a:schemeClr val="dk1"/>
+                      </a:solidFill>
+                      <a:prstDash val="solid"/>
+                      <a:round/>
+                      <a:headEnd type="none" w="sm" len="sm"/>
+                      <a:tailEnd type="none" w="sm" len="sm"/>
+                    </a:lnT>
+                    <a:lnB w="9525" cap="flat" cmpd="sng">
+                      <a:solidFill>
+                        <a:schemeClr val="dk1"/>
+                      </a:solidFill>
+                      <a:prstDash val="solid"/>
+                      <a:round/>
+                      <a:headEnd type="none" w="sm" len="sm"/>
+                      <a:tailEnd type="none" w="sm" len="sm"/>
+                    </a:lnB>
+                  </a:tcPr>
+                </a:tc>
+                <a:tc>
+                  <a:txBody>
+                    <a:bodyPr/>
+                    <a:lstStyle/>
+                    <a:p>
+                      <a:pPr>
+                        <a:defRPr sz="900">
+                          <a:latin typeface="Arial"/>
+                        </a:defRPr>
+                      </a:pPr>
+                      <a:r>
+                        <a:t>-</a:t>
+                      </a:r>
+                    </a:p>
+                  </a:txBody>
+                  <a:tcPr marL="83125" marR="83125" marT="45725" marB="45725" anchor="ctr">
+                    <a:lnL w="9525" cap="flat" cmpd="sng">
+                      <a:solidFill>
+                        <a:schemeClr val="dk1"/>
+                      </a:solidFill>
+                      <a:prstDash val="solid"/>
+                      <a:round/>
+                      <a:headEnd type="none" w="sm" len="sm"/>
+                      <a:tailEnd type="none" w="sm" len="sm"/>
+                    </a:lnL>
+                    <a:lnR w="9525" cap="flat" cmpd="sng">
+                      <a:solidFill>
+                        <a:schemeClr val="dk1"/>
+                      </a:solidFill>
+                      <a:prstDash val="solid"/>
+                      <a:round/>
+                      <a:headEnd type="none" w="sm" len="sm"/>
+                      <a:tailEnd type="none" w="sm" len="sm"/>
+                    </a:lnR>
+                    <a:lnT w="9525" cap="flat" cmpd="sng">
+                      <a:solidFill>
+                        <a:schemeClr val="dk1"/>
+                      </a:solidFill>
+                      <a:prstDash val="solid"/>
+                      <a:round/>
+                      <a:headEnd type="none" w="sm" len="sm"/>
+                      <a:tailEnd type="none" w="sm" len="sm"/>
+                    </a:lnT>
+                    <a:lnB w="9525" cap="flat" cmpd="sng">
+                      <a:solidFill>
+                        <a:schemeClr val="dk1"/>
+                      </a:solidFill>
+                      <a:prstDash val="solid"/>
+                      <a:round/>
+                      <a:headEnd type="none" w="sm" len="sm"/>
+                      <a:tailEnd type="none" w="sm" len="sm"/>
+                    </a:lnB>
+                  </a:tcPr>
+                </a:tc>
+                <a:tc>
+                  <a:txBody>
+                    <a:bodyPr/>
+                    <a:lstStyle/>
+                    <a:p>
+                      <a:pPr>
+                        <a:defRPr sz="900">
+                          <a:latin typeface="Arial"/>
+                        </a:defRPr>
+                      </a:pPr>
+                      <a:r>
+                        <a:t>-</a:t>
+                      </a:r>
+                    </a:p>
+                  </a:txBody>
+                  <a:tcPr marL="83125" marR="83125" marT="45725" marB="45725" anchor="ctr">
+                    <a:lnL w="9525" cap="flat" cmpd="sng">
+                      <a:solidFill>
+                        <a:schemeClr val="dk1"/>
+                      </a:solidFill>
+                      <a:prstDash val="solid"/>
+                      <a:round/>
+                      <a:headEnd type="none" w="sm" len="sm"/>
+                      <a:tailEnd type="none" w="sm" len="sm"/>
+                    </a:lnL>
+                    <a:lnR w="9525" cap="flat" cmpd="sng">
+                      <a:solidFill>
+                        <a:schemeClr val="dk1"/>
+                      </a:solidFill>
+                      <a:prstDash val="solid"/>
+                      <a:round/>
+                      <a:headEnd type="none" w="sm" len="sm"/>
+                      <a:tailEnd type="none" w="sm" len="sm"/>
+                    </a:lnR>
+                    <a:lnT w="9525" cap="flat" cmpd="sng">
+                      <a:solidFill>
+                        <a:schemeClr val="dk1"/>
+                      </a:solidFill>
+                      <a:prstDash val="solid"/>
+                      <a:round/>
+                      <a:headEnd type="none" w="sm" len="sm"/>
+                      <a:tailEnd type="none" w="sm" len="sm"/>
+                    </a:lnT>
+                    <a:lnB w="9525" cap="flat" cmpd="sng">
+                      <a:solidFill>
+                        <a:schemeClr val="dk1"/>
+                      </a:solidFill>
+                      <a:prstDash val="solid"/>
+                      <a:round/>
+                      <a:headEnd type="none" w="sm" len="sm"/>
+                      <a:tailEnd type="none" w="sm" len="sm"/>
+                    </a:lnB>
+                  </a:tcPr>
+                </a:tc>
+                <a:tc>
+                  <a:txBody>
+                    <a:bodyPr/>
+                    <a:lstStyle/>
+                    <a:p>
+                      <a:pPr>
+                        <a:defRPr sz="900">
+                          <a:latin typeface="Arial"/>
+                        </a:defRPr>
+                      </a:pPr>
+                      <a:r>
+                        <a:t>-</a:t>
+                      </a:r>
+                    </a:p>
+                  </a:txBody>
+                  <a:tcPr marL="83125" marR="83125" marT="45725" marB="45725" anchor="ctr">
+                    <a:lnL w="9525" cap="flat" cmpd="sng">
+                      <a:solidFill>
+                        <a:schemeClr val="dk1"/>
+                      </a:solidFill>
+                      <a:prstDash val="solid"/>
+                      <a:round/>
+                      <a:headEnd type="none" w="sm" len="sm"/>
+                      <a:tailEnd type="none" w="sm" len="sm"/>
+                    </a:lnL>
+                    <a:lnR w="9525" cap="flat" cmpd="sng">
+                      <a:solidFill>
+                        <a:schemeClr val="dk1"/>
+                      </a:solidFill>
+                      <a:prstDash val="solid"/>
+                      <a:round/>
+                      <a:headEnd type="none" w="sm" len="sm"/>
+                      <a:tailEnd type="none" w="sm" len="sm"/>
+                    </a:lnR>
+                    <a:lnT w="9525" cap="flat" cmpd="sng">
+                      <a:solidFill>
+                        <a:schemeClr val="dk1"/>
+                      </a:solidFill>
+                      <a:prstDash val="solid"/>
+                      <a:round/>
+                      <a:headEnd type="none" w="sm" len="sm"/>
+                      <a:tailEnd type="none" w="sm" len="sm"/>
+                    </a:lnT>
+                    <a:lnB w="9525" cap="flat" cmpd="sng">
+                      <a:solidFill>
+                        <a:schemeClr val="dk1"/>
+                      </a:solidFill>
+                      <a:prstDash val="solid"/>
+                      <a:round/>
+                      <a:headEnd type="none" w="sm" len="sm"/>
+                      <a:tailEnd type="none" w="sm" len="sm"/>
+                    </a:lnB>
+                  </a:tcPr>
+                </a:tc>
+                <a:tc>
+                  <a:txBody>
+                    <a:bodyPr/>
+                    <a:lstStyle/>
+                    <a:p>
+                      <a:pPr>
+                        <a:defRPr sz="900">
+                          <a:latin typeface="Arial"/>
+                        </a:defRPr>
+                      </a:pPr>
+                      <a:r>
+                        <a:t>-</a:t>
+                      </a:r>
+                    </a:p>
+                  </a:txBody>
+                  <a:tcPr marL="83125" marR="83125" marT="45725" marB="45725" anchor="ctr">
+                    <a:lnL w="9525" cap="flat" cmpd="sng">
+                      <a:solidFill>
+                        <a:schemeClr val="dk1"/>
+                      </a:solidFill>
+                      <a:prstDash val="solid"/>
+                      <a:round/>
+                      <a:headEnd type="none" w="sm" len="sm"/>
+                      <a:tailEnd type="none" w="sm" len="sm"/>
+                    </a:lnL>
+                    <a:lnR w="9525" cap="flat" cmpd="sng">
+                      <a:solidFill>
+                        <a:schemeClr val="dk1"/>
+                      </a:solidFill>
+                      <a:prstDash val="solid"/>
+                      <a:round/>
+                      <a:headEnd type="none" w="sm" len="sm"/>
+                      <a:tailEnd type="none" w="sm" len="sm"/>
+                    </a:lnR>
+                    <a:lnT w="9525" cap="flat" cmpd="sng">
+                      <a:solidFill>
+                        <a:schemeClr val="dk1"/>
+                      </a:solidFill>
+                      <a:prstDash val="solid"/>
+                      <a:round/>
+                      <a:headEnd type="none" w="sm" len="sm"/>
+                      <a:tailEnd type="none" w="sm" len="sm"/>
+                    </a:lnT>
+                    <a:lnB w="9525" cap="flat" cmpd="sng">
+                      <a:solidFill>
+                        <a:schemeClr val="dk1"/>
+                      </a:solidFill>
+                      <a:prstDash val="solid"/>
+                      <a:round/>
+                      <a:headEnd type="none" w="sm" len="sm"/>
+                      <a:tailEnd type="none" w="sm" len="sm"/>
+                    </a:lnB>
+                  </a:tcPr>
+                </a:tc>
+                <a:tc>
+                  <a:txBody>
+                    <a:bodyPr/>
+                    <a:lstStyle/>
+                    <a:p>
+                      <a:pPr>
+                        <a:defRPr sz="900">
+                          <a:latin typeface="Arial"/>
+                        </a:defRPr>
+                      </a:pPr>
+                      <a:r>
+                        <a:t>-</a:t>
+                      </a:r>
+                    </a:p>
+                  </a:txBody>
+                  <a:tcPr marL="83125" marR="83125" marT="45725" marB="45725" anchor="ctr">
+                    <a:lnL w="9525" cap="flat" cmpd="sng">
+                      <a:solidFill>
+                        <a:schemeClr val="dk1"/>
+                      </a:solidFill>
+                      <a:prstDash val="solid"/>
+                      <a:round/>
+                      <a:headEnd type="none" w="sm" len="sm"/>
+                      <a:tailEnd type="none" w="sm" len="sm"/>
+                    </a:lnL>
+                    <a:lnR w="9525" cap="flat" cmpd="sng">
+                      <a:solidFill>
+                        <a:schemeClr val="dk1"/>
+                      </a:solidFill>
+                      <a:prstDash val="solid"/>
+                      <a:round/>
+                      <a:headEnd type="none" w="sm" len="sm"/>
+                      <a:tailEnd type="none" w="sm" len="sm"/>
+                    </a:lnR>
+                    <a:lnT w="9525" cap="flat" cmpd="sng">
+                      <a:solidFill>
+                        <a:schemeClr val="dk1"/>
+                      </a:solidFill>
+                      <a:prstDash val="solid"/>
+                      <a:round/>
+                      <a:headEnd type="none" w="sm" len="sm"/>
+                      <a:tailEnd type="none" w="sm" len="sm"/>
+                    </a:lnT>
+                    <a:lnB w="9525" cap="flat" cmpd="sng">
+                      <a:solidFill>
+                        <a:schemeClr val="dk1"/>
+                      </a:solidFill>
+                      <a:prstDash val="solid"/>
+                      <a:round/>
+                      <a:headEnd type="none" w="sm" len="sm"/>
+                      <a:tailEnd type="none" w="sm" len="sm"/>
+                    </a:lnB>
+                  </a:tcPr>
+                </a:tc>
+                <a:tc>
+                  <a:txBody>
+                    <a:bodyPr/>
+                    <a:lstStyle/>
+                    <a:p>
+                      <a:pPr>
+                        <a:defRPr sz="900">
+                          <a:latin typeface="Arial"/>
+                        </a:defRPr>
+                      </a:pPr>
+                      <a:r>
+                        <a:t>-</a:t>
+                      </a:r>
+                    </a:p>
+                  </a:txBody>
+                  <a:tcPr marL="0" marR="0" marT="0" marB="0" anchor="ctr">
+                    <a:lnL w="9525" cap="flat" cmpd="sng">
+                      <a:solidFill>
+                        <a:schemeClr val="dk1"/>
+                      </a:solidFill>
+                      <a:prstDash val="solid"/>
+                      <a:round/>
+                      <a:headEnd type="none" w="sm" len="sm"/>
+                      <a:tailEnd type="none" w="sm" len="sm"/>
+                    </a:lnL>
+                    <a:lnR w="9525" cap="flat" cmpd="sng">
+                      <a:solidFill>
+                        <a:schemeClr val="dk1"/>
+                      </a:solidFill>
+                      <a:prstDash val="solid"/>
+                      <a:round/>
+                      <a:headEnd type="none" w="sm" len="sm"/>
+                      <a:tailEnd type="none" w="sm" len="sm"/>
+                    </a:lnR>
+                    <a:lnT w="9525" cap="flat" cmpd="sng">
+                      <a:solidFill>
+                        <a:schemeClr val="dk1"/>
+                      </a:solidFill>
+                      <a:prstDash val="solid"/>
+                      <a:round/>
+                      <a:headEnd type="none" w="sm" len="sm"/>
+                      <a:tailEnd type="none" w="sm" len="sm"/>
+                    </a:lnT>
+                    <a:lnB w="9525" cap="flat" cmpd="sng">
+                      <a:solidFill>
+                        <a:schemeClr val="dk1"/>
+                      </a:solidFill>
+                      <a:prstDash val="solid"/>
+                      <a:round/>
+                      <a:headEnd type="none" w="sm" len="sm"/>
+                      <a:tailEnd type="none" w="sm" len="sm"/>
+                    </a:lnB>
+                  </a:tcPr>
+                </a:tc>
+                <a:tc>
+                  <a:txBody>
+                    <a:bodyPr/>
+                    <a:lstStyle/>
+                    <a:p>
+                      <a:pPr>
+                        <a:defRPr sz="900">
+                          <a:latin typeface="Arial"/>
+                        </a:defRPr>
+                      </a:pPr>
+                      <a:r>
+                        <a:t>-</a:t>
+                      </a:r>
+                    </a:p>
+                  </a:txBody>
+                  <a:tcPr marL="0" marR="0" marT="0" marB="0" anchor="ctr">
+                    <a:lnL w="9525" cap="flat" cmpd="sng">
+                      <a:solidFill>
+                        <a:schemeClr val="dk1"/>
+                      </a:solidFill>
+                      <a:prstDash val="solid"/>
+                      <a:round/>
+                      <a:headEnd type="none" w="sm" len="sm"/>
+                      <a:tailEnd type="none" w="sm" len="sm"/>
+                    </a:lnL>
+                    <a:lnR w="9525" cap="flat" cmpd="sng">
+                      <a:solidFill>
+                        <a:schemeClr val="dk1"/>
+                      </a:solidFill>
+                      <a:prstDash val="solid"/>
+                      <a:round/>
+                      <a:headEnd type="none" w="sm" len="sm"/>
+                      <a:tailEnd type="none" w="sm" len="sm"/>
+                    </a:lnR>
+                    <a:lnT w="9525" cap="flat" cmpd="sng">
+                      <a:solidFill>
+                        <a:schemeClr val="dk1"/>
+                      </a:solidFill>
+                      <a:prstDash val="solid"/>
+                      <a:round/>
+                      <a:headEnd type="none" w="sm" len="sm"/>
+                      <a:tailEnd type="none" w="sm" len="sm"/>
+                    </a:lnT>
+                    <a:lnB w="9525" cap="flat" cmpd="sng">
+                      <a:solidFill>
+                        <a:schemeClr val="dk1"/>
+                      </a:solidFill>
+                      <a:prstDash val="solid"/>
+                      <a:round/>
+                      <a:headEnd type="none" w="sm" len="sm"/>
+                      <a:tailEnd type="none" w="sm" len="sm"/>
+                    </a:lnB>
+                  </a:tcPr>
+                </a:tc>
+                <a:tc vMerge="1">
+                  <a:txBody>
+                    <a:bodyPr/>
+                    <a:lstStyle/>
+                    <a:p>
+                      <a:pPr>
+                        <a:defRPr sz="900">
+                          <a:latin typeface="Arial"/>
+                        </a:defRPr>
+                      </a:pPr>
+                      <a:r>
+                        <a:t>-</a:t>
+                      </a:r>
+                    </a:p>
+                  </a:txBody>
+                  <a:tcPr anchor="ctr"/>
+                </a:tc>
+                <a:tc vMerge="1">
+                  <a:txBody>
+                    <a:bodyPr/>
+                    <a:lstStyle/>
+                    <a:p>
+                      <a:pPr>
+                        <a:defRPr sz="900">
+                          <a:latin typeface="Arial"/>
+                        </a:defRPr>
+                      </a:pPr>
+                      <a:r>
+                        <a:t>-</a:t>
+                      </a:r>
+                    </a:p>
+                  </a:txBody>
+                  <a:tcPr anchor="ctr"/>
+                </a:tc>
+                <a:extLst>
+                  <a:ext uri="{0D108BD9-81ED-4DB2-BD59-A6C34878D82A}">
+                    <a16:rowId xmlns:a16="http://schemas.microsoft.com/office/drawing/2014/main" val="10004"/>
+                  </a:ext>
+                </a:extLst>
+              </a:tr>
+            </a:tbl>
+          </a:graphicData>
+        </a:graphic>
+      </p:graphicFrame>
       <p:graphicFrame>
         <p:nvGraphicFramePr>
           <p:cNvPr id="53" name="Google Shape;53;p1"/>
@@ -9145,7 +13693,7 @@
 </p:sld>
 </file>
 
-<file path=ppt/slides/slide2.xml><?xml version="1.0" encoding="utf-8"?>
+<file path=ppt/slides/slide3.xml><?xml version="1.0" encoding="utf-8"?>
 <p:sld xmlns:a="http://schemas.openxmlformats.org/drawingml/2006/main" xmlns:p="http://schemas.openxmlformats.org/presentationml/2006/main" xmlns:r="http://schemas.openxmlformats.org/officeDocument/2006/relationships">
   <p:cSld>
     <p:spTree>
@@ -9157,7 +13705,7 @@
       <p:grpSpPr/>
       <p:pic>
         <p:nvPicPr>
-          <p:cNvPr id="2" name="Picture 1" descr="tmp7ealjytp.jpg"/>
+          <p:cNvPr id="2" name="Picture 1" descr="tmpawjbsutd.jpg"/>
           <p:cNvPicPr>
             <a:picLocks noChangeAspect="1"/>
           </p:cNvPicPr>

--- a/outputs/Inspection_Plan_MLK_PMT_10101_-_V-001.pptx
+++ b/outputs/Inspection_Plan_MLK_PMT_10101_-_V-001.pptx
@@ -10395,7 +10395,7 @@
                         </a:defRPr>
                       </a:pPr>
                       <a:r>
-                        <a:t>150 C</a:t>
+                        <a:t>80 DEG. C</a:t>
                       </a:r>
                     </a:p>
                   </a:txBody>
@@ -10449,7 +10449,7 @@
                         </a:defRPr>
                       </a:pPr>
                       <a:r>
-                        <a:t>6.9 bar G</a:t>
+                        <a:t>8.0 BARG</a:t>
                       </a:r>
                     </a:p>
                   </a:txBody>
@@ -10698,7 +10698,7 @@
                         </a:defRPr>
                       </a:pPr>
                       <a:r>
-                        <a:t>PLATE HEAD</a:t>
+                        <a:t>TOP HEAD</a:t>
                       </a:r>
                     </a:p>
                   </a:txBody>
@@ -11022,7 +11022,7 @@
                         </a:defRPr>
                       </a:pPr>
                       <a:r>
-                        <a:t>150 C</a:t>
+                        <a:t>80 DEG. C</a:t>
                       </a:r>
                     </a:p>
                   </a:txBody>
@@ -11076,7 +11076,7 @@
                         </a:defRPr>
                       </a:pPr>
                       <a:r>
-                        <a:t>6.9 bar G</a:t>
+                        <a:t>8.0 BARG</a:t>
                       </a:r>
                     </a:p>
                   </a:txBody>
@@ -11211,7 +11211,7 @@
                         </a:defRPr>
                       </a:pPr>
                       <a:r>
-                        <a:t>HALF COUPLING</a:t>
+                        <a:t>BOTTOM HEAD</a:t>
                       </a:r>
                     </a:p>
                   </a:txBody>
@@ -11373,7 +11373,7 @@
                         </a:defRPr>
                       </a:pPr>
                       <a:r>
-                        <a:t>SA-105</a:t>
+                        <a:t>SA-516</a:t>
                       </a:r>
                     </a:p>
                   </a:txBody>
@@ -11427,7 +11427,7 @@
                         </a:defRPr>
                       </a:pPr>
                       <a:r>
-                        <a:t>-</a:t>
+                        <a:t>70</a:t>
                       </a:r>
                     </a:p>
                   </a:txBody>
@@ -11535,7 +11535,7 @@
                         </a:defRPr>
                       </a:pPr>
                       <a:r>
-                        <a:t>150 C</a:t>
+                        <a:t>80 DEG. C</a:t>
                       </a:r>
                     </a:p>
                   </a:txBody>
@@ -11589,7 +11589,7 @@
                         </a:defRPr>
                       </a:pPr>
                       <a:r>
-                        <a:t>6.9 bar G</a:t>
+                        <a:t>8.0 BARG</a:t>
                       </a:r>
                     </a:p>
                   </a:txBody>
@@ -12048,7 +12048,7 @@
                         </a:defRPr>
                       </a:pPr>
                       <a:r>
-                        <a:t>150 C</a:t>
+                        <a:t>80 DEG. C</a:t>
                       </a:r>
                     </a:p>
                   </a:txBody>
@@ -12102,7 +12102,7 @@
                         </a:defRPr>
                       </a:pPr>
                       <a:r>
-                        <a:t>6.9 bar G</a:t>
+                        <a:t>8.0 BARG</a:t>
                       </a:r>
                     </a:p>
                   </a:txBody>
@@ -12179,7 +12179,7 @@
                         </a:defRPr>
                       </a:pPr>
                       <a:r>
-                        <a:t>-</a:t>
+                        <a:t>WATER / STEAM</a:t>
                       </a:r>
                     </a:p>
                   </a:txBody>
@@ -12233,7 +12233,7 @@
                         </a:defRPr>
                       </a:pPr>
                       <a:r>
-                        <a:t>-</a:t>
+                        <a:t>FULL COUPLING</a:t>
                       </a:r>
                     </a:p>
                   </a:txBody>
@@ -12341,7 +12341,7 @@
                         </a:defRPr>
                       </a:pPr>
                       <a:r>
-                        <a:t>-</a:t>
+                        <a:t>Carbon Steel</a:t>
                       </a:r>
                     </a:p>
                   </a:txBody>
@@ -12395,7 +12395,7 @@
                         </a:defRPr>
                       </a:pPr>
                       <a:r>
-                        <a:t>-</a:t>
+                        <a:t>SA-105</a:t>
                       </a:r>
                     </a:p>
                   </a:txBody>
@@ -12557,7 +12557,7 @@
                         </a:defRPr>
                       </a:pPr>
                       <a:r>
-                        <a:t>-</a:t>
+                        <a:t>80 DEG. C</a:t>
                       </a:r>
                     </a:p>
                   </a:txBody>
@@ -12611,7 +12611,7 @@
                         </a:defRPr>
                       </a:pPr>
                       <a:r>
-                        <a:t>-</a:t>
+                        <a:t>8.0 BARG</a:t>
                       </a:r>
                     </a:p>
                   </a:txBody>
@@ -12658,35 +12658,17 @@
                   <a:txBody>
                     <a:bodyPr/>
                     <a:lstStyle/>
-                    <a:p>
-                      <a:pPr>
-                        <a:defRPr sz="900">
-                          <a:latin typeface="Arial"/>
-                        </a:defRPr>
-                      </a:pPr>
-                      <a:r>
-                        <a:t>-</a:t>
-                      </a:r>
-                    </a:p>
-                  </a:txBody>
-                  <a:tcPr anchor="ctr"/>
+                    <a:p/>
+                  </a:txBody>
+                  <a:tcPr/>
                 </a:tc>
                 <a:tc vMerge="1">
                   <a:txBody>
                     <a:bodyPr/>
                     <a:lstStyle/>
-                    <a:p>
-                      <a:pPr>
-                        <a:defRPr sz="900">
-                          <a:latin typeface="Arial"/>
-                        </a:defRPr>
-                      </a:pPr>
-                      <a:r>
-                        <a:t>-</a:t>
-                      </a:r>
-                    </a:p>
-                  </a:txBody>
-                  <a:tcPr anchor="ctr"/>
+                    <a:p/>
+                  </a:txBody>
+                  <a:tcPr/>
                 </a:tc>
                 <a:extLst>
                   <a:ext uri="{0D108BD9-81ED-4DB2-BD59-A6C34878D82A}">
@@ -13613,9 +13595,6 @@
                 <a:latin typeface="Arial"/>
               </a:defRPr>
             </a:pPr>
-            <a:r>
-              <a:t>Air Receiver</a:t>
-            </a:r>
           </a:p>
         </p:txBody>
       </p:sp>
@@ -13705,7 +13684,7 @@
       <p:grpSpPr/>
       <p:pic>
         <p:nvPicPr>
-          <p:cNvPr id="2" name="Picture 1" descr="tmpawjbsutd.jpg"/>
+          <p:cNvPr id="2" name="Picture 1" descr="tmpab7z1am5.jpg"/>
           <p:cNvPicPr>
             <a:picLocks noChangeAspect="1"/>
           </p:cNvPicPr>
